--- a/docs/1일차-20140326.pptx
+++ b/docs/1일차-20140326.pptx
@@ -4,46 +4,50 @@
   <p:sldMasterIdLst>
     <p:sldMasterId id="2147483648" r:id="rId1"/>
   </p:sldMasterIdLst>
+  <p:notesMasterIdLst>
+    <p:notesMasterId r:id="rId42"/>
+  </p:notesMasterIdLst>
   <p:sldIdLst>
     <p:sldId id="257" r:id="rId2"/>
     <p:sldId id="258" r:id="rId3"/>
     <p:sldId id="259" r:id="rId4"/>
     <p:sldId id="260" r:id="rId5"/>
-    <p:sldId id="261" r:id="rId6"/>
-    <p:sldId id="266" r:id="rId7"/>
-    <p:sldId id="267" r:id="rId8"/>
-    <p:sldId id="265" r:id="rId9"/>
-    <p:sldId id="268" r:id="rId10"/>
-    <p:sldId id="262" r:id="rId11"/>
-    <p:sldId id="269" r:id="rId12"/>
-    <p:sldId id="270" r:id="rId13"/>
-    <p:sldId id="271" r:id="rId14"/>
-    <p:sldId id="272" r:id="rId15"/>
-    <p:sldId id="273" r:id="rId16"/>
-    <p:sldId id="274" r:id="rId17"/>
-    <p:sldId id="275" r:id="rId18"/>
-    <p:sldId id="276" r:id="rId19"/>
-    <p:sldId id="294" r:id="rId20"/>
-    <p:sldId id="288" r:id="rId21"/>
-    <p:sldId id="289" r:id="rId22"/>
-    <p:sldId id="290" r:id="rId23"/>
-    <p:sldId id="292" r:id="rId24"/>
-    <p:sldId id="293" r:id="rId25"/>
-    <p:sldId id="281" r:id="rId26"/>
-    <p:sldId id="285" r:id="rId27"/>
-    <p:sldId id="286" r:id="rId28"/>
-    <p:sldId id="287" r:id="rId29"/>
-    <p:sldId id="295" r:id="rId30"/>
-    <p:sldId id="296" r:id="rId31"/>
-    <p:sldId id="297" r:id="rId32"/>
-    <p:sldId id="298" r:id="rId33"/>
-    <p:sldId id="299" r:id="rId34"/>
-    <p:sldId id="300" r:id="rId35"/>
-    <p:sldId id="301" r:id="rId36"/>
-    <p:sldId id="302" r:id="rId37"/>
-    <p:sldId id="303" r:id="rId38"/>
-    <p:sldId id="263" r:id="rId39"/>
-    <p:sldId id="304" r:id="rId40"/>
+    <p:sldId id="305" r:id="rId6"/>
+    <p:sldId id="261" r:id="rId7"/>
+    <p:sldId id="266" r:id="rId8"/>
+    <p:sldId id="267" r:id="rId9"/>
+    <p:sldId id="265" r:id="rId10"/>
+    <p:sldId id="268" r:id="rId11"/>
+    <p:sldId id="262" r:id="rId12"/>
+    <p:sldId id="269" r:id="rId13"/>
+    <p:sldId id="270" r:id="rId14"/>
+    <p:sldId id="271" r:id="rId15"/>
+    <p:sldId id="272" r:id="rId16"/>
+    <p:sldId id="273" r:id="rId17"/>
+    <p:sldId id="274" r:id="rId18"/>
+    <p:sldId id="275" r:id="rId19"/>
+    <p:sldId id="276" r:id="rId20"/>
+    <p:sldId id="294" r:id="rId21"/>
+    <p:sldId id="288" r:id="rId22"/>
+    <p:sldId id="289" r:id="rId23"/>
+    <p:sldId id="290" r:id="rId24"/>
+    <p:sldId id="292" r:id="rId25"/>
+    <p:sldId id="293" r:id="rId26"/>
+    <p:sldId id="281" r:id="rId27"/>
+    <p:sldId id="285" r:id="rId28"/>
+    <p:sldId id="286" r:id="rId29"/>
+    <p:sldId id="287" r:id="rId30"/>
+    <p:sldId id="295" r:id="rId31"/>
+    <p:sldId id="296" r:id="rId32"/>
+    <p:sldId id="297" r:id="rId33"/>
+    <p:sldId id="298" r:id="rId34"/>
+    <p:sldId id="299" r:id="rId35"/>
+    <p:sldId id="300" r:id="rId36"/>
+    <p:sldId id="301" r:id="rId37"/>
+    <p:sldId id="302" r:id="rId38"/>
+    <p:sldId id="303" r:id="rId39"/>
+    <p:sldId id="263" r:id="rId40"/>
+    <p:sldId id="304" r:id="rId41"/>
   </p:sldIdLst>
   <p:sldSz cx="9144000" cy="6858000" type="screen4x3"/>
   <p:notesSz cx="6858000" cy="9144000"/>
@@ -145,6 +149,448 @@
 </p:presentation>
 </file>
 
+<file path=ppt/notesMasters/notesMaster1.xml><?xml version="1.0" encoding="utf-8"?>
+<p:notesMaster xmlns:a="http://schemas.openxmlformats.org/drawingml/2006/main" xmlns:r="http://schemas.openxmlformats.org/officeDocument/2006/relationships" xmlns:p="http://schemas.openxmlformats.org/presentationml/2006/main">
+  <p:cSld>
+    <p:bg>
+      <p:bgRef idx="1001">
+        <a:schemeClr val="bg1"/>
+      </p:bgRef>
+    </p:bg>
+    <p:spTree>
+      <p:nvGrpSpPr>
+        <p:cNvPr id="1" name=""/>
+        <p:cNvGrpSpPr/>
+        <p:nvPr/>
+      </p:nvGrpSpPr>
+      <p:grpSpPr>
+        <a:xfrm>
+          <a:off x="0" y="0"/>
+          <a:ext cx="0" cy="0"/>
+          <a:chOff x="0" y="0"/>
+          <a:chExt cx="0" cy="0"/>
+        </a:xfrm>
+      </p:grpSpPr>
+      <p:sp>
+        <p:nvSpPr>
+          <p:cNvPr id="2" name="머리글 개체 틀 1"/>
+          <p:cNvSpPr>
+            <a:spLocks noGrp="1"/>
+          </p:cNvSpPr>
+          <p:nvPr>
+            <p:ph type="hdr" sz="quarter"/>
+          </p:nvPr>
+        </p:nvSpPr>
+        <p:spPr>
+          <a:xfrm>
+            <a:off x="0" y="0"/>
+            <a:ext cx="2971800" cy="457200"/>
+          </a:xfrm>
+          <a:prstGeom prst="rect">
+            <a:avLst/>
+          </a:prstGeom>
+        </p:spPr>
+        <p:txBody>
+          <a:bodyPr vert="horz" lIns="91440" tIns="45720" rIns="91440" bIns="45720" rtlCol="0"/>
+          <a:lstStyle>
+            <a:lvl1pPr algn="l">
+              <a:defRPr sz="1200"/>
+            </a:lvl1pPr>
+          </a:lstStyle>
+          <a:p>
+            <a:endParaRPr lang="ko-KR" altLang="en-US"/>
+          </a:p>
+        </p:txBody>
+      </p:sp>
+      <p:sp>
+        <p:nvSpPr>
+          <p:cNvPr id="3" name="날짜 개체 틀 2"/>
+          <p:cNvSpPr>
+            <a:spLocks noGrp="1"/>
+          </p:cNvSpPr>
+          <p:nvPr>
+            <p:ph type="dt" idx="1"/>
+          </p:nvPr>
+        </p:nvSpPr>
+        <p:spPr>
+          <a:xfrm>
+            <a:off x="3884613" y="0"/>
+            <a:ext cx="2971800" cy="457200"/>
+          </a:xfrm>
+          <a:prstGeom prst="rect">
+            <a:avLst/>
+          </a:prstGeom>
+        </p:spPr>
+        <p:txBody>
+          <a:bodyPr vert="horz" lIns="91440" tIns="45720" rIns="91440" bIns="45720" rtlCol="0"/>
+          <a:lstStyle>
+            <a:lvl1pPr algn="r">
+              <a:defRPr sz="1200"/>
+            </a:lvl1pPr>
+          </a:lstStyle>
+          <a:p>
+            <a:fld id="{CADB14D8-4CF6-4848-982A-78A097E752C5}" type="datetimeFigureOut">
+              <a:rPr lang="ko-KR" altLang="en-US" smtClean="0"/>
+              <a:t>2014-03-24</a:t>
+            </a:fld>
+            <a:endParaRPr lang="ko-KR" altLang="en-US"/>
+          </a:p>
+        </p:txBody>
+      </p:sp>
+      <p:sp>
+        <p:nvSpPr>
+          <p:cNvPr id="4" name="슬라이드 이미지 개체 틀 3"/>
+          <p:cNvSpPr>
+            <a:spLocks noGrp="1" noRot="1" noChangeAspect="1"/>
+          </p:cNvSpPr>
+          <p:nvPr>
+            <p:ph type="sldImg" idx="2"/>
+          </p:nvPr>
+        </p:nvSpPr>
+        <p:spPr>
+          <a:xfrm>
+            <a:off x="1143000" y="685800"/>
+            <a:ext cx="4572000" cy="3429000"/>
+          </a:xfrm>
+          <a:prstGeom prst="rect">
+            <a:avLst/>
+          </a:prstGeom>
+          <a:noFill/>
+          <a:ln w="12700">
+            <a:solidFill>
+              <a:prstClr val="black"/>
+            </a:solidFill>
+          </a:ln>
+        </p:spPr>
+        <p:txBody>
+          <a:bodyPr vert="horz" lIns="91440" tIns="45720" rIns="91440" bIns="45720" rtlCol="0" anchor="ctr"/>
+          <a:lstStyle/>
+          <a:p>
+            <a:endParaRPr lang="ko-KR" altLang="en-US"/>
+          </a:p>
+        </p:txBody>
+      </p:sp>
+      <p:sp>
+        <p:nvSpPr>
+          <p:cNvPr id="5" name="슬라이드 노트 개체 틀 4"/>
+          <p:cNvSpPr>
+            <a:spLocks noGrp="1"/>
+          </p:cNvSpPr>
+          <p:nvPr>
+            <p:ph type="body" sz="quarter" idx="3"/>
+          </p:nvPr>
+        </p:nvSpPr>
+        <p:spPr>
+          <a:xfrm>
+            <a:off x="685800" y="4343400"/>
+            <a:ext cx="5486400" cy="4114800"/>
+          </a:xfrm>
+          <a:prstGeom prst="rect">
+            <a:avLst/>
+          </a:prstGeom>
+        </p:spPr>
+        <p:txBody>
+          <a:bodyPr vert="horz" lIns="91440" tIns="45720" rIns="91440" bIns="45720" rtlCol="0"/>
+          <a:lstStyle/>
+          <a:p>
+            <a:pPr lvl="0"/>
+            <a:r>
+              <a:rPr lang="ko-KR" altLang="en-US" smtClean="0"/>
+              <a:t>마스터 텍스트 스타일을 편집합니다</a:t>
+            </a:r>
+          </a:p>
+          <a:p>
+            <a:pPr lvl="1"/>
+            <a:r>
+              <a:rPr lang="ko-KR" altLang="en-US" smtClean="0"/>
+              <a:t>둘째 수준</a:t>
+            </a:r>
+          </a:p>
+          <a:p>
+            <a:pPr lvl="2"/>
+            <a:r>
+              <a:rPr lang="ko-KR" altLang="en-US" smtClean="0"/>
+              <a:t>셋째 수준</a:t>
+            </a:r>
+          </a:p>
+          <a:p>
+            <a:pPr lvl="3"/>
+            <a:r>
+              <a:rPr lang="ko-KR" altLang="en-US" smtClean="0"/>
+              <a:t>넷째 수준</a:t>
+            </a:r>
+          </a:p>
+          <a:p>
+            <a:pPr lvl="4"/>
+            <a:r>
+              <a:rPr lang="ko-KR" altLang="en-US" smtClean="0"/>
+              <a:t>다섯째 수준</a:t>
+            </a:r>
+            <a:endParaRPr lang="ko-KR" altLang="en-US"/>
+          </a:p>
+        </p:txBody>
+      </p:sp>
+      <p:sp>
+        <p:nvSpPr>
+          <p:cNvPr id="6" name="바닥글 개체 틀 5"/>
+          <p:cNvSpPr>
+            <a:spLocks noGrp="1"/>
+          </p:cNvSpPr>
+          <p:nvPr>
+            <p:ph type="ftr" sz="quarter" idx="4"/>
+          </p:nvPr>
+        </p:nvSpPr>
+        <p:spPr>
+          <a:xfrm>
+            <a:off x="0" y="8685213"/>
+            <a:ext cx="2971800" cy="457200"/>
+          </a:xfrm>
+          <a:prstGeom prst="rect">
+            <a:avLst/>
+          </a:prstGeom>
+        </p:spPr>
+        <p:txBody>
+          <a:bodyPr vert="horz" lIns="91440" tIns="45720" rIns="91440" bIns="45720" rtlCol="0" anchor="b"/>
+          <a:lstStyle>
+            <a:lvl1pPr algn="l">
+              <a:defRPr sz="1200"/>
+            </a:lvl1pPr>
+          </a:lstStyle>
+          <a:p>
+            <a:endParaRPr lang="ko-KR" altLang="en-US"/>
+          </a:p>
+        </p:txBody>
+      </p:sp>
+      <p:sp>
+        <p:nvSpPr>
+          <p:cNvPr id="7" name="슬라이드 번호 개체 틀 6"/>
+          <p:cNvSpPr>
+            <a:spLocks noGrp="1"/>
+          </p:cNvSpPr>
+          <p:nvPr>
+            <p:ph type="sldNum" sz="quarter" idx="5"/>
+          </p:nvPr>
+        </p:nvSpPr>
+        <p:spPr>
+          <a:xfrm>
+            <a:off x="3884613" y="8685213"/>
+            <a:ext cx="2971800" cy="457200"/>
+          </a:xfrm>
+          <a:prstGeom prst="rect">
+            <a:avLst/>
+          </a:prstGeom>
+        </p:spPr>
+        <p:txBody>
+          <a:bodyPr vert="horz" lIns="91440" tIns="45720" rIns="91440" bIns="45720" rtlCol="0" anchor="b"/>
+          <a:lstStyle>
+            <a:lvl1pPr algn="r">
+              <a:defRPr sz="1200"/>
+            </a:lvl1pPr>
+          </a:lstStyle>
+          <a:p>
+            <a:fld id="{FCB619EC-8561-4670-94C4-C90058D9F3AF}" type="slidenum">
+              <a:rPr lang="ko-KR" altLang="en-US" smtClean="0"/>
+              <a:t>‹#›</a:t>
+            </a:fld>
+            <a:endParaRPr lang="ko-KR" altLang="en-US"/>
+          </a:p>
+        </p:txBody>
+      </p:sp>
+    </p:spTree>
+    <p:extLst>
+      <p:ext uri="{BB962C8B-B14F-4D97-AF65-F5344CB8AC3E}">
+        <p14:creationId xmlns:p14="http://schemas.microsoft.com/office/powerpoint/2010/main" val="2065682803"/>
+      </p:ext>
+    </p:extLst>
+  </p:cSld>
+  <p:clrMap bg1="lt1" tx1="dk1" bg2="lt2" tx2="dk2" accent1="accent1" accent2="accent2" accent3="accent3" accent4="accent4" accent5="accent5" accent6="accent6" hlink="hlink" folHlink="folHlink"/>
+  <p:notesStyle>
+    <a:lvl1pPr marL="0" algn="l" defTabSz="914400" rtl="0" eaLnBrk="1" latinLnBrk="1" hangingPunct="1">
+      <a:defRPr sz="1200" kern="1200">
+        <a:solidFill>
+          <a:schemeClr val="tx1"/>
+        </a:solidFill>
+        <a:latin typeface="+mn-lt"/>
+        <a:ea typeface="+mn-ea"/>
+        <a:cs typeface="+mn-cs"/>
+      </a:defRPr>
+    </a:lvl1pPr>
+    <a:lvl2pPr marL="457200" algn="l" defTabSz="914400" rtl="0" eaLnBrk="1" latinLnBrk="1" hangingPunct="1">
+      <a:defRPr sz="1200" kern="1200">
+        <a:solidFill>
+          <a:schemeClr val="tx1"/>
+        </a:solidFill>
+        <a:latin typeface="+mn-lt"/>
+        <a:ea typeface="+mn-ea"/>
+        <a:cs typeface="+mn-cs"/>
+      </a:defRPr>
+    </a:lvl2pPr>
+    <a:lvl3pPr marL="914400" algn="l" defTabSz="914400" rtl="0" eaLnBrk="1" latinLnBrk="1" hangingPunct="1">
+      <a:defRPr sz="1200" kern="1200">
+        <a:solidFill>
+          <a:schemeClr val="tx1"/>
+        </a:solidFill>
+        <a:latin typeface="+mn-lt"/>
+        <a:ea typeface="+mn-ea"/>
+        <a:cs typeface="+mn-cs"/>
+      </a:defRPr>
+    </a:lvl3pPr>
+    <a:lvl4pPr marL="1371600" algn="l" defTabSz="914400" rtl="0" eaLnBrk="1" latinLnBrk="1" hangingPunct="1">
+      <a:defRPr sz="1200" kern="1200">
+        <a:solidFill>
+          <a:schemeClr val="tx1"/>
+        </a:solidFill>
+        <a:latin typeface="+mn-lt"/>
+        <a:ea typeface="+mn-ea"/>
+        <a:cs typeface="+mn-cs"/>
+      </a:defRPr>
+    </a:lvl4pPr>
+    <a:lvl5pPr marL="1828800" algn="l" defTabSz="914400" rtl="0" eaLnBrk="1" latinLnBrk="1" hangingPunct="1">
+      <a:defRPr sz="1200" kern="1200">
+        <a:solidFill>
+          <a:schemeClr val="tx1"/>
+        </a:solidFill>
+        <a:latin typeface="+mn-lt"/>
+        <a:ea typeface="+mn-ea"/>
+        <a:cs typeface="+mn-cs"/>
+      </a:defRPr>
+    </a:lvl5pPr>
+    <a:lvl6pPr marL="2286000" algn="l" defTabSz="914400" rtl="0" eaLnBrk="1" latinLnBrk="1" hangingPunct="1">
+      <a:defRPr sz="1200" kern="1200">
+        <a:solidFill>
+          <a:schemeClr val="tx1"/>
+        </a:solidFill>
+        <a:latin typeface="+mn-lt"/>
+        <a:ea typeface="+mn-ea"/>
+        <a:cs typeface="+mn-cs"/>
+      </a:defRPr>
+    </a:lvl6pPr>
+    <a:lvl7pPr marL="2743200" algn="l" defTabSz="914400" rtl="0" eaLnBrk="1" latinLnBrk="1" hangingPunct="1">
+      <a:defRPr sz="1200" kern="1200">
+        <a:solidFill>
+          <a:schemeClr val="tx1"/>
+        </a:solidFill>
+        <a:latin typeface="+mn-lt"/>
+        <a:ea typeface="+mn-ea"/>
+        <a:cs typeface="+mn-cs"/>
+      </a:defRPr>
+    </a:lvl7pPr>
+    <a:lvl8pPr marL="3200400" algn="l" defTabSz="914400" rtl="0" eaLnBrk="1" latinLnBrk="1" hangingPunct="1">
+      <a:defRPr sz="1200" kern="1200">
+        <a:solidFill>
+          <a:schemeClr val="tx1"/>
+        </a:solidFill>
+        <a:latin typeface="+mn-lt"/>
+        <a:ea typeface="+mn-ea"/>
+        <a:cs typeface="+mn-cs"/>
+      </a:defRPr>
+    </a:lvl8pPr>
+    <a:lvl9pPr marL="3657600" algn="l" defTabSz="914400" rtl="0" eaLnBrk="1" latinLnBrk="1" hangingPunct="1">
+      <a:defRPr sz="1200" kern="1200">
+        <a:solidFill>
+          <a:schemeClr val="tx1"/>
+        </a:solidFill>
+        <a:latin typeface="+mn-lt"/>
+        <a:ea typeface="+mn-ea"/>
+        <a:cs typeface="+mn-cs"/>
+      </a:defRPr>
+    </a:lvl9pPr>
+  </p:notesStyle>
+</p:notesMaster>
+</file>
+
+<file path=ppt/notesSlides/notesSlide1.xml><?xml version="1.0" encoding="utf-8"?>
+<p:notes xmlns:a="http://schemas.openxmlformats.org/drawingml/2006/main" xmlns:r="http://schemas.openxmlformats.org/officeDocument/2006/relationships" xmlns:p="http://schemas.openxmlformats.org/presentationml/2006/main">
+  <p:cSld>
+    <p:spTree>
+      <p:nvGrpSpPr>
+        <p:cNvPr id="1" name=""/>
+        <p:cNvGrpSpPr/>
+        <p:nvPr/>
+      </p:nvGrpSpPr>
+      <p:grpSpPr>
+        <a:xfrm>
+          <a:off x="0" y="0"/>
+          <a:ext cx="0" cy="0"/>
+          <a:chOff x="0" y="0"/>
+          <a:chExt cx="0" cy="0"/>
+        </a:xfrm>
+      </p:grpSpPr>
+      <p:sp>
+        <p:nvSpPr>
+          <p:cNvPr id="2" name="슬라이드 이미지 개체 틀 1"/>
+          <p:cNvSpPr>
+            <a:spLocks noGrp="1" noRot="1" noChangeAspect="1"/>
+          </p:cNvSpPr>
+          <p:nvPr>
+            <p:ph type="sldImg"/>
+          </p:nvPr>
+        </p:nvSpPr>
+        <p:spPr/>
+      </p:sp>
+      <p:sp>
+        <p:nvSpPr>
+          <p:cNvPr id="3" name="슬라이드 노트 개체 틀 2"/>
+          <p:cNvSpPr>
+            <a:spLocks noGrp="1"/>
+          </p:cNvSpPr>
+          <p:nvPr>
+            <p:ph type="body" idx="1"/>
+          </p:nvPr>
+        </p:nvSpPr>
+        <p:spPr/>
+        <p:txBody>
+          <a:bodyPr/>
+          <a:lstStyle/>
+          <a:p>
+            <a:r>
+              <a:rPr lang="ko-KR" altLang="en-US" dirty="0" smtClean="0"/>
+              <a:t>엄청나게 빠른 속도로 업데이트가 진행되고 있음</a:t>
+            </a:r>
+            <a:r>
+              <a:rPr lang="en-US" altLang="ko-KR" dirty="0" smtClean="0"/>
+              <a:t>.</a:t>
+            </a:r>
+            <a:endParaRPr lang="ko-KR" altLang="en-US" dirty="0"/>
+          </a:p>
+        </p:txBody>
+      </p:sp>
+      <p:sp>
+        <p:nvSpPr>
+          <p:cNvPr id="4" name="슬라이드 번호 개체 틀 3"/>
+          <p:cNvSpPr>
+            <a:spLocks noGrp="1"/>
+          </p:cNvSpPr>
+          <p:nvPr>
+            <p:ph type="sldNum" sz="quarter" idx="10"/>
+          </p:nvPr>
+        </p:nvSpPr>
+        <p:spPr/>
+        <p:txBody>
+          <a:bodyPr/>
+          <a:lstStyle/>
+          <a:p>
+            <a:fld id="{2234B08D-AC5B-48ED-B0AB-533A3C9BBB29}" type="slidenum">
+              <a:rPr lang="ko-KR" altLang="en-US" smtClean="0"/>
+              <a:t>5</a:t>
+            </a:fld>
+            <a:endParaRPr lang="ko-KR" altLang="en-US"/>
+          </a:p>
+        </p:txBody>
+      </p:sp>
+    </p:spTree>
+    <p:extLst>
+      <p:ext uri="{BB962C8B-B14F-4D97-AF65-F5344CB8AC3E}">
+        <p14:creationId xmlns:p14="http://schemas.microsoft.com/office/powerpoint/2010/main" val="3257546395"/>
+      </p:ext>
+    </p:extLst>
+  </p:cSld>
+  <p:clrMapOvr>
+    <a:masterClrMapping/>
+  </p:clrMapOvr>
+</p:notes>
+</file>
+
 <file path=ppt/slideLayouts/slideLayout1.xml><?xml version="1.0" encoding="utf-8"?>
 <p:sldLayout xmlns:a="http://schemas.openxmlformats.org/drawingml/2006/main" xmlns:r="http://schemas.openxmlformats.org/officeDocument/2006/relationships" xmlns:p="http://schemas.openxmlformats.org/presentationml/2006/main" type="title" preserve="1">
   <p:cSld name="제목 슬라이드">
@@ -326,7 +772,7 @@
           <a:p>
             <a:fld id="{1BF437F2-DBA1-448C-B77E-18E9737ED32F}" type="datetimeFigureOut">
               <a:rPr lang="ko-KR" altLang="en-US" smtClean="0"/>
-              <a:t>2014-03-23</a:t>
+              <a:t>2014-03-24</a:t>
             </a:fld>
             <a:endParaRPr lang="ko-KR" altLang="en-US"/>
           </a:p>
@@ -496,7 +942,7 @@
           <a:p>
             <a:fld id="{1BF437F2-DBA1-448C-B77E-18E9737ED32F}" type="datetimeFigureOut">
               <a:rPr lang="ko-KR" altLang="en-US" smtClean="0"/>
-              <a:t>2014-03-23</a:t>
+              <a:t>2014-03-24</a:t>
             </a:fld>
             <a:endParaRPr lang="ko-KR" altLang="en-US"/>
           </a:p>
@@ -676,7 +1122,7 @@
           <a:p>
             <a:fld id="{1BF437F2-DBA1-448C-B77E-18E9737ED32F}" type="datetimeFigureOut">
               <a:rPr lang="ko-KR" altLang="en-US" smtClean="0"/>
-              <a:t>2014-03-23</a:t>
+              <a:t>2014-03-24</a:t>
             </a:fld>
             <a:endParaRPr lang="ko-KR" altLang="en-US"/>
           </a:p>
@@ -846,7 +1292,7 @@
           <a:p>
             <a:fld id="{1BF437F2-DBA1-448C-B77E-18E9737ED32F}" type="datetimeFigureOut">
               <a:rPr lang="ko-KR" altLang="en-US" smtClean="0"/>
-              <a:t>2014-03-23</a:t>
+              <a:t>2014-03-24</a:t>
             </a:fld>
             <a:endParaRPr lang="ko-KR" altLang="en-US"/>
           </a:p>
@@ -1092,7 +1538,7 @@
           <a:p>
             <a:fld id="{1BF437F2-DBA1-448C-B77E-18E9737ED32F}" type="datetimeFigureOut">
               <a:rPr lang="ko-KR" altLang="en-US" smtClean="0"/>
-              <a:t>2014-03-23</a:t>
+              <a:t>2014-03-24</a:t>
             </a:fld>
             <a:endParaRPr lang="ko-KR" altLang="en-US"/>
           </a:p>
@@ -1380,7 +1826,7 @@
           <a:p>
             <a:fld id="{1BF437F2-DBA1-448C-B77E-18E9737ED32F}" type="datetimeFigureOut">
               <a:rPr lang="ko-KR" altLang="en-US" smtClean="0"/>
-              <a:t>2014-03-23</a:t>
+              <a:t>2014-03-24</a:t>
             </a:fld>
             <a:endParaRPr lang="ko-KR" altLang="en-US"/>
           </a:p>
@@ -1802,7 +2248,7 @@
           <a:p>
             <a:fld id="{1BF437F2-DBA1-448C-B77E-18E9737ED32F}" type="datetimeFigureOut">
               <a:rPr lang="ko-KR" altLang="en-US" smtClean="0"/>
-              <a:t>2014-03-23</a:t>
+              <a:t>2014-03-24</a:t>
             </a:fld>
             <a:endParaRPr lang="ko-KR" altLang="en-US"/>
           </a:p>
@@ -1920,7 +2366,7 @@
           <a:p>
             <a:fld id="{1BF437F2-DBA1-448C-B77E-18E9737ED32F}" type="datetimeFigureOut">
               <a:rPr lang="ko-KR" altLang="en-US" smtClean="0"/>
-              <a:t>2014-03-23</a:t>
+              <a:t>2014-03-24</a:t>
             </a:fld>
             <a:endParaRPr lang="ko-KR" altLang="en-US"/>
           </a:p>
@@ -2015,7 +2461,7 @@
           <a:p>
             <a:fld id="{1BF437F2-DBA1-448C-B77E-18E9737ED32F}" type="datetimeFigureOut">
               <a:rPr lang="ko-KR" altLang="en-US" smtClean="0"/>
-              <a:t>2014-03-23</a:t>
+              <a:t>2014-03-24</a:t>
             </a:fld>
             <a:endParaRPr lang="ko-KR" altLang="en-US"/>
           </a:p>
@@ -2292,7 +2738,7 @@
           <a:p>
             <a:fld id="{1BF437F2-DBA1-448C-B77E-18E9737ED32F}" type="datetimeFigureOut">
               <a:rPr lang="ko-KR" altLang="en-US" smtClean="0"/>
-              <a:t>2014-03-23</a:t>
+              <a:t>2014-03-24</a:t>
             </a:fld>
             <a:endParaRPr lang="ko-KR" altLang="en-US"/>
           </a:p>
@@ -2545,7 +2991,7 @@
           <a:p>
             <a:fld id="{1BF437F2-DBA1-448C-B77E-18E9737ED32F}" type="datetimeFigureOut">
               <a:rPr lang="ko-KR" altLang="en-US" smtClean="0"/>
-              <a:t>2014-03-23</a:t>
+              <a:t>2014-03-24</a:t>
             </a:fld>
             <a:endParaRPr lang="ko-KR" altLang="en-US"/>
           </a:p>
@@ -2758,7 +3204,7 @@
           <a:p>
             <a:fld id="{1BF437F2-DBA1-448C-B77E-18E9737ED32F}" type="datetimeFigureOut">
               <a:rPr lang="ko-KR" altLang="en-US" smtClean="0"/>
-              <a:t>2014-03-23</a:t>
+              <a:t>2014-03-24</a:t>
             </a:fld>
             <a:endParaRPr lang="ko-KR" altLang="en-US"/>
           </a:p>
@@ -3525,6 +3971,505 @@
         <p:spPr>
           <a:xfrm>
             <a:off x="241161" y="469922"/>
+            <a:ext cx="3970959" cy="369332"/>
+          </a:xfrm>
+          <a:prstGeom prst="rect">
+            <a:avLst/>
+          </a:prstGeom>
+          <a:noFill/>
+        </p:spPr>
+        <p:txBody>
+          <a:bodyPr wrap="none" rtlCol="0">
+            <a:spAutoFit/>
+          </a:bodyPr>
+          <a:lstStyle/>
+          <a:p>
+            <a:r>
+              <a:rPr lang="en-US" altLang="ko-KR" dirty="0">
+                <a:solidFill>
+                  <a:srgbClr val="7F7F7F"/>
+                </a:solidFill>
+                <a:latin typeface="나눔고딕 ExtraBold"/>
+                <a:ea typeface="나눔고딕 ExtraBold"/>
+                <a:cs typeface="나눔고딕 ExtraBold"/>
+              </a:rPr>
+              <a:t>3</a:t>
+            </a:r>
+            <a:r>
+              <a:rPr lang="en-US" altLang="ko-KR" dirty="0" smtClean="0">
+                <a:solidFill>
+                  <a:srgbClr val="7F7F7F"/>
+                </a:solidFill>
+                <a:latin typeface="나눔고딕 ExtraBold"/>
+                <a:ea typeface="나눔고딕 ExtraBold"/>
+                <a:cs typeface="나눔고딕 ExtraBold"/>
+              </a:rPr>
+              <a:t>. Android Study </a:t>
+            </a:r>
+            <a:r>
+              <a:rPr lang="ko-KR" altLang="en-US" dirty="0" smtClean="0">
+                <a:solidFill>
+                  <a:srgbClr val="7F7F7F"/>
+                </a:solidFill>
+                <a:latin typeface="나눔고딕 ExtraBold"/>
+                <a:ea typeface="나눔고딕 ExtraBold"/>
+                <a:cs typeface="나눔고딕 ExtraBold"/>
+              </a:rPr>
+              <a:t>어떻게 진행되나요</a:t>
+            </a:r>
+            <a:r>
+              <a:rPr lang="en-US" altLang="ko-KR" dirty="0" smtClean="0">
+                <a:solidFill>
+                  <a:srgbClr val="7F7F7F"/>
+                </a:solidFill>
+                <a:latin typeface="나눔고딕 ExtraBold"/>
+                <a:ea typeface="나눔고딕 ExtraBold"/>
+                <a:cs typeface="나눔고딕 ExtraBold"/>
+              </a:rPr>
+              <a:t>?</a:t>
+            </a:r>
+            <a:endParaRPr lang="en-US" dirty="0">
+              <a:solidFill>
+                <a:schemeClr val="tx1">
+                  <a:lumMod val="50000"/>
+                  <a:lumOff val="50000"/>
+                </a:schemeClr>
+              </a:solidFill>
+              <a:latin typeface="나눔고딕 ExtraBold"/>
+              <a:ea typeface="나눔고딕 ExtraBold"/>
+              <a:cs typeface="나눔고딕 ExtraBold"/>
+            </a:endParaRPr>
+          </a:p>
+        </p:txBody>
+      </p:sp>
+      <p:sp>
+        <p:nvSpPr>
+          <p:cNvPr id="9" name="TextBox 8"/>
+          <p:cNvSpPr txBox="1"/>
+          <p:nvPr/>
+        </p:nvSpPr>
+        <p:spPr>
+          <a:xfrm>
+            <a:off x="241161" y="1437194"/>
+            <a:ext cx="7441461" cy="1477328"/>
+          </a:xfrm>
+          <a:prstGeom prst="rect">
+            <a:avLst/>
+          </a:prstGeom>
+          <a:noFill/>
+        </p:spPr>
+        <p:txBody>
+          <a:bodyPr wrap="none" rtlCol="0">
+            <a:spAutoFit/>
+          </a:bodyPr>
+          <a:lstStyle/>
+          <a:p>
+            <a:r>
+              <a:rPr lang="en-US" altLang="ko-KR" sz="2000" b="1" dirty="0" err="1">
+                <a:solidFill>
+                  <a:srgbClr val="FF6600"/>
+                </a:solidFill>
+                <a:latin typeface="나눔고딕"/>
+                <a:ea typeface="나눔고딕"/>
+                <a:cs typeface="나눔고딕"/>
+              </a:rPr>
+              <a:t>GitHub</a:t>
+            </a:r>
+            <a:r>
+              <a:rPr lang="en-US" altLang="ko-KR" sz="2000" b="1" dirty="0">
+                <a:solidFill>
+                  <a:srgbClr val="FF6600"/>
+                </a:solidFill>
+                <a:latin typeface="나눔고딕"/>
+                <a:ea typeface="나눔고딕"/>
+                <a:cs typeface="나눔고딕"/>
+              </a:rPr>
+              <a:t> repository </a:t>
+            </a:r>
+            <a:r>
+              <a:rPr lang="ko-KR" altLang="en-US" sz="2000" b="1" dirty="0">
+                <a:solidFill>
+                  <a:srgbClr val="FF6600"/>
+                </a:solidFill>
+                <a:latin typeface="나눔고딕"/>
+                <a:ea typeface="나눔고딕"/>
+                <a:cs typeface="나눔고딕"/>
+              </a:rPr>
+              <a:t>활용</a:t>
+            </a:r>
+            <a:endParaRPr lang="en-US" altLang="ko-KR" sz="2000" b="1" dirty="0">
+              <a:solidFill>
+                <a:srgbClr val="FF6600"/>
+              </a:solidFill>
+              <a:latin typeface="나눔고딕"/>
+              <a:ea typeface="나눔고딕"/>
+              <a:cs typeface="나눔고딕"/>
+            </a:endParaRPr>
+          </a:p>
+          <a:p>
+            <a:endParaRPr lang="en-US" sz="1600" dirty="0" smtClean="0">
+              <a:solidFill>
+                <a:schemeClr val="tx1">
+                  <a:lumMod val="50000"/>
+                  <a:lumOff val="50000"/>
+                </a:schemeClr>
+              </a:solidFill>
+              <a:latin typeface="나눔고딕"/>
+              <a:ea typeface="나눔고딕"/>
+              <a:cs typeface="나눔고딕"/>
+            </a:endParaRPr>
+          </a:p>
+          <a:p>
+            <a:pPr lvl="1"/>
+            <a:r>
+              <a:rPr lang="ko-KR" altLang="en-US" dirty="0" smtClean="0">
+                <a:solidFill>
+                  <a:schemeClr val="tx1">
+                    <a:lumMod val="50000"/>
+                    <a:lumOff val="50000"/>
+                  </a:schemeClr>
+                </a:solidFill>
+                <a:latin typeface="나눔고딕"/>
+                <a:ea typeface="나눔고딕"/>
+                <a:cs typeface="나눔고딕"/>
+              </a:rPr>
+              <a:t>다운로드 받은 소스들을 실행해보고 변형해보고 하나씩 배울 것입니다</a:t>
+            </a:r>
+            <a:r>
+              <a:rPr lang="en-US" altLang="ko-KR" dirty="0" smtClean="0">
+                <a:solidFill>
+                  <a:schemeClr val="tx1">
+                    <a:lumMod val="50000"/>
+                    <a:lumOff val="50000"/>
+                  </a:schemeClr>
+                </a:solidFill>
+                <a:latin typeface="나눔고딕"/>
+                <a:ea typeface="나눔고딕"/>
+                <a:cs typeface="나눔고딕"/>
+              </a:rPr>
+              <a:t>.</a:t>
+            </a:r>
+          </a:p>
+          <a:p>
+            <a:pPr lvl="1"/>
+            <a:endParaRPr lang="en-US" altLang="ko-KR" dirty="0">
+              <a:solidFill>
+                <a:schemeClr val="tx1">
+                  <a:lumMod val="50000"/>
+                  <a:lumOff val="50000"/>
+                </a:schemeClr>
+              </a:solidFill>
+              <a:latin typeface="나눔고딕"/>
+              <a:ea typeface="나눔고딕"/>
+              <a:cs typeface="나눔고딕"/>
+            </a:endParaRPr>
+          </a:p>
+          <a:p>
+            <a:pPr lvl="1"/>
+            <a:endParaRPr lang="en-US" altLang="ko-KR" dirty="0" smtClean="0">
+              <a:solidFill>
+                <a:schemeClr val="tx1">
+                  <a:lumMod val="50000"/>
+                  <a:lumOff val="50000"/>
+                </a:schemeClr>
+              </a:solidFill>
+              <a:latin typeface="나눔고딕"/>
+              <a:ea typeface="나눔고딕"/>
+              <a:cs typeface="나눔고딕"/>
+            </a:endParaRPr>
+          </a:p>
+        </p:txBody>
+      </p:sp>
+      <p:grpSp>
+        <p:nvGrpSpPr>
+          <p:cNvPr id="15" name="그룹 14"/>
+          <p:cNvGrpSpPr/>
+          <p:nvPr/>
+        </p:nvGrpSpPr>
+        <p:grpSpPr>
+          <a:xfrm>
+            <a:off x="7092280" y="83285"/>
+            <a:ext cx="2192430" cy="665433"/>
+            <a:chOff x="1617431" y="2396892"/>
+            <a:chExt cx="5719711" cy="1736009"/>
+          </a:xfrm>
+        </p:grpSpPr>
+        <p:sp>
+          <p:nvSpPr>
+            <p:cNvPr id="16" name="TextBox 15"/>
+            <p:cNvSpPr txBox="1"/>
+            <p:nvPr/>
+          </p:nvSpPr>
+          <p:spPr>
+            <a:xfrm>
+              <a:off x="1617431" y="3481262"/>
+              <a:ext cx="5719711" cy="481764"/>
+            </a:xfrm>
+            <a:prstGeom prst="rect">
+              <a:avLst/>
+            </a:prstGeom>
+            <a:noFill/>
+          </p:spPr>
+          <p:txBody>
+            <a:bodyPr wrap="square" rtlCol="0">
+              <a:spAutoFit/>
+            </a:bodyPr>
+            <a:lstStyle/>
+            <a:p>
+              <a:pPr algn="ctr"/>
+              <a:r>
+                <a:rPr lang="en-US" altLang="ko-KR" sz="600" b="1" dirty="0" smtClean="0">
+                  <a:solidFill>
+                    <a:schemeClr val="tx1">
+                      <a:lumMod val="85000"/>
+                      <a:lumOff val="15000"/>
+                    </a:schemeClr>
+                  </a:solidFill>
+                  <a:latin typeface="+mj-lt"/>
+                  <a:ea typeface="휴먼모음T" pitchFamily="18" charset="-127"/>
+                </a:rPr>
+                <a:t>Samsung Software Membership Seminar #1-1</a:t>
+              </a:r>
+              <a:endParaRPr lang="ko-KR" altLang="en-US" sz="600" b="1" dirty="0">
+                <a:solidFill>
+                  <a:schemeClr val="tx1">
+                    <a:lumMod val="85000"/>
+                    <a:lumOff val="15000"/>
+                  </a:schemeClr>
+                </a:solidFill>
+                <a:latin typeface="+mj-lt"/>
+                <a:ea typeface="휴먼모음T" pitchFamily="18" charset="-127"/>
+              </a:endParaRPr>
+            </a:p>
+          </p:txBody>
+        </p:sp>
+        <p:pic>
+          <p:nvPicPr>
+            <p:cNvPr id="17" name="Picture 2" descr="C:\Users\Jake\Desktop\ssm_logo.gif"/>
+            <p:cNvPicPr>
+              <a:picLocks noChangeAspect="1" noChangeArrowheads="1"/>
+            </p:cNvPicPr>
+            <p:nvPr/>
+          </p:nvPicPr>
+          <p:blipFill>
+            <a:blip r:embed="rId2" cstate="print">
+              <a:extLst>
+                <a:ext uri="{28A0092B-C50C-407E-A947-70E740481C1C}">
+                  <a14:useLocalDpi xmlns:a14="http://schemas.microsoft.com/office/drawing/2010/main" val="0"/>
+                </a:ext>
+              </a:extLst>
+            </a:blip>
+            <a:srcRect/>
+            <a:stretch>
+              <a:fillRect/>
+            </a:stretch>
+          </p:blipFill>
+          <p:spPr bwMode="auto">
+            <a:xfrm>
+              <a:off x="4367848" y="3974119"/>
+              <a:ext cx="408300" cy="158782"/>
+            </a:xfrm>
+            <a:prstGeom prst="rect">
+              <a:avLst/>
+            </a:prstGeom>
+            <a:noFill/>
+            <a:extLst>
+              <a:ext uri="{909E8E84-426E-40DD-AFC4-6F175D3DCCD1}">
+                <a14:hiddenFill xmlns:a14="http://schemas.microsoft.com/office/drawing/2010/main">
+                  <a:solidFill>
+                    <a:srgbClr val="FFFFFF"/>
+                  </a:solidFill>
+                </a14:hiddenFill>
+              </a:ext>
+            </a:extLst>
+          </p:spPr>
+        </p:pic>
+        <p:pic>
+          <p:nvPicPr>
+            <p:cNvPr id="18" name="그림 17"/>
+            <p:cNvPicPr>
+              <a:picLocks noChangeAspect="1"/>
+            </p:cNvPicPr>
+            <p:nvPr/>
+          </p:nvPicPr>
+          <p:blipFill>
+            <a:blip r:embed="rId3" cstate="print">
+              <a:extLst>
+                <a:ext uri="{28A0092B-C50C-407E-A947-70E740481C1C}">
+                  <a14:useLocalDpi xmlns:a14="http://schemas.microsoft.com/office/drawing/2010/main" val="0"/>
+                </a:ext>
+              </a:extLst>
+            </a:blip>
+            <a:stretch>
+              <a:fillRect/>
+            </a:stretch>
+          </p:blipFill>
+          <p:spPr>
+            <a:xfrm>
+              <a:off x="2508250" y="2396892"/>
+              <a:ext cx="4127500" cy="1031875"/>
+            </a:xfrm>
+            <a:prstGeom prst="rect">
+              <a:avLst/>
+            </a:prstGeom>
+          </p:spPr>
+        </p:pic>
+        <p:cxnSp>
+          <p:nvCxnSpPr>
+            <p:cNvPr id="19" name="직선 연결선 18"/>
+            <p:cNvCxnSpPr/>
+            <p:nvPr/>
+          </p:nvCxnSpPr>
+          <p:spPr>
+            <a:xfrm>
+              <a:off x="2229594" y="3428767"/>
+              <a:ext cx="4604949" cy="0"/>
+            </a:xfrm>
+            <a:prstGeom prst="line">
+              <a:avLst/>
+            </a:prstGeom>
+          </p:spPr>
+          <p:style>
+            <a:lnRef idx="1">
+              <a:schemeClr val="dk1"/>
+            </a:lnRef>
+            <a:fillRef idx="0">
+              <a:schemeClr val="dk1"/>
+            </a:fillRef>
+            <a:effectRef idx="0">
+              <a:schemeClr val="dk1"/>
+            </a:effectRef>
+            <a:fontRef idx="minor">
+              <a:schemeClr val="tx1"/>
+            </a:fontRef>
+          </p:style>
+        </p:cxnSp>
+      </p:grpSp>
+      <p:pic>
+        <p:nvPicPr>
+          <p:cNvPr id="4099" name="Picture 3" descr="C:\Users\Jake\Desktop\CAM00352.jpg"/>
+          <p:cNvPicPr>
+            <a:picLocks noChangeAspect="1" noChangeArrowheads="1"/>
+          </p:cNvPicPr>
+          <p:nvPr/>
+        </p:nvPicPr>
+        <p:blipFill>
+          <a:blip r:embed="rId4" cstate="print">
+            <a:extLst>
+              <a:ext uri="{28A0092B-C50C-407E-A947-70E740481C1C}">
+                <a14:useLocalDpi xmlns:a14="http://schemas.microsoft.com/office/drawing/2010/main" val="0"/>
+              </a:ext>
+            </a:extLst>
+          </a:blip>
+          <a:srcRect/>
+          <a:stretch>
+            <a:fillRect/>
+          </a:stretch>
+        </p:blipFill>
+        <p:spPr bwMode="auto">
+          <a:xfrm>
+            <a:off x="2045517" y="2564904"/>
+            <a:ext cx="5240646" cy="3885448"/>
+          </a:xfrm>
+          <a:prstGeom prst="rect">
+            <a:avLst/>
+          </a:prstGeom>
+          <a:noFill/>
+          <a:extLst>
+            <a:ext uri="{909E8E84-426E-40DD-AFC4-6F175D3DCCD1}">
+              <a14:hiddenFill xmlns:a14="http://schemas.microsoft.com/office/drawing/2010/main">
+                <a:solidFill>
+                  <a:srgbClr val="FFFFFF"/>
+                </a:solidFill>
+              </a14:hiddenFill>
+            </a:ext>
+          </a:extLst>
+        </p:spPr>
+      </p:pic>
+    </p:spTree>
+    <p:extLst>
+      <p:ext uri="{BB962C8B-B14F-4D97-AF65-F5344CB8AC3E}">
+        <p14:creationId xmlns:p14="http://schemas.microsoft.com/office/powerpoint/2010/main" val="1250597858"/>
+      </p:ext>
+    </p:extLst>
+  </p:cSld>
+  <p:clrMapOvr>
+    <a:masterClrMapping/>
+  </p:clrMapOvr>
+  <p:timing>
+    <p:tnLst>
+      <p:par>
+        <p:cTn id="1" dur="indefinite" restart="never" nodeType="tmRoot"/>
+      </p:par>
+    </p:tnLst>
+  </p:timing>
+</p:sld>
+</file>
+
+<file path=ppt/slides/slide11.xml><?xml version="1.0" encoding="utf-8"?>
+<p:sld xmlns:a="http://schemas.openxmlformats.org/drawingml/2006/main" xmlns:r="http://schemas.openxmlformats.org/officeDocument/2006/relationships" xmlns:p="http://schemas.openxmlformats.org/presentationml/2006/main">
+  <p:cSld>
+    <p:spTree>
+      <p:nvGrpSpPr>
+        <p:cNvPr id="1" name=""/>
+        <p:cNvGrpSpPr/>
+        <p:nvPr/>
+      </p:nvGrpSpPr>
+      <p:grpSpPr>
+        <a:xfrm>
+          <a:off x="0" y="0"/>
+          <a:ext cx="0" cy="0"/>
+          <a:chOff x="0" y="0"/>
+          <a:chExt cx="0" cy="0"/>
+        </a:xfrm>
+      </p:grpSpPr>
+      <p:cxnSp>
+        <p:nvCxnSpPr>
+          <p:cNvPr id="2" name="Straight Connector 1"/>
+          <p:cNvCxnSpPr/>
+          <p:nvPr/>
+        </p:nvCxnSpPr>
+        <p:spPr>
+          <a:xfrm>
+            <a:off x="241161" y="417949"/>
+            <a:ext cx="4033476" cy="0"/>
+          </a:xfrm>
+          <a:prstGeom prst="line">
+            <a:avLst/>
+          </a:prstGeom>
+          <a:ln w="38100" cmpd="sng">
+            <a:solidFill>
+              <a:schemeClr val="bg1">
+                <a:lumMod val="50000"/>
+              </a:schemeClr>
+            </a:solidFill>
+          </a:ln>
+          <a:effectLst/>
+        </p:spPr>
+        <p:style>
+          <a:lnRef idx="2">
+            <a:schemeClr val="accent1"/>
+          </a:lnRef>
+          <a:fillRef idx="0">
+            <a:schemeClr val="accent1"/>
+          </a:fillRef>
+          <a:effectRef idx="1">
+            <a:schemeClr val="accent1"/>
+          </a:effectRef>
+          <a:fontRef idx="minor">
+            <a:schemeClr val="tx1"/>
+          </a:fontRef>
+        </p:style>
+      </p:cxnSp>
+      <p:sp>
+        <p:nvSpPr>
+          <p:cNvPr id="3" name="TextBox 2"/>
+          <p:cNvSpPr txBox="1"/>
+          <p:nvPr/>
+        </p:nvSpPr>
+        <p:spPr>
+          <a:xfrm>
+            <a:off x="241161" y="469922"/>
             <a:ext cx="4305987" cy="369332"/>
           </a:xfrm>
           <a:prstGeom prst="rect">
@@ -3852,7 +4797,7 @@
 </p:sld>
 </file>
 
-<file path=ppt/slides/slide11.xml><?xml version="1.0" encoding="utf-8"?>
+<file path=ppt/slides/slide12.xml><?xml version="1.0" encoding="utf-8"?>
 <p:sld xmlns:a="http://schemas.openxmlformats.org/drawingml/2006/main" xmlns:r="http://schemas.openxmlformats.org/officeDocument/2006/relationships" xmlns:p="http://schemas.openxmlformats.org/presentationml/2006/main">
   <p:cSld>
     <p:spTree>
@@ -4531,7 +5476,7 @@
 </p:sld>
 </file>
 
-<file path=ppt/slides/slide12.xml><?xml version="1.0" encoding="utf-8"?>
+<file path=ppt/slides/slide13.xml><?xml version="1.0" encoding="utf-8"?>
 <p:sld xmlns:a="http://schemas.openxmlformats.org/drawingml/2006/main" xmlns:r="http://schemas.openxmlformats.org/officeDocument/2006/relationships" xmlns:p="http://schemas.openxmlformats.org/presentationml/2006/main">
   <p:cSld>
     <p:spTree>
@@ -5145,7 +6090,7 @@
 </p:sld>
 </file>
 
-<file path=ppt/slides/slide13.xml><?xml version="1.0" encoding="utf-8"?>
+<file path=ppt/slides/slide14.xml><?xml version="1.0" encoding="utf-8"?>
 <p:sld xmlns:a="http://schemas.openxmlformats.org/drawingml/2006/main" xmlns:r="http://schemas.openxmlformats.org/officeDocument/2006/relationships" xmlns:p="http://schemas.openxmlformats.org/presentationml/2006/main">
   <p:cSld>
     <p:spTree>
@@ -5253,18 +6198,7 @@
                 <a:ea typeface="나눔고딕 ExtraBold"/>
                 <a:cs typeface="나눔고딕 ExtraBold"/>
               </a:rPr>
-              <a:t>– </a:t>
-            </a:r>
-            <a:r>
-              <a:rPr lang="en-US" altLang="ko-KR" dirty="0" smtClean="0">
-                <a:solidFill>
-                  <a:srgbClr val="7F7F7F"/>
-                </a:solidFill>
-                <a:latin typeface="나눔고딕 ExtraBold"/>
-                <a:ea typeface="나눔고딕 ExtraBold"/>
-                <a:cs typeface="나눔고딕 ExtraBold"/>
-              </a:rPr>
-              <a:t>Hello, World</a:t>
+              <a:t>– Hello, World</a:t>
             </a:r>
             <a:endParaRPr lang="en-US" dirty="0">
               <a:solidFill>
@@ -5768,7 +6702,7 @@
 </p:sld>
 </file>
 
-<file path=ppt/slides/slide14.xml><?xml version="1.0" encoding="utf-8"?>
+<file path=ppt/slides/slide15.xml><?xml version="1.0" encoding="utf-8"?>
 <p:sld xmlns:a="http://schemas.openxmlformats.org/drawingml/2006/main" xmlns:r="http://schemas.openxmlformats.org/officeDocument/2006/relationships" xmlns:p="http://schemas.openxmlformats.org/presentationml/2006/main">
   <p:cSld>
     <p:spTree>
@@ -5876,18 +6810,7 @@
                 <a:ea typeface="나눔고딕 ExtraBold"/>
                 <a:cs typeface="나눔고딕 ExtraBold"/>
               </a:rPr>
-              <a:t>– </a:t>
-            </a:r>
-            <a:r>
-              <a:rPr lang="en-US" altLang="ko-KR" dirty="0" smtClean="0">
-                <a:solidFill>
-                  <a:srgbClr val="7F7F7F"/>
-                </a:solidFill>
-                <a:latin typeface="나눔고딕 ExtraBold"/>
-                <a:ea typeface="나눔고딕 ExtraBold"/>
-                <a:cs typeface="나눔고딕 ExtraBold"/>
-              </a:rPr>
-              <a:t>Hello, World</a:t>
+              <a:t>– Hello, World</a:t>
             </a:r>
             <a:endParaRPr lang="en-US" dirty="0">
               <a:solidFill>
@@ -6337,7 +7260,7 @@
 </p:sld>
 </file>
 
-<file path=ppt/slides/slide15.xml><?xml version="1.0" encoding="utf-8"?>
+<file path=ppt/slides/slide16.xml><?xml version="1.0" encoding="utf-8"?>
 <p:sld xmlns:a="http://schemas.openxmlformats.org/drawingml/2006/main" xmlns:r="http://schemas.openxmlformats.org/officeDocument/2006/relationships" xmlns:p="http://schemas.openxmlformats.org/presentationml/2006/main">
   <p:cSld>
     <p:spTree>
@@ -6445,18 +7368,7 @@
                 <a:ea typeface="나눔고딕 ExtraBold"/>
                 <a:cs typeface="나눔고딕 ExtraBold"/>
               </a:rPr>
-              <a:t>– </a:t>
-            </a:r>
-            <a:r>
-              <a:rPr lang="en-US" altLang="ko-KR" dirty="0" smtClean="0">
-                <a:solidFill>
-                  <a:srgbClr val="7F7F7F"/>
-                </a:solidFill>
-                <a:latin typeface="나눔고딕 ExtraBold"/>
-                <a:ea typeface="나눔고딕 ExtraBold"/>
-                <a:cs typeface="나눔고딕 ExtraBold"/>
-              </a:rPr>
-              <a:t>Hello, World</a:t>
+              <a:t>– Hello, World</a:t>
             </a:r>
             <a:endParaRPr lang="en-US" dirty="0">
               <a:solidFill>
@@ -6860,7 +7772,7 @@
 </p:sld>
 </file>
 
-<file path=ppt/slides/slide16.xml><?xml version="1.0" encoding="utf-8"?>
+<file path=ppt/slides/slide17.xml><?xml version="1.0" encoding="utf-8"?>
 <p:sld xmlns:a="http://schemas.openxmlformats.org/drawingml/2006/main" xmlns:r="http://schemas.openxmlformats.org/officeDocument/2006/relationships" xmlns:p="http://schemas.openxmlformats.org/presentationml/2006/main">
   <p:cSld>
     <p:spTree>
@@ -6968,18 +7880,7 @@
                 <a:ea typeface="나눔고딕 ExtraBold"/>
                 <a:cs typeface="나눔고딕 ExtraBold"/>
               </a:rPr>
-              <a:t>– </a:t>
-            </a:r>
-            <a:r>
-              <a:rPr lang="en-US" altLang="ko-KR" dirty="0" smtClean="0">
-                <a:solidFill>
-                  <a:srgbClr val="7F7F7F"/>
-                </a:solidFill>
-                <a:latin typeface="나눔고딕 ExtraBold"/>
-                <a:ea typeface="나눔고딕 ExtraBold"/>
-                <a:cs typeface="나눔고딕 ExtraBold"/>
-              </a:rPr>
-              <a:t>Hello, World</a:t>
+              <a:t>– Hello, World</a:t>
             </a:r>
             <a:endParaRPr lang="en-US" dirty="0">
               <a:solidFill>
@@ -7337,7 +8238,7 @@
 </p:sld>
 </file>
 
-<file path=ppt/slides/slide17.xml><?xml version="1.0" encoding="utf-8"?>
+<file path=ppt/slides/slide18.xml><?xml version="1.0" encoding="utf-8"?>
 <p:sld xmlns:a="http://schemas.openxmlformats.org/drawingml/2006/main" xmlns:r="http://schemas.openxmlformats.org/officeDocument/2006/relationships" xmlns:p="http://schemas.openxmlformats.org/presentationml/2006/main">
   <p:cSld>
     <p:spTree>
@@ -7445,18 +8346,7 @@
                 <a:ea typeface="나눔고딕 ExtraBold"/>
                 <a:cs typeface="나눔고딕 ExtraBold"/>
               </a:rPr>
-              <a:t>– </a:t>
-            </a:r>
-            <a:r>
-              <a:rPr lang="en-US" altLang="ko-KR" dirty="0" smtClean="0">
-                <a:solidFill>
-                  <a:srgbClr val="7F7F7F"/>
-                </a:solidFill>
-                <a:latin typeface="나눔고딕 ExtraBold"/>
-                <a:ea typeface="나눔고딕 ExtraBold"/>
-                <a:cs typeface="나눔고딕 ExtraBold"/>
-              </a:rPr>
-              <a:t>Hello, World</a:t>
+              <a:t>– Hello, World</a:t>
             </a:r>
             <a:endParaRPr lang="en-US" dirty="0">
               <a:solidFill>
@@ -7814,7 +8704,7 @@
 </p:sld>
 </file>
 
-<file path=ppt/slides/slide18.xml><?xml version="1.0" encoding="utf-8"?>
+<file path=ppt/slides/slide19.xml><?xml version="1.0" encoding="utf-8"?>
 <p:sld xmlns:a="http://schemas.openxmlformats.org/drawingml/2006/main" xmlns:r="http://schemas.openxmlformats.org/officeDocument/2006/relationships" xmlns:p="http://schemas.openxmlformats.org/presentationml/2006/main">
   <p:cSld>
     <p:spTree>
@@ -7922,18 +8812,7 @@
                 <a:ea typeface="나눔고딕 ExtraBold"/>
                 <a:cs typeface="나눔고딕 ExtraBold"/>
               </a:rPr>
-              <a:t>– </a:t>
-            </a:r>
-            <a:r>
-              <a:rPr lang="en-US" altLang="ko-KR" dirty="0" smtClean="0">
-                <a:solidFill>
-                  <a:srgbClr val="7F7F7F"/>
-                </a:solidFill>
-                <a:latin typeface="나눔고딕 ExtraBold"/>
-                <a:ea typeface="나눔고딕 ExtraBold"/>
-                <a:cs typeface="나눔고딕 ExtraBold"/>
-              </a:rPr>
-              <a:t>Hello, World</a:t>
+              <a:t>– Hello, World</a:t>
             </a:r>
             <a:endParaRPr lang="en-US" dirty="0">
               <a:solidFill>
@@ -8468,695 +9347,6 @@
     <p:extLst>
       <p:ext uri="{BB962C8B-B14F-4D97-AF65-F5344CB8AC3E}">
         <p14:creationId xmlns:p14="http://schemas.microsoft.com/office/powerpoint/2010/main" val="386788052"/>
-      </p:ext>
-    </p:extLst>
-  </p:cSld>
-  <p:clrMapOvr>
-    <a:masterClrMapping/>
-  </p:clrMapOvr>
-  <p:timing>
-    <p:tnLst>
-      <p:par>
-        <p:cTn id="1" dur="indefinite" restart="never" nodeType="tmRoot"/>
-      </p:par>
-    </p:tnLst>
-  </p:timing>
-</p:sld>
-</file>
-
-<file path=ppt/slides/slide19.xml><?xml version="1.0" encoding="utf-8"?>
-<p:sld xmlns:a="http://schemas.openxmlformats.org/drawingml/2006/main" xmlns:r="http://schemas.openxmlformats.org/officeDocument/2006/relationships" xmlns:p="http://schemas.openxmlformats.org/presentationml/2006/main">
-  <p:cSld>
-    <p:spTree>
-      <p:nvGrpSpPr>
-        <p:cNvPr id="1" name=""/>
-        <p:cNvGrpSpPr/>
-        <p:nvPr/>
-      </p:nvGrpSpPr>
-      <p:grpSpPr>
-        <a:xfrm>
-          <a:off x="0" y="0"/>
-          <a:ext cx="0" cy="0"/>
-          <a:chOff x="0" y="0"/>
-          <a:chExt cx="0" cy="0"/>
-        </a:xfrm>
-      </p:grpSpPr>
-      <p:cxnSp>
-        <p:nvCxnSpPr>
-          <p:cNvPr id="2" name="Straight Connector 1"/>
-          <p:cNvCxnSpPr/>
-          <p:nvPr/>
-        </p:nvCxnSpPr>
-        <p:spPr>
-          <a:xfrm>
-            <a:off x="241161" y="417949"/>
-            <a:ext cx="3792513" cy="0"/>
-          </a:xfrm>
-          <a:prstGeom prst="line">
-            <a:avLst/>
-          </a:prstGeom>
-          <a:ln w="38100" cmpd="sng">
-            <a:solidFill>
-              <a:schemeClr val="bg1">
-                <a:lumMod val="50000"/>
-              </a:schemeClr>
-            </a:solidFill>
-          </a:ln>
-          <a:effectLst/>
-        </p:spPr>
-        <p:style>
-          <a:lnRef idx="2">
-            <a:schemeClr val="accent1"/>
-          </a:lnRef>
-          <a:fillRef idx="0">
-            <a:schemeClr val="accent1"/>
-          </a:fillRef>
-          <a:effectRef idx="1">
-            <a:schemeClr val="accent1"/>
-          </a:effectRef>
-          <a:fontRef idx="minor">
-            <a:schemeClr val="tx1"/>
-          </a:fontRef>
-        </p:style>
-      </p:cxnSp>
-      <p:sp>
-        <p:nvSpPr>
-          <p:cNvPr id="3" name="TextBox 2"/>
-          <p:cNvSpPr txBox="1"/>
-          <p:nvPr/>
-        </p:nvSpPr>
-        <p:spPr>
-          <a:xfrm>
-            <a:off x="241161" y="469922"/>
-            <a:ext cx="3792513" cy="369332"/>
-          </a:xfrm>
-          <a:prstGeom prst="rect">
-            <a:avLst/>
-          </a:prstGeom>
-          <a:noFill/>
-        </p:spPr>
-        <p:txBody>
-          <a:bodyPr wrap="none" rtlCol="0">
-            <a:spAutoFit/>
-          </a:bodyPr>
-          <a:lstStyle/>
-          <a:p>
-            <a:r>
-              <a:rPr lang="en-US" altLang="ko-KR" dirty="0" smtClean="0">
-                <a:solidFill>
-                  <a:srgbClr val="7F7F7F"/>
-                </a:solidFill>
-                <a:latin typeface="나눔고딕 ExtraBold"/>
-                <a:ea typeface="나눔고딕 ExtraBold"/>
-                <a:cs typeface="나눔고딕 ExtraBold"/>
-              </a:rPr>
-              <a:t>5. 1</a:t>
-            </a:r>
-            <a:r>
-              <a:rPr lang="ko-KR" altLang="en-US" dirty="0" smtClean="0">
-                <a:solidFill>
-                  <a:srgbClr val="7F7F7F"/>
-                </a:solidFill>
-                <a:latin typeface="나눔고딕 ExtraBold"/>
-                <a:ea typeface="나눔고딕 ExtraBold"/>
-                <a:cs typeface="나눔고딕 ExtraBold"/>
-              </a:rPr>
-              <a:t>일차 세미나 시작 </a:t>
-            </a:r>
-            <a:r>
-              <a:rPr lang="en-US" altLang="ko-KR" dirty="0" smtClean="0">
-                <a:solidFill>
-                  <a:srgbClr val="7F7F7F"/>
-                </a:solidFill>
-                <a:latin typeface="나눔고딕 ExtraBold"/>
-                <a:ea typeface="나눔고딕 ExtraBold"/>
-                <a:cs typeface="나눔고딕 ExtraBold"/>
-              </a:rPr>
-              <a:t>– </a:t>
-            </a:r>
-            <a:r>
-              <a:rPr lang="en-US" altLang="ko-KR" dirty="0" smtClean="0">
-                <a:solidFill>
-                  <a:srgbClr val="7F7F7F"/>
-                </a:solidFill>
-                <a:latin typeface="나눔고딕 ExtraBold"/>
-                <a:ea typeface="나눔고딕 ExtraBold"/>
-                <a:cs typeface="나눔고딕 ExtraBold"/>
-              </a:rPr>
-              <a:t>Hello, World</a:t>
-            </a:r>
-            <a:endParaRPr lang="en-US" dirty="0">
-              <a:solidFill>
-                <a:schemeClr val="tx1">
-                  <a:lumMod val="50000"/>
-                  <a:lumOff val="50000"/>
-                </a:schemeClr>
-              </a:solidFill>
-              <a:latin typeface="나눔고딕 ExtraBold"/>
-              <a:ea typeface="나눔고딕 ExtraBold"/>
-              <a:cs typeface="나눔고딕 ExtraBold"/>
-            </a:endParaRPr>
-          </a:p>
-        </p:txBody>
-      </p:sp>
-      <p:grpSp>
-        <p:nvGrpSpPr>
-          <p:cNvPr id="15" name="그룹 14"/>
-          <p:cNvGrpSpPr/>
-          <p:nvPr/>
-        </p:nvGrpSpPr>
-        <p:grpSpPr>
-          <a:xfrm>
-            <a:off x="7092280" y="83285"/>
-            <a:ext cx="2192430" cy="665433"/>
-            <a:chOff x="1617431" y="2396892"/>
-            <a:chExt cx="5719711" cy="1736009"/>
-          </a:xfrm>
-        </p:grpSpPr>
-        <p:sp>
-          <p:nvSpPr>
-            <p:cNvPr id="16" name="TextBox 15"/>
-            <p:cNvSpPr txBox="1"/>
-            <p:nvPr/>
-          </p:nvSpPr>
-          <p:spPr>
-            <a:xfrm>
-              <a:off x="1617431" y="3481262"/>
-              <a:ext cx="5719711" cy="481764"/>
-            </a:xfrm>
-            <a:prstGeom prst="rect">
-              <a:avLst/>
-            </a:prstGeom>
-            <a:noFill/>
-          </p:spPr>
-          <p:txBody>
-            <a:bodyPr wrap="square" rtlCol="0">
-              <a:spAutoFit/>
-            </a:bodyPr>
-            <a:lstStyle/>
-            <a:p>
-              <a:pPr algn="ctr"/>
-              <a:r>
-                <a:rPr lang="en-US" altLang="ko-KR" sz="600" b="1" dirty="0" smtClean="0">
-                  <a:solidFill>
-                    <a:schemeClr val="tx1">
-                      <a:lumMod val="85000"/>
-                      <a:lumOff val="15000"/>
-                    </a:schemeClr>
-                  </a:solidFill>
-                  <a:latin typeface="+mj-lt"/>
-                  <a:ea typeface="휴먼모음T" pitchFamily="18" charset="-127"/>
-                </a:rPr>
-                <a:t>Samsung Software Membership Seminar #1-1</a:t>
-              </a:r>
-              <a:endParaRPr lang="ko-KR" altLang="en-US" sz="600" b="1" dirty="0">
-                <a:solidFill>
-                  <a:schemeClr val="tx1">
-                    <a:lumMod val="85000"/>
-                    <a:lumOff val="15000"/>
-                  </a:schemeClr>
-                </a:solidFill>
-                <a:latin typeface="+mj-lt"/>
-                <a:ea typeface="휴먼모음T" pitchFamily="18" charset="-127"/>
-              </a:endParaRPr>
-            </a:p>
-          </p:txBody>
-        </p:sp>
-        <p:pic>
-          <p:nvPicPr>
-            <p:cNvPr id="17" name="Picture 2" descr="C:\Users\Jake\Desktop\ssm_logo.gif"/>
-            <p:cNvPicPr>
-              <a:picLocks noChangeAspect="1" noChangeArrowheads="1"/>
-            </p:cNvPicPr>
-            <p:nvPr/>
-          </p:nvPicPr>
-          <p:blipFill>
-            <a:blip r:embed="rId2" cstate="print">
-              <a:extLst>
-                <a:ext uri="{28A0092B-C50C-407E-A947-70E740481C1C}">
-                  <a14:useLocalDpi xmlns:a14="http://schemas.microsoft.com/office/drawing/2010/main" val="0"/>
-                </a:ext>
-              </a:extLst>
-            </a:blip>
-            <a:srcRect/>
-            <a:stretch>
-              <a:fillRect/>
-            </a:stretch>
-          </p:blipFill>
-          <p:spPr bwMode="auto">
-            <a:xfrm>
-              <a:off x="4367848" y="3974119"/>
-              <a:ext cx="408300" cy="158782"/>
-            </a:xfrm>
-            <a:prstGeom prst="rect">
-              <a:avLst/>
-            </a:prstGeom>
-            <a:noFill/>
-            <a:extLst>
-              <a:ext uri="{909E8E84-426E-40DD-AFC4-6F175D3DCCD1}">
-                <a14:hiddenFill xmlns:a14="http://schemas.microsoft.com/office/drawing/2010/main">
-                  <a:solidFill>
-                    <a:srgbClr val="FFFFFF"/>
-                  </a:solidFill>
-                </a14:hiddenFill>
-              </a:ext>
-            </a:extLst>
-          </p:spPr>
-        </p:pic>
-        <p:pic>
-          <p:nvPicPr>
-            <p:cNvPr id="18" name="그림 17"/>
-            <p:cNvPicPr>
-              <a:picLocks noChangeAspect="1"/>
-            </p:cNvPicPr>
-            <p:nvPr/>
-          </p:nvPicPr>
-          <p:blipFill>
-            <a:blip r:embed="rId3" cstate="print">
-              <a:extLst>
-                <a:ext uri="{28A0092B-C50C-407E-A947-70E740481C1C}">
-                  <a14:useLocalDpi xmlns:a14="http://schemas.microsoft.com/office/drawing/2010/main" val="0"/>
-                </a:ext>
-              </a:extLst>
-            </a:blip>
-            <a:stretch>
-              <a:fillRect/>
-            </a:stretch>
-          </p:blipFill>
-          <p:spPr>
-            <a:xfrm>
-              <a:off x="2508250" y="2396892"/>
-              <a:ext cx="4127500" cy="1031875"/>
-            </a:xfrm>
-            <a:prstGeom prst="rect">
-              <a:avLst/>
-            </a:prstGeom>
-          </p:spPr>
-        </p:pic>
-        <p:cxnSp>
-          <p:nvCxnSpPr>
-            <p:cNvPr id="19" name="직선 연결선 18"/>
-            <p:cNvCxnSpPr/>
-            <p:nvPr/>
-          </p:nvCxnSpPr>
-          <p:spPr>
-            <a:xfrm>
-              <a:off x="2229594" y="3428767"/>
-              <a:ext cx="4604949" cy="0"/>
-            </a:xfrm>
-            <a:prstGeom prst="line">
-              <a:avLst/>
-            </a:prstGeom>
-          </p:spPr>
-          <p:style>
-            <a:lnRef idx="1">
-              <a:schemeClr val="dk1"/>
-            </a:lnRef>
-            <a:fillRef idx="0">
-              <a:schemeClr val="dk1"/>
-            </a:fillRef>
-            <a:effectRef idx="0">
-              <a:schemeClr val="dk1"/>
-            </a:effectRef>
-            <a:fontRef idx="minor">
-              <a:schemeClr val="tx1"/>
-            </a:fontRef>
-          </p:style>
-        </p:cxnSp>
-      </p:grpSp>
-      <p:sp>
-        <p:nvSpPr>
-          <p:cNvPr id="13" name="TextBox 12"/>
-          <p:cNvSpPr txBox="1"/>
-          <p:nvPr/>
-        </p:nvSpPr>
-        <p:spPr>
-          <a:xfrm>
-            <a:off x="1680807" y="1847726"/>
-            <a:ext cx="7242304" cy="584775"/>
-          </a:xfrm>
-          <a:prstGeom prst="rect">
-            <a:avLst/>
-          </a:prstGeom>
-          <a:noFill/>
-        </p:spPr>
-        <p:txBody>
-          <a:bodyPr wrap="none" rtlCol="0">
-            <a:spAutoFit/>
-          </a:bodyPr>
-          <a:lstStyle/>
-          <a:p>
-            <a:r>
-              <a:rPr lang="ko-KR" altLang="en-US" sz="3200" dirty="0" smtClean="0">
-                <a:solidFill>
-                  <a:srgbClr val="7F7F7F"/>
-                </a:solidFill>
-                <a:latin typeface="나눔고딕 ExtraBold"/>
-                <a:ea typeface="나눔고딕 ExtraBold"/>
-                <a:cs typeface="나눔고딕 ExtraBold"/>
-              </a:rPr>
-              <a:t>좌측에 있는 </a:t>
-            </a:r>
-            <a:r>
-              <a:rPr lang="en-US" altLang="ko-KR" sz="3200" dirty="0" smtClean="0">
-                <a:solidFill>
-                  <a:srgbClr val="7F7F7F"/>
-                </a:solidFill>
-                <a:latin typeface="나눔고딕 ExtraBold"/>
-                <a:ea typeface="나눔고딕 ExtraBold"/>
-                <a:cs typeface="나눔고딕 ExtraBold"/>
-              </a:rPr>
-              <a:t>Package Explorer</a:t>
-            </a:r>
-            <a:r>
-              <a:rPr lang="ko-KR" altLang="en-US" sz="3200" dirty="0" smtClean="0">
-                <a:solidFill>
-                  <a:srgbClr val="7F7F7F"/>
-                </a:solidFill>
-                <a:latin typeface="나눔고딕 ExtraBold"/>
-                <a:ea typeface="나눔고딕 ExtraBold"/>
-                <a:cs typeface="나눔고딕 ExtraBold"/>
-              </a:rPr>
-              <a:t>를 보세요</a:t>
-            </a:r>
-            <a:endParaRPr lang="en-US" sz="3200" dirty="0">
-              <a:solidFill>
-                <a:srgbClr val="7F7F7F"/>
-              </a:solidFill>
-              <a:latin typeface="나눔고딕 ExtraBold"/>
-              <a:ea typeface="나눔고딕 ExtraBold"/>
-              <a:cs typeface="나눔고딕 ExtraBold"/>
-            </a:endParaRPr>
-          </a:p>
-        </p:txBody>
-      </p:sp>
-      <p:cxnSp>
-        <p:nvCxnSpPr>
-          <p:cNvPr id="14" name="Straight Connector 2"/>
-          <p:cNvCxnSpPr/>
-          <p:nvPr/>
-        </p:nvCxnSpPr>
-        <p:spPr>
-          <a:xfrm>
-            <a:off x="1599235" y="1847725"/>
-            <a:ext cx="7416623" cy="0"/>
-          </a:xfrm>
-          <a:prstGeom prst="line">
-            <a:avLst/>
-          </a:prstGeom>
-          <a:ln w="38100" cmpd="sng">
-            <a:solidFill>
-              <a:schemeClr val="bg1">
-                <a:lumMod val="50000"/>
-              </a:schemeClr>
-            </a:solidFill>
-          </a:ln>
-          <a:effectLst/>
-        </p:spPr>
-        <p:style>
-          <a:lnRef idx="2">
-            <a:schemeClr val="accent1"/>
-          </a:lnRef>
-          <a:fillRef idx="0">
-            <a:schemeClr val="accent1"/>
-          </a:fillRef>
-          <a:effectRef idx="1">
-            <a:schemeClr val="accent1"/>
-          </a:effectRef>
-          <a:fontRef idx="minor">
-            <a:schemeClr val="tx1"/>
-          </a:fontRef>
-        </p:style>
-      </p:cxnSp>
-      <p:pic>
-        <p:nvPicPr>
-          <p:cNvPr id="7170" name="Picture 2"/>
-          <p:cNvPicPr>
-            <a:picLocks noChangeAspect="1" noChangeArrowheads="1"/>
-          </p:cNvPicPr>
-          <p:nvPr/>
-        </p:nvPicPr>
-        <p:blipFill>
-          <a:blip r:embed="rId4">
-            <a:extLst>
-              <a:ext uri="{28A0092B-C50C-407E-A947-70E740481C1C}">
-                <a14:useLocalDpi xmlns:a14="http://schemas.microsoft.com/office/drawing/2010/main" val="0"/>
-              </a:ext>
-            </a:extLst>
-          </a:blip>
-          <a:srcRect/>
-          <a:stretch>
-            <a:fillRect/>
-          </a:stretch>
-        </p:blipFill>
-        <p:spPr bwMode="auto">
-          <a:xfrm>
-            <a:off x="683568" y="2564904"/>
-            <a:ext cx="2341349" cy="3492674"/>
-          </a:xfrm>
-          <a:prstGeom prst="rect">
-            <a:avLst/>
-          </a:prstGeom>
-          <a:noFill/>
-          <a:ln>
-            <a:noFill/>
-          </a:ln>
-          <a:effectLst/>
-          <a:extLst>
-            <a:ext uri="{909E8E84-426E-40DD-AFC4-6F175D3DCCD1}">
-              <a14:hiddenFill xmlns:a14="http://schemas.microsoft.com/office/drawing/2010/main">
-                <a:solidFill>
-                  <a:schemeClr val="accent1"/>
-                </a:solidFill>
-              </a14:hiddenFill>
-            </a:ext>
-            <a:ext uri="{91240B29-F687-4F45-9708-019B960494DF}">
-              <a14:hiddenLine xmlns:a14="http://schemas.microsoft.com/office/drawing/2010/main" w="9525">
-                <a:solidFill>
-                  <a:schemeClr val="tx1"/>
-                </a:solidFill>
-                <a:miter lim="800000"/>
-                <a:headEnd/>
-                <a:tailEnd/>
-              </a14:hiddenLine>
-            </a:ext>
-            <a:ext uri="{AF507438-7753-43E0-B8FC-AC1667EBCBE1}">
-              <a14:hiddenEffects xmlns:a14="http://schemas.microsoft.com/office/drawing/2010/main">
-                <a:effectLst>
-                  <a:outerShdw dist="35921" dir="2700000" algn="ctr" rotWithShape="0">
-                    <a:schemeClr val="bg2"/>
-                  </a:outerShdw>
-                </a:effectLst>
-              </a14:hiddenEffects>
-            </a:ext>
-          </a:extLst>
-        </p:spPr>
-      </p:pic>
-      <p:pic>
-        <p:nvPicPr>
-          <p:cNvPr id="4" name="그림 3"/>
-          <p:cNvPicPr>
-            <a:picLocks noChangeAspect="1"/>
-          </p:cNvPicPr>
-          <p:nvPr/>
-        </p:nvPicPr>
-        <p:blipFill>
-          <a:blip r:embed="rId5">
-            <a:extLst>
-              <a:ext uri="{28A0092B-C50C-407E-A947-70E740481C1C}">
-                <a14:useLocalDpi xmlns:a14="http://schemas.microsoft.com/office/drawing/2010/main" val="0"/>
-              </a:ext>
-            </a:extLst>
-          </a:blip>
-          <a:stretch>
-            <a:fillRect/>
-          </a:stretch>
-        </p:blipFill>
-        <p:spPr>
-          <a:xfrm>
-            <a:off x="3365912" y="2606616"/>
-            <a:ext cx="647785" cy="579600"/>
-          </a:xfrm>
-          <a:prstGeom prst="rect">
-            <a:avLst/>
-          </a:prstGeom>
-        </p:spPr>
-      </p:pic>
-      <p:sp>
-        <p:nvSpPr>
-          <p:cNvPr id="20" name="TextBox 19"/>
-          <p:cNvSpPr txBox="1"/>
-          <p:nvPr/>
-        </p:nvSpPr>
-        <p:spPr>
-          <a:xfrm>
-            <a:off x="4033674" y="2525017"/>
-            <a:ext cx="1762462" cy="581698"/>
-          </a:xfrm>
-          <a:prstGeom prst="rect">
-            <a:avLst/>
-          </a:prstGeom>
-          <a:noFill/>
-        </p:spPr>
-        <p:txBody>
-          <a:bodyPr wrap="square" rtlCol="0">
-            <a:spAutoFit/>
-          </a:bodyPr>
-          <a:lstStyle/>
-          <a:p>
-            <a:pPr marL="0" lvl="1">
-              <a:lnSpc>
-                <a:spcPct val="150000"/>
-              </a:lnSpc>
-            </a:pPr>
-            <a:r>
-              <a:rPr lang="en-US" altLang="ko-KR" sz="2400" b="1" dirty="0" smtClean="0">
-                <a:solidFill>
-                  <a:schemeClr val="bg2">
-                    <a:lumMod val="25000"/>
-                  </a:schemeClr>
-                </a:solidFill>
-                <a:latin typeface="나눔고딕"/>
-                <a:ea typeface="나눔고딕"/>
-                <a:cs typeface="나눔고딕"/>
-              </a:rPr>
-              <a:t>package</a:t>
-            </a:r>
-            <a:endParaRPr lang="en-US" altLang="ko-KR" sz="2400" b="1" dirty="0">
-              <a:solidFill>
-                <a:schemeClr val="tx1">
-                  <a:lumMod val="50000"/>
-                  <a:lumOff val="50000"/>
-                </a:schemeClr>
-              </a:solidFill>
-              <a:latin typeface="나눔고딕"/>
-              <a:ea typeface="나눔고딕"/>
-              <a:cs typeface="나눔고딕"/>
-            </a:endParaRPr>
-          </a:p>
-        </p:txBody>
-      </p:sp>
-      <p:sp>
-        <p:nvSpPr>
-          <p:cNvPr id="21" name="직사각형 20"/>
-          <p:cNvSpPr/>
-          <p:nvPr/>
-        </p:nvSpPr>
-        <p:spPr>
-          <a:xfrm>
-            <a:off x="3345667" y="3209667"/>
-            <a:ext cx="5656805" cy="1877437"/>
-          </a:xfrm>
-          <a:prstGeom prst="rect">
-            <a:avLst/>
-          </a:prstGeom>
-        </p:spPr>
-        <p:txBody>
-          <a:bodyPr wrap="none">
-            <a:spAutoFit/>
-          </a:bodyPr>
-          <a:lstStyle/>
-          <a:p>
-            <a:r>
-              <a:rPr lang="ko-KR" altLang="en-US" sz="1600" dirty="0" smtClean="0"/>
-              <a:t>자바에서 동일한 이름의 </a:t>
-            </a:r>
-            <a:r>
-              <a:rPr lang="en-US" altLang="ko-KR" sz="1600" dirty="0" smtClean="0"/>
-              <a:t>Java </a:t>
-            </a:r>
-            <a:r>
-              <a:rPr lang="ko-KR" altLang="en-US" sz="1600" dirty="0" smtClean="0"/>
-              <a:t>파일을 구분하기 위해 쓰이는 </a:t>
-            </a:r>
-            <a:endParaRPr lang="en-US" altLang="ko-KR" sz="1600" dirty="0" smtClean="0"/>
-          </a:p>
-          <a:p>
-            <a:r>
-              <a:rPr lang="ko-KR" altLang="en-US" sz="1600" dirty="0" smtClean="0"/>
-              <a:t>폴더와 유사한 형태의 패러다임</a:t>
-            </a:r>
-            <a:endParaRPr lang="en-US" altLang="ko-KR" sz="1600" dirty="0" smtClean="0"/>
-          </a:p>
-          <a:p>
-            <a:endParaRPr lang="en-US" altLang="ko-KR" dirty="0" smtClean="0"/>
-          </a:p>
-          <a:p>
-            <a:r>
-              <a:rPr lang="ko-KR" altLang="en-US" sz="1600" dirty="0" smtClean="0"/>
-              <a:t>같은 </a:t>
-            </a:r>
-            <a:r>
-              <a:rPr lang="en-US" altLang="ko-KR" sz="1600" dirty="0" err="1" smtClean="0"/>
-              <a:t>OnClickListener</a:t>
-            </a:r>
-            <a:r>
-              <a:rPr lang="en-US" altLang="ko-KR" sz="1600" dirty="0" smtClean="0"/>
-              <a:t> </a:t>
-            </a:r>
-            <a:r>
-              <a:rPr lang="ko-KR" altLang="en-US" sz="1600" dirty="0" smtClean="0"/>
-              <a:t>라도</a:t>
-            </a:r>
-            <a:endParaRPr lang="en-US" altLang="ko-KR" sz="1600" dirty="0"/>
-          </a:p>
-          <a:p>
-            <a:r>
-              <a:rPr lang="en-US" altLang="ko-KR" sz="1600" b="1" dirty="0" err="1" smtClean="0">
-                <a:solidFill>
-                  <a:srgbClr val="C00000"/>
-                </a:solidFill>
-              </a:rPr>
-              <a:t>android.view.View.OnClickListener</a:t>
-            </a:r>
-            <a:r>
-              <a:rPr lang="en-US" altLang="ko-KR" sz="1600" dirty="0" smtClean="0"/>
-              <a:t> </a:t>
-            </a:r>
-            <a:r>
-              <a:rPr lang="ko-KR" altLang="en-US" sz="1600" dirty="0" smtClean="0"/>
-              <a:t>와</a:t>
-            </a:r>
-            <a:endParaRPr lang="en-US" altLang="ko-KR" sz="1600" dirty="0" smtClean="0"/>
-          </a:p>
-          <a:p>
-            <a:r>
-              <a:rPr lang="en-US" altLang="ko-KR" sz="1600" b="1" dirty="0" err="1" smtClean="0">
-                <a:solidFill>
-                  <a:schemeClr val="accent1">
-                    <a:lumMod val="75000"/>
-                  </a:schemeClr>
-                </a:solidFill>
-              </a:rPr>
-              <a:t>android.content.DialogInterface.OnClickListener</a:t>
-            </a:r>
-            <a:r>
-              <a:rPr lang="en-US" altLang="ko-KR" sz="1600" dirty="0" smtClean="0"/>
-              <a:t> </a:t>
-            </a:r>
-            <a:r>
-              <a:rPr lang="ko-KR" altLang="en-US" sz="1600" dirty="0" smtClean="0"/>
-              <a:t>는</a:t>
-            </a:r>
-            <a:endParaRPr lang="en-US" altLang="ko-KR" sz="1600" dirty="0" smtClean="0"/>
-          </a:p>
-          <a:p>
-            <a:r>
-              <a:rPr lang="ko-KR" altLang="en-US" sz="1600" dirty="0" smtClean="0"/>
-              <a:t>다른 것이다</a:t>
-            </a:r>
-            <a:r>
-              <a:rPr lang="en-US" altLang="ko-KR" sz="1600" dirty="0" smtClean="0"/>
-              <a:t>.</a:t>
-            </a:r>
-            <a:endParaRPr lang="ko-KR" altLang="en-US" sz="1600" dirty="0"/>
-          </a:p>
-        </p:txBody>
-      </p:sp>
-    </p:spTree>
-    <p:extLst>
-      <p:ext uri="{BB962C8B-B14F-4D97-AF65-F5344CB8AC3E}">
-        <p14:creationId xmlns:p14="http://schemas.microsoft.com/office/powerpoint/2010/main" val="2522643584"/>
       </p:ext>
     </p:extLst>
   </p:cSld>
@@ -10886,18 +11076,7 @@
                 <a:ea typeface="나눔고딕 ExtraBold"/>
                 <a:cs typeface="나눔고딕 ExtraBold"/>
               </a:rPr>
-              <a:t>– </a:t>
-            </a:r>
-            <a:r>
-              <a:rPr lang="en-US" altLang="ko-KR" dirty="0" smtClean="0">
-                <a:solidFill>
-                  <a:srgbClr val="7F7F7F"/>
-                </a:solidFill>
-                <a:latin typeface="나눔고딕 ExtraBold"/>
-                <a:ea typeface="나눔고딕 ExtraBold"/>
-                <a:cs typeface="나눔고딕 ExtraBold"/>
-              </a:rPr>
-              <a:t>Hello, World</a:t>
+              <a:t>– Hello, World</a:t>
             </a:r>
             <a:endParaRPr lang="en-US" dirty="0">
               <a:solidFill>
@@ -11268,8 +11447,8 @@
         </p:blipFill>
         <p:spPr>
           <a:xfrm>
-            <a:off x="3345667" y="2606616"/>
-            <a:ext cx="688275" cy="579600"/>
+            <a:off x="3365912" y="2606616"/>
+            <a:ext cx="647785" cy="579600"/>
           </a:xfrm>
           <a:prstGeom prst="rect">
             <a:avLst/>
@@ -11285,7 +11464,7 @@
         <p:spPr>
           <a:xfrm>
             <a:off x="4033674" y="2525017"/>
-            <a:ext cx="1268285" cy="581698"/>
+            <a:ext cx="1762462" cy="581698"/>
           </a:xfrm>
           <a:prstGeom prst="rect">
             <a:avLst/>
@@ -11314,7 +11493,7 @@
                 <a:ea typeface="나눔고딕"/>
                 <a:cs typeface="나눔고딕"/>
               </a:rPr>
-              <a:t>/gen</a:t>
+              <a:t>package</a:t>
             </a:r>
             <a:endParaRPr lang="en-US" altLang="ko-KR" sz="2400" b="1" dirty="0">
               <a:solidFill>
@@ -11339,7 +11518,7 @@
         <p:spPr>
           <a:xfrm>
             <a:off x="3345667" y="3209667"/>
-            <a:ext cx="4565673" cy="2492990"/>
+            <a:ext cx="5656805" cy="1877437"/>
           </a:xfrm>
           <a:prstGeom prst="rect">
             <a:avLst/>
@@ -11352,179 +11531,105 @@
           <a:lstStyle/>
           <a:p>
             <a:r>
+              <a:rPr lang="ko-KR" altLang="en-US" sz="1600" dirty="0" smtClean="0"/>
+              <a:t>자바에서 동일한 이름의 </a:t>
+            </a:r>
+            <a:r>
               <a:rPr lang="en-US" altLang="ko-KR" sz="1600" dirty="0" smtClean="0"/>
-              <a:t>gen</a:t>
+              <a:t>Java </a:t>
             </a:r>
             <a:r>
               <a:rPr lang="ko-KR" altLang="en-US" sz="1600" dirty="0" smtClean="0"/>
-              <a:t>은 </a:t>
+              <a:t>파일을 구분하기 위해 쓰이는 </a:t>
+            </a:r>
+            <a:endParaRPr lang="en-US" altLang="ko-KR" sz="1600" dirty="0" smtClean="0"/>
+          </a:p>
+          <a:p>
+            <a:r>
+              <a:rPr lang="ko-KR" altLang="en-US" sz="1600" dirty="0" smtClean="0"/>
+              <a:t>폴더와 유사한 형태의 패러다임</a:t>
+            </a:r>
+            <a:endParaRPr lang="en-US" altLang="ko-KR" sz="1600" dirty="0" smtClean="0"/>
+          </a:p>
+          <a:p>
+            <a:endParaRPr lang="en-US" altLang="ko-KR" dirty="0" smtClean="0"/>
+          </a:p>
+          <a:p>
+            <a:r>
+              <a:rPr lang="ko-KR" altLang="en-US" sz="1600" dirty="0" smtClean="0"/>
+              <a:t>같은 </a:t>
+            </a:r>
+            <a:r>
+              <a:rPr lang="en-US" altLang="ko-KR" sz="1600" dirty="0" err="1" smtClean="0"/>
+              <a:t>OnClickListener</a:t>
             </a:r>
             <a:r>
               <a:rPr lang="en-US" altLang="ko-KR" sz="1600" dirty="0" smtClean="0"/>
-              <a:t>auto-generated file</a:t>
+              <a:t> </a:t>
             </a:r>
             <a:r>
               <a:rPr lang="ko-KR" altLang="en-US" sz="1600" dirty="0" smtClean="0"/>
-              <a:t>의 약자로</a:t>
+              <a:t>라도</a:t>
+            </a:r>
+            <a:endParaRPr lang="en-US" altLang="ko-KR" sz="1600" dirty="0"/>
+          </a:p>
+          <a:p>
+            <a:r>
+              <a:rPr lang="en-US" altLang="ko-KR" sz="1600" b="1" dirty="0" err="1" smtClean="0">
+                <a:solidFill>
+                  <a:srgbClr val="C00000"/>
+                </a:solidFill>
+              </a:rPr>
+              <a:t>android.view.View.OnClickListener</a:t>
+            </a:r>
+            <a:r>
+              <a:rPr lang="en-US" altLang="ko-KR" sz="1600" dirty="0" smtClean="0"/>
+              <a:t> </a:t>
+            </a:r>
+            <a:r>
+              <a:rPr lang="ko-KR" altLang="en-US" sz="1600" dirty="0" smtClean="0"/>
+              <a:t>와</a:t>
             </a:r>
             <a:endParaRPr lang="en-US" altLang="ko-KR" sz="1600" dirty="0" smtClean="0"/>
           </a:p>
           <a:p>
             <a:r>
-              <a:rPr lang="ko-KR" altLang="en-US" sz="1600" dirty="0" err="1" smtClean="0"/>
-              <a:t>안드로이드</a:t>
+              <a:rPr lang="en-US" altLang="ko-KR" sz="1600" b="1" dirty="0" err="1" smtClean="0">
+                <a:solidFill>
+                  <a:schemeClr val="accent1">
+                    <a:lumMod val="75000"/>
+                  </a:schemeClr>
+                </a:solidFill>
+              </a:rPr>
+              <a:t>android.content.DialogInterface.OnClickListener</a:t>
+            </a:r>
+            <a:r>
+              <a:rPr lang="en-US" altLang="ko-KR" sz="1600" dirty="0" smtClean="0"/>
+              <a:t> </a:t>
             </a:r>
             <a:r>
               <a:rPr lang="ko-KR" altLang="en-US" sz="1600" dirty="0" smtClean="0"/>
-              <a:t> </a:t>
-            </a:r>
-            <a:r>
-              <a:rPr lang="ko-KR" altLang="en-US" sz="1600" dirty="0" err="1" smtClean="0"/>
-              <a:t>빌드</a:t>
-            </a:r>
+              <a:t>는</a:t>
+            </a:r>
+            <a:endParaRPr lang="en-US" altLang="ko-KR" sz="1600" dirty="0" smtClean="0"/>
+          </a:p>
+          <a:p>
             <a:r>
               <a:rPr lang="ko-KR" altLang="en-US" sz="1600" dirty="0" smtClean="0"/>
-              <a:t> 시스템에 의해 자동으로</a:t>
-            </a:r>
-            <a:endParaRPr lang="en-US" altLang="ko-KR" sz="1600" dirty="0" smtClean="0"/>
-          </a:p>
-          <a:p>
-            <a:r>
-              <a:rPr lang="ko-KR" altLang="en-US" sz="1600" dirty="0" smtClean="0"/>
-              <a:t>생성되는 리소스 참조 파일이다</a:t>
+              <a:t>다른 것이다</a:t>
             </a:r>
             <a:r>
               <a:rPr lang="en-US" altLang="ko-KR" sz="1600" dirty="0" smtClean="0"/>
               <a:t>.</a:t>
             </a:r>
-          </a:p>
-          <a:p>
-            <a:endParaRPr lang="en-US" altLang="ko-KR" sz="1600" dirty="0"/>
-          </a:p>
-          <a:p>
-            <a:r>
-              <a:rPr lang="en-US" altLang="ko-KR" sz="1600" dirty="0" smtClean="0"/>
-              <a:t>MFC</a:t>
-            </a:r>
-            <a:r>
-              <a:rPr lang="ko-KR" altLang="en-US" sz="1600" dirty="0" smtClean="0"/>
-              <a:t>를 해보셨던 분들이라면</a:t>
-            </a:r>
-            <a:endParaRPr lang="en-US" altLang="ko-KR" sz="1600" dirty="0" smtClean="0"/>
-          </a:p>
-          <a:p>
-            <a:r>
-              <a:rPr lang="en-US" altLang="ko-KR" sz="1600" dirty="0" smtClean="0"/>
-              <a:t>String Table</a:t>
-            </a:r>
-            <a:r>
-              <a:rPr lang="ko-KR" altLang="en-US" sz="1600" dirty="0" smtClean="0"/>
-              <a:t>과 유사한 것이라고 생각하면 된다</a:t>
-            </a:r>
-            <a:r>
-              <a:rPr lang="en-US" altLang="ko-KR" sz="1600" dirty="0" smtClean="0"/>
-              <a:t>.</a:t>
-            </a:r>
-            <a:r>
-              <a:rPr lang="ko-KR" altLang="en-US" sz="1600" dirty="0" smtClean="0"/>
-              <a:t> </a:t>
-            </a:r>
-            <a:endParaRPr lang="en-US" altLang="ko-KR" sz="1600" dirty="0" smtClean="0"/>
-          </a:p>
-          <a:p>
-            <a:endParaRPr lang="en-US" altLang="ko-KR" sz="1600" dirty="0"/>
-          </a:p>
-          <a:p>
-            <a:r>
-              <a:rPr lang="en-US" altLang="ko-KR" sz="1600" b="1" dirty="0" smtClean="0">
-                <a:solidFill>
-                  <a:srgbClr val="FF0000"/>
-                </a:solidFill>
-              </a:rPr>
-              <a:t>Warm : </a:t>
-            </a:r>
-            <a:r>
-              <a:rPr lang="ko-KR" altLang="en-US" sz="1600" b="1" dirty="0" smtClean="0">
-                <a:solidFill>
-                  <a:srgbClr val="FF0000"/>
-                </a:solidFill>
-              </a:rPr>
-              <a:t>임의로 수정하지 말 것</a:t>
-            </a:r>
-            <a:r>
-              <a:rPr lang="en-US" altLang="ko-KR" sz="1600" b="1" dirty="0" smtClean="0">
-                <a:solidFill>
-                  <a:srgbClr val="FF0000"/>
-                </a:solidFill>
-              </a:rPr>
-              <a:t>!</a:t>
-            </a:r>
-          </a:p>
-          <a:p>
-            <a:r>
-              <a:rPr lang="en-US" altLang="ko-KR" sz="1400" b="1" dirty="0" smtClean="0"/>
-              <a:t>( </a:t>
-            </a:r>
-            <a:r>
-              <a:rPr lang="ko-KR" altLang="en-US" sz="1400" b="1" dirty="0" smtClean="0"/>
-              <a:t>만약 제대로 생성이 안 된다면</a:t>
-            </a:r>
-            <a:r>
-              <a:rPr lang="en-US" altLang="ko-KR" sz="1400" b="1" dirty="0" smtClean="0"/>
-              <a:t>, </a:t>
-            </a:r>
-            <a:r>
-              <a:rPr lang="ko-KR" altLang="en-US" sz="1400" b="1" dirty="0" smtClean="0"/>
-              <a:t>소스에 문제가 있거나</a:t>
-            </a:r>
-            <a:endParaRPr lang="en-US" altLang="ko-KR" sz="1400" b="1" dirty="0" smtClean="0"/>
-          </a:p>
-          <a:p>
-            <a:r>
-              <a:rPr lang="ko-KR" altLang="en-US" sz="1400" b="1" dirty="0" smtClean="0"/>
-              <a:t>리소스에 문제가 있을 확률이 크다</a:t>
-            </a:r>
-            <a:r>
-              <a:rPr lang="en-US" altLang="ko-KR" sz="1400" b="1" dirty="0" smtClean="0"/>
-              <a:t>. )</a:t>
-            </a:r>
+            <a:endParaRPr lang="ko-KR" altLang="en-US" sz="1600" dirty="0"/>
           </a:p>
         </p:txBody>
       </p:sp>
-      <p:pic>
-        <p:nvPicPr>
-          <p:cNvPr id="22" name="그림 21"/>
-          <p:cNvPicPr>
-            <a:picLocks noChangeAspect="1"/>
-          </p:cNvPicPr>
-          <p:nvPr/>
-        </p:nvPicPr>
-        <p:blipFill>
-          <a:blip r:embed="rId6">
-            <a:extLst>
-              <a:ext uri="{28A0092B-C50C-407E-A947-70E740481C1C}">
-                <a14:useLocalDpi xmlns:a14="http://schemas.microsoft.com/office/drawing/2010/main" val="0"/>
-              </a:ext>
-            </a:extLst>
-          </a:blip>
-          <a:stretch>
-            <a:fillRect/>
-          </a:stretch>
-        </p:blipFill>
-        <p:spPr>
-          <a:xfrm>
-            <a:off x="3345667" y="2606616"/>
-            <a:ext cx="688275" cy="579599"/>
-          </a:xfrm>
-          <a:prstGeom prst="rect">
-            <a:avLst/>
-          </a:prstGeom>
-        </p:spPr>
-      </p:pic>
     </p:spTree>
     <p:extLst>
       <p:ext uri="{BB962C8B-B14F-4D97-AF65-F5344CB8AC3E}">
-        <p14:creationId xmlns:p14="http://schemas.microsoft.com/office/powerpoint/2010/main" val="3740082402"/>
+        <p14:creationId xmlns:p14="http://schemas.microsoft.com/office/powerpoint/2010/main" val="2522643584"/>
       </p:ext>
     </p:extLst>
   </p:cSld>
@@ -11649,18 +11754,7 @@
                 <a:ea typeface="나눔고딕 ExtraBold"/>
                 <a:cs typeface="나눔고딕 ExtraBold"/>
               </a:rPr>
-              <a:t>– </a:t>
-            </a:r>
-            <a:r>
-              <a:rPr lang="en-US" altLang="ko-KR" dirty="0" smtClean="0">
-                <a:solidFill>
-                  <a:srgbClr val="7F7F7F"/>
-                </a:solidFill>
-                <a:latin typeface="나눔고딕 ExtraBold"/>
-                <a:ea typeface="나눔고딕 ExtraBold"/>
-                <a:cs typeface="나눔고딕 ExtraBold"/>
-              </a:rPr>
-              <a:t>Hello, World</a:t>
+              <a:t>– Hello, World</a:t>
             </a:r>
             <a:endParaRPr lang="en-US" dirty="0">
               <a:solidFill>
@@ -12077,7 +12171,7 @@
                 <a:ea typeface="나눔고딕"/>
                 <a:cs typeface="나눔고딕"/>
               </a:rPr>
-              <a:t>/assets</a:t>
+              <a:t>/gen</a:t>
             </a:r>
             <a:endParaRPr lang="en-US" altLang="ko-KR" sz="2400" b="1" dirty="0">
               <a:solidFill>
@@ -12102,7 +12196,7 @@
         <p:spPr>
           <a:xfrm>
             <a:off x="3345667" y="3209667"/>
-            <a:ext cx="4713150" cy="1323439"/>
+            <a:ext cx="4565673" cy="2492990"/>
           </a:xfrm>
           <a:prstGeom prst="rect">
             <a:avLst/>
@@ -12115,48 +12209,31 @@
           <a:lstStyle/>
           <a:p>
             <a:r>
+              <a:rPr lang="en-US" altLang="ko-KR" sz="1600" dirty="0" smtClean="0"/>
+              <a:t>gen</a:t>
+            </a:r>
+            <a:r>
               <a:rPr lang="ko-KR" altLang="en-US" sz="1600" dirty="0" smtClean="0"/>
-              <a:t>디바이스에 애플리케이션을 설치할 때</a:t>
+              <a:t>은 </a:t>
+            </a:r>
+            <a:r>
+              <a:rPr lang="en-US" altLang="ko-KR" sz="1600" dirty="0" smtClean="0"/>
+              <a:t>auto-generated file</a:t>
+            </a:r>
+            <a:r>
+              <a:rPr lang="ko-KR" altLang="en-US" sz="1600" dirty="0" smtClean="0"/>
+              <a:t>의 약자로</a:t>
             </a:r>
             <a:endParaRPr lang="en-US" altLang="ko-KR" sz="1600" dirty="0" smtClean="0"/>
           </a:p>
           <a:p>
             <a:r>
+              <a:rPr lang="ko-KR" altLang="en-US" sz="1600" dirty="0" err="1" smtClean="0"/>
+              <a:t>안드로이드</a:t>
+            </a:r>
+            <a:r>
               <a:rPr lang="ko-KR" altLang="en-US" sz="1600" dirty="0" smtClean="0"/>
-              <a:t>함께 설치할 데이터 파일을 저장하는 곳</a:t>
-            </a:r>
-            <a:endParaRPr lang="en-US" altLang="ko-KR" sz="1600" dirty="0" smtClean="0"/>
-          </a:p>
-          <a:p>
-            <a:endParaRPr lang="en-US" altLang="ko-KR" sz="1600" dirty="0"/>
-          </a:p>
-          <a:p>
-            <a:r>
-              <a:rPr lang="en-US" altLang="ko-KR" sz="1600" dirty="0" smtClean="0"/>
-              <a:t>( Ex: </a:t>
-            </a:r>
-            <a:r>
-              <a:rPr lang="ko-KR" altLang="en-US" sz="1600" dirty="0" smtClean="0"/>
-              <a:t>어플리케이션에 배경음악을 넣고 싶을 경우</a:t>
-            </a:r>
-            <a:endParaRPr lang="en-US" altLang="ko-KR" sz="1600" dirty="0" smtClean="0"/>
-          </a:p>
-          <a:p>
-            <a:r>
-              <a:rPr lang="en-US" altLang="ko-KR" sz="1600" dirty="0" smtClean="0"/>
-              <a:t>mp3 </a:t>
-            </a:r>
-            <a:r>
-              <a:rPr lang="ko-KR" altLang="en-US" sz="1600" dirty="0" smtClean="0"/>
-              <a:t>파일을 </a:t>
-            </a:r>
-            <a:r>
-              <a:rPr lang="en-US" altLang="ko-KR" sz="1600" dirty="0" smtClean="0"/>
-              <a:t>assets </a:t>
-            </a:r>
-            <a:r>
-              <a:rPr lang="ko-KR" altLang="en-US" sz="1600" dirty="0" smtClean="0"/>
-              <a:t>폴더에 넣은 채로 </a:t>
+              <a:t> </a:t>
             </a:r>
             <a:r>
               <a:rPr lang="ko-KR" altLang="en-US" sz="1600" dirty="0" err="1" smtClean="0"/>
@@ -12164,16 +12241,143 @@
             </a:r>
             <a:r>
               <a:rPr lang="ko-KR" altLang="en-US" sz="1600" dirty="0" smtClean="0"/>
-              <a:t> 한다</a:t>
+              <a:t> 시스템에 의해 자동으로</a:t>
+            </a:r>
+            <a:endParaRPr lang="en-US" altLang="ko-KR" sz="1600" dirty="0" smtClean="0"/>
+          </a:p>
+          <a:p>
+            <a:r>
+              <a:rPr lang="ko-KR" altLang="en-US" sz="1600" dirty="0" smtClean="0"/>
+              <a:t>생성되는 리소스 참조 파일이다</a:t>
             </a:r>
             <a:r>
               <a:rPr lang="en-US" altLang="ko-KR" sz="1600" dirty="0" smtClean="0"/>
+              <a:t>.</a:t>
+            </a:r>
+          </a:p>
+          <a:p>
+            <a:endParaRPr lang="en-US" altLang="ko-KR" sz="1600" dirty="0"/>
+          </a:p>
+          <a:p>
+            <a:r>
+              <a:rPr lang="en-US" altLang="ko-KR" sz="1600" dirty="0" smtClean="0"/>
+              <a:t>MFC</a:t>
+            </a:r>
+            <a:r>
+              <a:rPr lang="ko-KR" altLang="en-US" sz="1600" dirty="0" smtClean="0"/>
+              <a:t>를 해보셨던 분들이라면</a:t>
+            </a:r>
+            <a:endParaRPr lang="en-US" altLang="ko-KR" sz="1600" dirty="0" smtClean="0"/>
+          </a:p>
+          <a:p>
+            <a:r>
+              <a:rPr lang="en-US" altLang="ko-KR" sz="1600" dirty="0" smtClean="0"/>
+              <a:t>String Table</a:t>
+            </a:r>
+            <a:r>
+              <a:rPr lang="ko-KR" altLang="en-US" sz="1600" dirty="0" smtClean="0"/>
+              <a:t>과 유사한 것이라고 생각하면 된다</a:t>
+            </a:r>
+            <a:r>
+              <a:rPr lang="en-US" altLang="ko-KR" sz="1600" dirty="0" smtClean="0"/>
+              <a:t>.</a:t>
+            </a:r>
+            <a:r>
+              <a:rPr lang="ko-KR" altLang="en-US" sz="1600" dirty="0" smtClean="0"/>
+              <a:t> </a:t>
+            </a:r>
+            <a:endParaRPr lang="en-US" altLang="ko-KR" sz="1600" dirty="0" smtClean="0"/>
+          </a:p>
+          <a:p>
+            <a:endParaRPr lang="en-US" altLang="ko-KR" sz="1600" dirty="0"/>
+          </a:p>
+          <a:p>
+            <a:r>
+              <a:rPr lang="en-US" altLang="ko-KR" sz="1600" b="1" dirty="0" smtClean="0">
+                <a:solidFill>
+                  <a:srgbClr val="FF0000"/>
+                </a:solidFill>
+              </a:rPr>
+              <a:t>Warm : </a:t>
+            </a:r>
+            <a:r>
+              <a:rPr lang="ko-KR" altLang="en-US" sz="1600" b="1" dirty="0" smtClean="0">
+                <a:solidFill>
+                  <a:srgbClr val="FF0000"/>
+                </a:solidFill>
+              </a:rPr>
+              <a:t>임의로 수정하지 말 것</a:t>
+            </a:r>
+            <a:r>
+              <a:rPr lang="en-US" altLang="ko-KR" sz="1600" b="1" dirty="0" smtClean="0">
+                <a:solidFill>
+                  <a:srgbClr val="FF0000"/>
+                </a:solidFill>
+              </a:rPr>
+              <a:t>!</a:t>
+            </a:r>
+          </a:p>
+          <a:p>
+            <a:r>
+              <a:rPr lang="en-US" altLang="ko-KR" sz="1400" b="1" dirty="0" smtClean="0"/>
+              <a:t>( </a:t>
+            </a:r>
+            <a:r>
+              <a:rPr lang="ko-KR" altLang="en-US" sz="1400" b="1" dirty="0" smtClean="0"/>
+              <a:t>만약 제대로 생성이 안 된다면</a:t>
+            </a:r>
+            <a:r>
+              <a:rPr lang="en-US" altLang="ko-KR" sz="1400" b="1" dirty="0" smtClean="0"/>
+              <a:t>, </a:t>
+            </a:r>
+            <a:r>
+              <a:rPr lang="ko-KR" altLang="en-US" sz="1400" b="1" dirty="0" smtClean="0"/>
+              <a:t>소스에 문제가 있거나</a:t>
+            </a:r>
+            <a:endParaRPr lang="en-US" altLang="ko-KR" sz="1400" b="1" dirty="0" smtClean="0"/>
+          </a:p>
+          <a:p>
+            <a:r>
+              <a:rPr lang="ko-KR" altLang="en-US" sz="1400" b="1" dirty="0" smtClean="0"/>
+              <a:t>리소스에 문제가 있을 확률이 크다</a:t>
+            </a:r>
+            <a:r>
+              <a:rPr lang="en-US" altLang="ko-KR" sz="1400" b="1" dirty="0" smtClean="0"/>
               <a:t>. )</a:t>
             </a:r>
-            <a:endParaRPr lang="ko-KR" altLang="en-US" sz="1600" dirty="0"/>
           </a:p>
         </p:txBody>
       </p:sp>
+      <p:pic>
+        <p:nvPicPr>
+          <p:cNvPr id="22" name="그림 21"/>
+          <p:cNvPicPr>
+            <a:picLocks noChangeAspect="1"/>
+          </p:cNvPicPr>
+          <p:nvPr/>
+        </p:nvPicPr>
+        <p:blipFill>
+          <a:blip r:embed="rId6">
+            <a:extLst>
+              <a:ext uri="{28A0092B-C50C-407E-A947-70E740481C1C}">
+                <a14:useLocalDpi xmlns:a14="http://schemas.microsoft.com/office/drawing/2010/main" val="0"/>
+              </a:ext>
+            </a:extLst>
+          </a:blip>
+          <a:stretch>
+            <a:fillRect/>
+          </a:stretch>
+        </p:blipFill>
+        <p:spPr>
+          <a:xfrm>
+            <a:off x="3345667" y="2606616"/>
+            <a:ext cx="688275" cy="579599"/>
+          </a:xfrm>
+          <a:prstGeom prst="rect">
+            <a:avLst/>
+          </a:prstGeom>
+        </p:spPr>
+      </p:pic>
     </p:spTree>
     <p:extLst>
       <p:ext uri="{BB962C8B-B14F-4D97-AF65-F5344CB8AC3E}">
@@ -12302,18 +12506,7 @@
                 <a:ea typeface="나눔고딕 ExtraBold"/>
                 <a:cs typeface="나눔고딕 ExtraBold"/>
               </a:rPr>
-              <a:t>– </a:t>
-            </a:r>
-            <a:r>
-              <a:rPr lang="en-US" altLang="ko-KR" dirty="0" smtClean="0">
-                <a:solidFill>
-                  <a:srgbClr val="7F7F7F"/>
-                </a:solidFill>
-                <a:latin typeface="나눔고딕 ExtraBold"/>
-                <a:ea typeface="나눔고딕 ExtraBold"/>
-                <a:cs typeface="나눔고딕 ExtraBold"/>
-              </a:rPr>
-              <a:t>Hello, World</a:t>
+              <a:t>– Hello, World</a:t>
             </a:r>
             <a:endParaRPr lang="en-US" dirty="0">
               <a:solidFill>
@@ -12685,7 +12878,7 @@
         <p:spPr>
           <a:xfrm>
             <a:off x="3345667" y="2606616"/>
-            <a:ext cx="688275" cy="579599"/>
+            <a:ext cx="688275" cy="579600"/>
           </a:xfrm>
           <a:prstGeom prst="rect">
             <a:avLst/>
@@ -12730,7 +12923,7 @@
                 <a:ea typeface="나눔고딕"/>
                 <a:cs typeface="나눔고딕"/>
               </a:rPr>
-              <a:t>/bin</a:t>
+              <a:t>/assets</a:t>
             </a:r>
             <a:endParaRPr lang="en-US" altLang="ko-KR" sz="2400" b="1" dirty="0">
               <a:solidFill>
@@ -12748,14 +12941,14 @@
       </p:sp>
       <p:sp>
         <p:nvSpPr>
-          <p:cNvPr id="22" name="직사각형 21"/>
+          <p:cNvPr id="21" name="직사각형 20"/>
           <p:cNvSpPr/>
           <p:nvPr/>
         </p:nvSpPr>
         <p:spPr>
           <a:xfrm>
             <a:off x="3345667" y="3209667"/>
-            <a:ext cx="5641288" cy="2554545"/>
+            <a:ext cx="4713150" cy="1323439"/>
           </a:xfrm>
           <a:prstGeom prst="rect">
             <a:avLst/>
@@ -12769,122 +12962,59 @@
           <a:p>
             <a:r>
               <a:rPr lang="ko-KR" altLang="en-US" sz="1600" dirty="0" smtClean="0"/>
-              <a:t>컴파일 된 애플리케이션 파일이 저장되는 곳이다</a:t>
-            </a:r>
+              <a:t>디바이스에 애플리케이션을 설치할 때</a:t>
+            </a:r>
+            <a:endParaRPr lang="en-US" altLang="ko-KR" sz="1600" dirty="0" smtClean="0"/>
+          </a:p>
+          <a:p>
+            <a:r>
+              <a:rPr lang="ko-KR" altLang="en-US" sz="1600" dirty="0" smtClean="0"/>
+              <a:t>함께 설치할 데이터 파일을 저장하는 곳</a:t>
+            </a:r>
+            <a:endParaRPr lang="en-US" altLang="ko-KR" sz="1600" dirty="0" smtClean="0"/>
+          </a:p>
+          <a:p>
+            <a:endParaRPr lang="en-US" altLang="ko-KR" sz="1600" dirty="0"/>
+          </a:p>
+          <a:p>
             <a:r>
               <a:rPr lang="en-US" altLang="ko-KR" sz="1600" dirty="0" smtClean="0"/>
-              <a:t>.</a:t>
-            </a:r>
-          </a:p>
-          <a:p>
-            <a:endParaRPr lang="en-US" altLang="ko-KR" sz="1600" dirty="0"/>
+              <a:t>( Ex: </a:t>
+            </a:r>
+            <a:r>
+              <a:rPr lang="ko-KR" altLang="en-US" sz="1600" dirty="0" smtClean="0"/>
+              <a:t>어플리케이션에 배경음악을 넣고 싶을 경우</a:t>
+            </a:r>
+            <a:endParaRPr lang="en-US" altLang="ko-KR" sz="1600" dirty="0" smtClean="0"/>
           </a:p>
           <a:p>
             <a:r>
               <a:rPr lang="en-US" altLang="ko-KR" sz="1600" dirty="0" smtClean="0"/>
-              <a:t>/bin/classes/ </a:t>
+              <a:t>mp3 </a:t>
             </a:r>
             <a:r>
               <a:rPr lang="ko-KR" altLang="en-US" sz="1600" dirty="0" smtClean="0"/>
-              <a:t>에는 컴파일 된 자바 클래스 파일이 저장된다</a:t>
+              <a:t>파일을 </a:t>
             </a:r>
             <a:r>
               <a:rPr lang="en-US" altLang="ko-KR" sz="1600" dirty="0" smtClean="0"/>
-              <a:t>.</a:t>
-            </a:r>
-          </a:p>
-          <a:p>
-            <a:endParaRPr lang="en-US" altLang="ko-KR" sz="1600" dirty="0" smtClean="0"/>
-          </a:p>
-          <a:p>
+              <a:t>assets </a:t>
+            </a:r>
+            <a:r>
+              <a:rPr lang="ko-KR" altLang="en-US" sz="1600" dirty="0" smtClean="0"/>
+              <a:t>폴더에 넣은 채로 </a:t>
+            </a:r>
+            <a:r>
+              <a:rPr lang="ko-KR" altLang="en-US" sz="1600" dirty="0" err="1" smtClean="0"/>
+              <a:t>빌드</a:t>
+            </a:r>
+            <a:r>
+              <a:rPr lang="ko-KR" altLang="en-US" sz="1600" dirty="0" smtClean="0"/>
+              <a:t> 한다</a:t>
+            </a:r>
             <a:r>
               <a:rPr lang="en-US" altLang="ko-KR" sz="1600" dirty="0" smtClean="0"/>
-              <a:t>/bin/</a:t>
-            </a:r>
-            <a:r>
-              <a:rPr lang="en-US" altLang="ko-KR" sz="1600" dirty="0" err="1" smtClean="0"/>
-              <a:t>classes.dex</a:t>
-            </a:r>
-            <a:r>
-              <a:rPr lang="en-US" altLang="ko-KR" sz="1600" dirty="0" smtClean="0"/>
-              <a:t> </a:t>
-            </a:r>
-            <a:r>
-              <a:rPr lang="ko-KR" altLang="en-US" sz="1600" dirty="0" smtClean="0"/>
-              <a:t>컴파일 된 자바 클래스 파일을 통해 생성한</a:t>
-            </a:r>
-            <a:endParaRPr lang="en-US" altLang="ko-KR" sz="1600" dirty="0" smtClean="0"/>
-          </a:p>
-          <a:p>
-            <a:r>
-              <a:rPr lang="en-US" altLang="ko-KR" sz="1600" dirty="0" err="1" smtClean="0"/>
-              <a:t>Dalvik</a:t>
-            </a:r>
-            <a:r>
-              <a:rPr lang="en-US" altLang="ko-KR" sz="1600" dirty="0" smtClean="0"/>
-              <a:t> </a:t>
-            </a:r>
-            <a:r>
-              <a:rPr lang="ko-KR" altLang="en-US" sz="1600" dirty="0" smtClean="0"/>
-              <a:t>클래스 파일이다</a:t>
-            </a:r>
-            <a:r>
-              <a:rPr lang="en-US" altLang="ko-KR" sz="1600" dirty="0" smtClean="0"/>
-              <a:t>.</a:t>
-            </a:r>
-          </a:p>
-          <a:p>
-            <a:endParaRPr lang="en-US" altLang="ko-KR" sz="1600" dirty="0"/>
-          </a:p>
-          <a:p>
-            <a:r>
-              <a:rPr lang="en-US" altLang="ko-KR" sz="1600" dirty="0" smtClean="0"/>
-              <a:t>/bin/</a:t>
-            </a:r>
-            <a:r>
-              <a:rPr lang="en-US" altLang="ko-KR" sz="1600" dirty="0" err="1" smtClean="0"/>
-              <a:t>resources.ap</a:t>
-            </a:r>
-            <a:r>
-              <a:rPr lang="en-US" altLang="ko-KR" sz="1600" dirty="0" smtClean="0"/>
-              <a:t>_ </a:t>
-            </a:r>
-            <a:r>
-              <a:rPr lang="ko-KR" altLang="en-US" sz="1600" dirty="0" smtClean="0"/>
-              <a:t>애플리케이션의 모든 리소스 파일 </a:t>
-            </a:r>
-            <a:r>
-              <a:rPr lang="en-US" altLang="ko-KR" sz="1600" dirty="0" smtClean="0"/>
-              <a:t>(zip)</a:t>
-            </a:r>
-          </a:p>
-          <a:p>
-            <a:endParaRPr lang="en-US" altLang="ko-KR" sz="1600" dirty="0"/>
-          </a:p>
-          <a:p>
-            <a:r>
-              <a:rPr lang="en-US" altLang="ko-KR" sz="1600" dirty="0" smtClean="0"/>
-              <a:t>/bin/</a:t>
-            </a:r>
-            <a:r>
-              <a:rPr lang="en-US" altLang="ko-KR" sz="1600" dirty="0" err="1" smtClean="0"/>
-              <a:t>app_name.apk</a:t>
-            </a:r>
-            <a:r>
-              <a:rPr lang="en-US" altLang="ko-KR" sz="1600" dirty="0" smtClean="0"/>
-              <a:t> </a:t>
-            </a:r>
-            <a:r>
-              <a:rPr lang="ko-KR" altLang="en-US" sz="1600" dirty="0" err="1" smtClean="0"/>
-              <a:t>안드로이드</a:t>
-            </a:r>
-            <a:r>
-              <a:rPr lang="ko-KR" altLang="en-US" sz="1600" dirty="0" smtClean="0"/>
-              <a:t> 애플리케이션 </a:t>
-            </a:r>
-            <a:r>
-              <a:rPr lang="en-US" altLang="ko-KR" sz="1600" dirty="0" smtClean="0"/>
-              <a:t>(zip)</a:t>
+              <a:t>. )</a:t>
             </a:r>
             <a:endParaRPr lang="ko-KR" altLang="en-US" sz="1600" dirty="0"/>
           </a:p>
@@ -12893,7 +13023,7 @@
     </p:spTree>
     <p:extLst>
       <p:ext uri="{BB962C8B-B14F-4D97-AF65-F5344CB8AC3E}">
-        <p14:creationId xmlns:p14="http://schemas.microsoft.com/office/powerpoint/2010/main" val="167488254"/>
+        <p14:creationId xmlns:p14="http://schemas.microsoft.com/office/powerpoint/2010/main" val="3740082402"/>
       </p:ext>
     </p:extLst>
   </p:cSld>
@@ -13018,18 +13148,7 @@
                 <a:ea typeface="나눔고딕 ExtraBold"/>
                 <a:cs typeface="나눔고딕 ExtraBold"/>
               </a:rPr>
-              <a:t>– </a:t>
-            </a:r>
-            <a:r>
-              <a:rPr lang="en-US" altLang="ko-KR" dirty="0" smtClean="0">
-                <a:solidFill>
-                  <a:srgbClr val="7F7F7F"/>
-                </a:solidFill>
-                <a:latin typeface="나눔고딕 ExtraBold"/>
-                <a:ea typeface="나눔고딕 ExtraBold"/>
-                <a:cs typeface="나눔고딕 ExtraBold"/>
-              </a:rPr>
-              <a:t>Hello, World</a:t>
+              <a:t>– Hello, World</a:t>
             </a:r>
             <a:endParaRPr lang="en-US" dirty="0">
               <a:solidFill>
@@ -13446,7 +13565,7 @@
                 <a:ea typeface="나눔고딕"/>
                 <a:cs typeface="나눔고딕"/>
               </a:rPr>
-              <a:t>/libs</a:t>
+              <a:t>/bin</a:t>
             </a:r>
             <a:endParaRPr lang="en-US" altLang="ko-KR" sz="2400" b="1" dirty="0">
               <a:solidFill>
@@ -13471,7 +13590,7 @@
         <p:spPr>
           <a:xfrm>
             <a:off x="3345667" y="3209667"/>
-            <a:ext cx="5422575" cy="2062103"/>
+            <a:ext cx="5641288" cy="2554545"/>
           </a:xfrm>
           <a:prstGeom prst="rect">
             <a:avLst/>
@@ -13485,7 +13604,7 @@
           <a:p>
             <a:r>
               <a:rPr lang="ko-KR" altLang="en-US" sz="1600" dirty="0" smtClean="0"/>
-              <a:t>외부 라이브러리를 참조시키기 위해 저장하는 곳이다</a:t>
+              <a:t>컴파일 된 애플리케이션 파일이 저장되는 곳이다</a:t>
             </a:r>
             <a:r>
               <a:rPr lang="en-US" altLang="ko-KR" sz="1600" dirty="0" smtClean="0"/>
@@ -13498,11 +13617,97 @@
           <a:p>
             <a:r>
               <a:rPr lang="en-US" altLang="ko-KR" sz="1600" dirty="0" smtClean="0"/>
-              <a:t>android-support-v4.jar </a:t>
+              <a:t>/bin/classes/ </a:t>
             </a:r>
             <a:r>
               <a:rPr lang="ko-KR" altLang="en-US" sz="1600" dirty="0" smtClean="0"/>
-              <a:t>는 </a:t>
+              <a:t>에는 컴파일 된 자바 클래스 파일이 저장된다</a:t>
+            </a:r>
+            <a:r>
+              <a:rPr lang="en-US" altLang="ko-KR" sz="1600" dirty="0" smtClean="0"/>
+              <a:t>.</a:t>
+            </a:r>
+          </a:p>
+          <a:p>
+            <a:endParaRPr lang="en-US" altLang="ko-KR" sz="1600" dirty="0" smtClean="0"/>
+          </a:p>
+          <a:p>
+            <a:r>
+              <a:rPr lang="en-US" altLang="ko-KR" sz="1600" dirty="0" smtClean="0"/>
+              <a:t>/bin/</a:t>
+            </a:r>
+            <a:r>
+              <a:rPr lang="en-US" altLang="ko-KR" sz="1600" dirty="0" err="1" smtClean="0"/>
+              <a:t>classes.dex</a:t>
+            </a:r>
+            <a:r>
+              <a:rPr lang="en-US" altLang="ko-KR" sz="1600" dirty="0" smtClean="0"/>
+              <a:t> </a:t>
+            </a:r>
+            <a:r>
+              <a:rPr lang="ko-KR" altLang="en-US" sz="1600" dirty="0" smtClean="0"/>
+              <a:t>컴파일 된 자바 클래스 파일을 통해 생성한</a:t>
+            </a:r>
+            <a:endParaRPr lang="en-US" altLang="ko-KR" sz="1600" dirty="0" smtClean="0"/>
+          </a:p>
+          <a:p>
+            <a:r>
+              <a:rPr lang="en-US" altLang="ko-KR" sz="1600" dirty="0" err="1" smtClean="0"/>
+              <a:t>Dalvik</a:t>
+            </a:r>
+            <a:r>
+              <a:rPr lang="en-US" altLang="ko-KR" sz="1600" dirty="0" smtClean="0"/>
+              <a:t> </a:t>
+            </a:r>
+            <a:r>
+              <a:rPr lang="ko-KR" altLang="en-US" sz="1600" dirty="0" smtClean="0"/>
+              <a:t>클래스 파일이다</a:t>
+            </a:r>
+            <a:r>
+              <a:rPr lang="en-US" altLang="ko-KR" sz="1600" dirty="0" smtClean="0"/>
+              <a:t>.</a:t>
+            </a:r>
+          </a:p>
+          <a:p>
+            <a:endParaRPr lang="en-US" altLang="ko-KR" sz="1600" dirty="0"/>
+          </a:p>
+          <a:p>
+            <a:r>
+              <a:rPr lang="en-US" altLang="ko-KR" sz="1600" dirty="0" smtClean="0"/>
+              <a:t>/bin/</a:t>
+            </a:r>
+            <a:r>
+              <a:rPr lang="en-US" altLang="ko-KR" sz="1600" dirty="0" err="1" smtClean="0"/>
+              <a:t>resources.ap</a:t>
+            </a:r>
+            <a:r>
+              <a:rPr lang="en-US" altLang="ko-KR" sz="1600" dirty="0" smtClean="0"/>
+              <a:t>_ </a:t>
+            </a:r>
+            <a:r>
+              <a:rPr lang="ko-KR" altLang="en-US" sz="1600" dirty="0" smtClean="0"/>
+              <a:t>애플리케이션의 모든 리소스 파일 </a:t>
+            </a:r>
+            <a:r>
+              <a:rPr lang="en-US" altLang="ko-KR" sz="1600" dirty="0" smtClean="0"/>
+              <a:t>(zip)</a:t>
+            </a:r>
+          </a:p>
+          <a:p>
+            <a:endParaRPr lang="en-US" altLang="ko-KR" sz="1600" dirty="0"/>
+          </a:p>
+          <a:p>
+            <a:r>
+              <a:rPr lang="en-US" altLang="ko-KR" sz="1600" dirty="0" smtClean="0"/>
+              <a:t>/bin/</a:t>
+            </a:r>
+            <a:r>
+              <a:rPr lang="en-US" altLang="ko-KR" sz="1600" dirty="0" err="1" smtClean="0"/>
+              <a:t>app_name.apk</a:t>
+            </a:r>
+            <a:r>
+              <a:rPr lang="en-US" altLang="ko-KR" sz="1600" dirty="0" smtClean="0"/>
+              <a:t> </a:t>
             </a:r>
             <a:r>
               <a:rPr lang="ko-KR" altLang="en-US" sz="1600" dirty="0" err="1" smtClean="0"/>
@@ -13510,117 +13715,20 @@
             </a:r>
             <a:r>
               <a:rPr lang="ko-KR" altLang="en-US" sz="1600" dirty="0" smtClean="0"/>
-              <a:t> 하위버전</a:t>
-            </a:r>
-            <a:r>
-              <a:rPr lang="en-US" altLang="ko-KR" sz="1600" dirty="0"/>
-              <a:t> </a:t>
+              <a:t> 애플리케이션 </a:t>
             </a:r>
             <a:r>
               <a:rPr lang="en-US" altLang="ko-KR" sz="1600" dirty="0" smtClean="0"/>
-              <a:t>(2.3</a:t>
-            </a:r>
-            <a:r>
-              <a:rPr lang="ko-KR" altLang="en-US" sz="1600" dirty="0" smtClean="0"/>
-              <a:t>이하</a:t>
-            </a:r>
-            <a:r>
-              <a:rPr lang="en-US" altLang="ko-KR" sz="1600" dirty="0" smtClean="0"/>
-              <a:t>)</a:t>
-            </a:r>
-          </a:p>
-          <a:p>
-            <a:r>
-              <a:rPr lang="ko-KR" altLang="en-US" sz="1600" dirty="0" smtClean="0"/>
-              <a:t>에서 </a:t>
-            </a:r>
-            <a:r>
-              <a:rPr lang="ko-KR" altLang="en-US" sz="1600" dirty="0" err="1" smtClean="0"/>
-              <a:t>안드로이드</a:t>
-            </a:r>
-            <a:r>
-              <a:rPr lang="ko-KR" altLang="en-US" sz="1600" dirty="0" smtClean="0"/>
-              <a:t> 상위버전</a:t>
-            </a:r>
-            <a:r>
-              <a:rPr lang="en-US" altLang="ko-KR" sz="1600" dirty="0"/>
-              <a:t> </a:t>
-            </a:r>
-            <a:r>
-              <a:rPr lang="en-US" altLang="ko-KR" sz="1600" dirty="0" smtClean="0"/>
-              <a:t>(3.0</a:t>
-            </a:r>
-            <a:r>
-              <a:rPr lang="ko-KR" altLang="en-US" sz="1600" dirty="0" smtClean="0"/>
-              <a:t>이상</a:t>
-            </a:r>
-            <a:r>
-              <a:rPr lang="en-US" altLang="ko-KR" sz="1600" dirty="0" smtClean="0"/>
-              <a:t>) </a:t>
-            </a:r>
-            <a:r>
-              <a:rPr lang="ko-KR" altLang="en-US" sz="1600" dirty="0" smtClean="0"/>
-              <a:t>의 </a:t>
-            </a:r>
-            <a:r>
-              <a:rPr lang="en-US" altLang="ko-KR" sz="1600" dirty="0" smtClean="0"/>
-              <a:t>API </a:t>
-            </a:r>
-            <a:r>
-              <a:rPr lang="ko-KR" altLang="en-US" sz="1600" dirty="0" smtClean="0"/>
-              <a:t>를 사용할 수</a:t>
-            </a:r>
-            <a:endParaRPr lang="en-US" altLang="ko-KR" sz="1600" dirty="0" smtClean="0"/>
-          </a:p>
-          <a:p>
-            <a:r>
-              <a:rPr lang="ko-KR" altLang="en-US" sz="1600" dirty="0" smtClean="0"/>
-              <a:t>있도록 하기 위해 </a:t>
-            </a:r>
-            <a:r>
-              <a:rPr lang="ko-KR" altLang="en-US" sz="1600" dirty="0" err="1" smtClean="0"/>
-              <a:t>구글에서</a:t>
-            </a:r>
-            <a:r>
-              <a:rPr lang="ko-KR" altLang="en-US" sz="1600" dirty="0" smtClean="0"/>
-              <a:t> 제공하는 라이브러리 이다</a:t>
-            </a:r>
-            <a:r>
-              <a:rPr lang="en-US" altLang="ko-KR" sz="1600" dirty="0" smtClean="0"/>
-              <a:t>.</a:t>
-            </a:r>
-          </a:p>
-          <a:p>
-            <a:endParaRPr lang="en-US" altLang="ko-KR" sz="1600" dirty="0"/>
-          </a:p>
-          <a:p>
-            <a:r>
-              <a:rPr lang="ko-KR" altLang="en-US" sz="1600" dirty="0" smtClean="0"/>
-              <a:t>이 외에도 여러 라이브러리를 참조시키기 위해</a:t>
-            </a:r>
-            <a:endParaRPr lang="en-US" altLang="ko-KR" sz="1600" dirty="0" smtClean="0"/>
-          </a:p>
-          <a:p>
-            <a:r>
-              <a:rPr lang="en-US" altLang="ko-KR" sz="1600" dirty="0" smtClean="0"/>
-              <a:t>libs </a:t>
-            </a:r>
-            <a:r>
-              <a:rPr lang="ko-KR" altLang="en-US" sz="1600" dirty="0" smtClean="0"/>
-              <a:t>폴더를 활용한다</a:t>
-            </a:r>
-            <a:r>
-              <a:rPr lang="en-US" altLang="ko-KR" sz="1600" dirty="0" smtClean="0"/>
-              <a:t>.</a:t>
-            </a:r>
-            <a:endParaRPr lang="en-US" altLang="ko-KR" sz="1600" dirty="0"/>
+              <a:t>(zip)</a:t>
+            </a:r>
+            <a:endParaRPr lang="ko-KR" altLang="en-US" sz="1600" dirty="0"/>
           </a:p>
         </p:txBody>
       </p:sp>
     </p:spTree>
     <p:extLst>
       <p:ext uri="{BB962C8B-B14F-4D97-AF65-F5344CB8AC3E}">
-        <p14:creationId xmlns:p14="http://schemas.microsoft.com/office/powerpoint/2010/main" val="828539846"/>
+        <p14:creationId xmlns:p14="http://schemas.microsoft.com/office/powerpoint/2010/main" val="167488254"/>
       </p:ext>
     </p:extLst>
   </p:cSld>
@@ -13745,18 +13853,7 @@
                 <a:ea typeface="나눔고딕 ExtraBold"/>
                 <a:cs typeface="나눔고딕 ExtraBold"/>
               </a:rPr>
-              <a:t>– </a:t>
-            </a:r>
-            <a:r>
-              <a:rPr lang="en-US" altLang="ko-KR" dirty="0" smtClean="0">
-                <a:solidFill>
-                  <a:srgbClr val="7F7F7F"/>
-                </a:solidFill>
-                <a:latin typeface="나눔고딕 ExtraBold"/>
-                <a:ea typeface="나눔고딕 ExtraBold"/>
-                <a:cs typeface="나눔고딕 ExtraBold"/>
-              </a:rPr>
-              <a:t>Hello, World</a:t>
+              <a:t>– Hello, World</a:t>
             </a:r>
             <a:endParaRPr lang="en-US" dirty="0">
               <a:solidFill>
@@ -14173,7 +14270,7 @@
                 <a:ea typeface="나눔고딕"/>
                 <a:cs typeface="나눔고딕"/>
               </a:rPr>
-              <a:t>/res</a:t>
+              <a:t>/libs</a:t>
             </a:r>
             <a:endParaRPr lang="en-US" altLang="ko-KR" sz="2400" b="1" dirty="0">
               <a:solidFill>
@@ -14191,14 +14288,14 @@
       </p:sp>
       <p:sp>
         <p:nvSpPr>
-          <p:cNvPr id="21" name="직사각형 20"/>
+          <p:cNvPr id="22" name="직사각형 21"/>
           <p:cNvSpPr/>
           <p:nvPr/>
         </p:nvSpPr>
         <p:spPr>
           <a:xfrm>
             <a:off x="3345667" y="3209667"/>
-            <a:ext cx="4211409" cy="861774"/>
+            <a:ext cx="5422575" cy="2062103"/>
           </a:xfrm>
           <a:prstGeom prst="rect">
             <a:avLst/>
@@ -14211,55 +14308,143 @@
           <a:lstStyle/>
           <a:p>
             <a:r>
-              <a:rPr lang="en-US" altLang="ko-KR" sz="1600" dirty="0" smtClean="0"/>
-              <a:t>res </a:t>
-            </a:r>
-            <a:r>
               <a:rPr lang="ko-KR" altLang="en-US" sz="1600" dirty="0" smtClean="0"/>
-              <a:t>란 </a:t>
-            </a:r>
-            <a:r>
-              <a:rPr lang="en-US" altLang="ko-KR" sz="1600" dirty="0" smtClean="0"/>
-              <a:t>resource </a:t>
-            </a:r>
-            <a:r>
-              <a:rPr lang="ko-KR" altLang="en-US" sz="1600" dirty="0" smtClean="0"/>
-              <a:t>의 약자로</a:t>
-            </a:r>
-            <a:endParaRPr lang="en-US" altLang="ko-KR" sz="1600" dirty="0" smtClean="0"/>
-          </a:p>
-          <a:p>
-            <a:r>
-              <a:rPr lang="ko-KR" altLang="en-US" sz="1600" dirty="0" smtClean="0"/>
-              <a:t>문자열</a:t>
-            </a:r>
-            <a:r>
-              <a:rPr lang="en-US" altLang="ko-KR" sz="1600" dirty="0" smtClean="0"/>
-              <a:t>, </a:t>
-            </a:r>
-            <a:r>
-              <a:rPr lang="ko-KR" altLang="en-US" sz="1600" dirty="0" smtClean="0"/>
-              <a:t>이미지 등 애플리케이션에서 사용할</a:t>
-            </a:r>
-            <a:endParaRPr lang="en-US" altLang="ko-KR" sz="1600" dirty="0" smtClean="0"/>
-          </a:p>
-          <a:p>
-            <a:r>
-              <a:rPr lang="ko-KR" altLang="en-US" sz="1600" dirty="0" smtClean="0"/>
-              <a:t>리소스 파일을 저장하는 공간이다</a:t>
+              <a:t>외부 라이브러리를 참조시키기 위해 저장하는 곳이다</a:t>
             </a:r>
             <a:r>
               <a:rPr lang="en-US" altLang="ko-KR" sz="1600" dirty="0" smtClean="0"/>
               <a:t>.</a:t>
             </a:r>
-            <a:endParaRPr lang="ko-KR" altLang="en-US" sz="1600" dirty="0"/>
+          </a:p>
+          <a:p>
+            <a:endParaRPr lang="en-US" altLang="ko-KR" sz="1600" dirty="0"/>
+          </a:p>
+          <a:p>
+            <a:r>
+              <a:rPr lang="en-US" altLang="ko-KR" sz="1600" dirty="0" smtClean="0"/>
+              <a:t>android-support-v4.jar </a:t>
+            </a:r>
+            <a:r>
+              <a:rPr lang="ko-KR" altLang="en-US" sz="1600" dirty="0" smtClean="0"/>
+              <a:t>는 </a:t>
+            </a:r>
+            <a:r>
+              <a:rPr lang="ko-KR" altLang="en-US" sz="1600" dirty="0" err="1" smtClean="0"/>
+              <a:t>안드로이드</a:t>
+            </a:r>
+            <a:r>
+              <a:rPr lang="ko-KR" altLang="en-US" sz="1600" dirty="0" smtClean="0"/>
+              <a:t> 하위버전</a:t>
+            </a:r>
+            <a:r>
+              <a:rPr lang="en-US" altLang="ko-KR" sz="1600" dirty="0"/>
+              <a:t> </a:t>
+            </a:r>
+            <a:r>
+              <a:rPr lang="en-US" altLang="ko-KR" sz="1600" dirty="0" smtClean="0"/>
+              <a:t>(2.3</a:t>
+            </a:r>
+            <a:r>
+              <a:rPr lang="ko-KR" altLang="en-US" sz="1600" dirty="0" smtClean="0"/>
+              <a:t>이하</a:t>
+            </a:r>
+            <a:r>
+              <a:rPr lang="en-US" altLang="ko-KR" sz="1600" dirty="0" smtClean="0"/>
+              <a:t>)</a:t>
+            </a:r>
+          </a:p>
+          <a:p>
+            <a:r>
+              <a:rPr lang="ko-KR" altLang="en-US" sz="1600" dirty="0" smtClean="0"/>
+              <a:t>에서 </a:t>
+            </a:r>
+            <a:r>
+              <a:rPr lang="ko-KR" altLang="en-US" sz="1600" dirty="0" err="1" smtClean="0"/>
+              <a:t>안드로이드</a:t>
+            </a:r>
+            <a:r>
+              <a:rPr lang="ko-KR" altLang="en-US" sz="1600" dirty="0" smtClean="0"/>
+              <a:t> 상위버전</a:t>
+            </a:r>
+            <a:r>
+              <a:rPr lang="en-US" altLang="ko-KR" sz="1600" dirty="0"/>
+              <a:t> </a:t>
+            </a:r>
+            <a:r>
+              <a:rPr lang="en-US" altLang="ko-KR" sz="1600" dirty="0" smtClean="0"/>
+              <a:t>(3.0</a:t>
+            </a:r>
+            <a:r>
+              <a:rPr lang="ko-KR" altLang="en-US" sz="1600" dirty="0" smtClean="0"/>
+              <a:t>이상</a:t>
+            </a:r>
+            <a:r>
+              <a:rPr lang="en-US" altLang="ko-KR" sz="1600" dirty="0" smtClean="0"/>
+              <a:t>) </a:t>
+            </a:r>
+            <a:r>
+              <a:rPr lang="ko-KR" altLang="en-US" sz="1600" dirty="0" smtClean="0"/>
+              <a:t>의 </a:t>
+            </a:r>
+            <a:r>
+              <a:rPr lang="en-US" altLang="ko-KR" sz="1600" dirty="0" smtClean="0"/>
+              <a:t>API </a:t>
+            </a:r>
+            <a:r>
+              <a:rPr lang="ko-KR" altLang="en-US" sz="1600" dirty="0" smtClean="0"/>
+              <a:t>를 사용할 수</a:t>
+            </a:r>
+            <a:endParaRPr lang="en-US" altLang="ko-KR" sz="1600" dirty="0" smtClean="0"/>
+          </a:p>
+          <a:p>
+            <a:r>
+              <a:rPr lang="ko-KR" altLang="en-US" sz="1600" dirty="0" smtClean="0"/>
+              <a:t>있도록 하기 위해 </a:t>
+            </a:r>
+            <a:r>
+              <a:rPr lang="ko-KR" altLang="en-US" sz="1600" dirty="0" err="1" smtClean="0"/>
+              <a:t>구글에서</a:t>
+            </a:r>
+            <a:r>
+              <a:rPr lang="ko-KR" altLang="en-US" sz="1600" dirty="0" smtClean="0"/>
+              <a:t> 제공하는 라이브러리 이다</a:t>
+            </a:r>
+            <a:r>
+              <a:rPr lang="en-US" altLang="ko-KR" sz="1600" dirty="0" smtClean="0"/>
+              <a:t>.</a:t>
+            </a:r>
+          </a:p>
+          <a:p>
+            <a:endParaRPr lang="en-US" altLang="ko-KR" sz="1600" dirty="0"/>
+          </a:p>
+          <a:p>
+            <a:r>
+              <a:rPr lang="ko-KR" altLang="en-US" sz="1600" dirty="0" smtClean="0"/>
+              <a:t>이 외에도 여러 라이브러리를 참조시키기 위해</a:t>
+            </a:r>
+            <a:endParaRPr lang="en-US" altLang="ko-KR" sz="1600" dirty="0" smtClean="0"/>
+          </a:p>
+          <a:p>
+            <a:r>
+              <a:rPr lang="en-US" altLang="ko-KR" sz="1600" dirty="0" smtClean="0"/>
+              <a:t>libs </a:t>
+            </a:r>
+            <a:r>
+              <a:rPr lang="ko-KR" altLang="en-US" sz="1600" dirty="0" smtClean="0"/>
+              <a:t>폴더를 활용한다</a:t>
+            </a:r>
+            <a:r>
+              <a:rPr lang="en-US" altLang="ko-KR" sz="1600" dirty="0" smtClean="0"/>
+              <a:t>.</a:t>
+            </a:r>
+            <a:endParaRPr lang="en-US" altLang="ko-KR" sz="1600" dirty="0"/>
           </a:p>
         </p:txBody>
       </p:sp>
     </p:spTree>
     <p:extLst>
       <p:ext uri="{BB962C8B-B14F-4D97-AF65-F5344CB8AC3E}">
-        <p14:creationId xmlns:p14="http://schemas.microsoft.com/office/powerpoint/2010/main" val="1065030321"/>
+        <p14:creationId xmlns:p14="http://schemas.microsoft.com/office/powerpoint/2010/main" val="828539846"/>
       </p:ext>
     </p:extLst>
   </p:cSld>
@@ -14384,18 +14569,7 @@
                 <a:ea typeface="나눔고딕 ExtraBold"/>
                 <a:cs typeface="나눔고딕 ExtraBold"/>
               </a:rPr>
-              <a:t>– </a:t>
-            </a:r>
-            <a:r>
-              <a:rPr lang="en-US" altLang="ko-KR" dirty="0" smtClean="0">
-                <a:solidFill>
-                  <a:srgbClr val="7F7F7F"/>
-                </a:solidFill>
-                <a:latin typeface="나눔고딕 ExtraBold"/>
-                <a:ea typeface="나눔고딕 ExtraBold"/>
-                <a:cs typeface="나눔고딕 ExtraBold"/>
-              </a:rPr>
-              <a:t>Hello, World</a:t>
+              <a:t>– Hello, World</a:t>
             </a:r>
             <a:endParaRPr lang="en-US" dirty="0">
               <a:solidFill>
@@ -14744,63 +14918,9 @@
           </a:extLst>
         </p:spPr>
       </p:pic>
-      <p:sp>
-        <p:nvSpPr>
-          <p:cNvPr id="20" name="TextBox 19"/>
-          <p:cNvSpPr txBox="1"/>
-          <p:nvPr/>
-        </p:nvSpPr>
-        <p:spPr>
-          <a:xfrm>
-            <a:off x="4033674" y="2525017"/>
-            <a:ext cx="1815314" cy="646331"/>
-          </a:xfrm>
-          <a:prstGeom prst="rect">
-            <a:avLst/>
-          </a:prstGeom>
-          <a:noFill/>
-        </p:spPr>
-        <p:txBody>
-          <a:bodyPr wrap="square" rtlCol="0">
-            <a:spAutoFit/>
-          </a:bodyPr>
-          <a:lstStyle/>
-          <a:p>
-            <a:pPr marL="0" lvl="1">
-              <a:lnSpc>
-                <a:spcPct val="150000"/>
-              </a:lnSpc>
-            </a:pPr>
-            <a:r>
-              <a:rPr lang="en-US" altLang="ko-KR" sz="2400" b="1" dirty="0" smtClean="0">
-                <a:solidFill>
-                  <a:schemeClr val="bg2">
-                    <a:lumMod val="25000"/>
-                  </a:schemeClr>
-                </a:solidFill>
-                <a:latin typeface="나눔고딕"/>
-                <a:ea typeface="나눔고딕"/>
-                <a:cs typeface="나눔고딕"/>
-              </a:rPr>
-              <a:t>/res/layout</a:t>
-            </a:r>
-            <a:endParaRPr lang="en-US" altLang="ko-KR" sz="2400" b="1" dirty="0">
-              <a:solidFill>
-                <a:schemeClr val="tx1">
-                  <a:lumMod val="50000"/>
-                  <a:lumOff val="50000"/>
-                </a:schemeClr>
-              </a:solidFill>
-              <a:latin typeface="나눔고딕"/>
-              <a:ea typeface="나눔고딕"/>
-              <a:cs typeface="나눔고딕"/>
-            </a:endParaRPr>
-          </a:p>
-        </p:txBody>
-      </p:sp>
       <p:pic>
         <p:nvPicPr>
-          <p:cNvPr id="22" name="그림 21"/>
+          <p:cNvPr id="4" name="그림 3"/>
           <p:cNvPicPr>
             <a:picLocks noChangeAspect="1"/>
           </p:cNvPicPr>
@@ -14830,14 +14950,68 @@
       </p:pic>
       <p:sp>
         <p:nvSpPr>
-          <p:cNvPr id="23" name="직사각형 22"/>
-          <p:cNvSpPr/>
+          <p:cNvPr id="20" name="TextBox 19"/>
+          <p:cNvSpPr txBox="1"/>
           <p:nvPr/>
         </p:nvSpPr>
         <p:spPr>
           <a:xfrm>
+            <a:off x="4033674" y="2525017"/>
+            <a:ext cx="1268285" cy="581698"/>
+          </a:xfrm>
+          <a:prstGeom prst="rect">
+            <a:avLst/>
+          </a:prstGeom>
+          <a:noFill/>
+        </p:spPr>
+        <p:txBody>
+          <a:bodyPr wrap="square" rtlCol="0">
+            <a:spAutoFit/>
+          </a:bodyPr>
+          <a:lstStyle/>
+          <a:p>
+            <a:pPr marL="0" lvl="1">
+              <a:lnSpc>
+                <a:spcPct val="150000"/>
+              </a:lnSpc>
+            </a:pPr>
+            <a:r>
+              <a:rPr lang="en-US" altLang="ko-KR" sz="2400" b="1" dirty="0" smtClean="0">
+                <a:solidFill>
+                  <a:schemeClr val="bg2">
+                    <a:lumMod val="25000"/>
+                  </a:schemeClr>
+                </a:solidFill>
+                <a:latin typeface="나눔고딕"/>
+                <a:ea typeface="나눔고딕"/>
+                <a:cs typeface="나눔고딕"/>
+              </a:rPr>
+              <a:t>/res</a:t>
+            </a:r>
+            <a:endParaRPr lang="en-US" altLang="ko-KR" sz="2400" b="1" dirty="0">
+              <a:solidFill>
+                <a:schemeClr val="tx1">
+                  <a:lumMod val="50000"/>
+                  <a:lumOff val="50000"/>
+                </a:schemeClr>
+              </a:solidFill>
+              <a:latin typeface="나눔고딕"/>
+              <a:ea typeface="나눔고딕"/>
+              <a:cs typeface="나눔고딕"/>
+            </a:endParaRPr>
+          </a:p>
+        </p:txBody>
+      </p:sp>
+      <p:sp>
+        <p:nvSpPr>
+          <p:cNvPr id="21" name="직사각형 20"/>
+          <p:cNvSpPr/>
+          <p:nvPr/>
+        </p:nvSpPr>
+        <p:spPr>
+          <a:xfrm>
             <a:off x="3345667" y="3209667"/>
-            <a:ext cx="4417491" cy="2800767"/>
+            <a:ext cx="4211409" cy="861774"/>
           </a:xfrm>
           <a:prstGeom prst="rect">
             <a:avLst/>
@@ -14850,125 +15024,55 @@
           <a:lstStyle/>
           <a:p>
             <a:r>
+              <a:rPr lang="en-US" altLang="ko-KR" sz="1600" dirty="0" smtClean="0"/>
+              <a:t>res </a:t>
+            </a:r>
+            <a:r>
               <a:rPr lang="ko-KR" altLang="en-US" sz="1600" dirty="0" smtClean="0"/>
-              <a:t>사용자 인터페이스를 구성하는 레이아웃</a:t>
+              <a:t>란 </a:t>
+            </a:r>
+            <a:r>
+              <a:rPr lang="en-US" altLang="ko-KR" sz="1600" dirty="0" smtClean="0"/>
+              <a:t>resource </a:t>
+            </a:r>
+            <a:r>
+              <a:rPr lang="ko-KR" altLang="en-US" sz="1600" dirty="0" smtClean="0"/>
+              <a:t>의 약자로</a:t>
             </a:r>
             <a:endParaRPr lang="en-US" altLang="ko-KR" sz="1600" dirty="0" smtClean="0"/>
           </a:p>
           <a:p>
             <a:r>
               <a:rPr lang="ko-KR" altLang="en-US" sz="1600" dirty="0" smtClean="0"/>
-              <a:t>파일을 저장하는 곳이다</a:t>
+              <a:t>문자열</a:t>
+            </a:r>
+            <a:r>
+              <a:rPr lang="en-US" altLang="ko-KR" sz="1600" dirty="0" smtClean="0"/>
+              <a:t>, </a:t>
+            </a:r>
+            <a:r>
+              <a:rPr lang="ko-KR" altLang="en-US" sz="1600" dirty="0" smtClean="0"/>
+              <a:t>이미지 등 애플리케이션에서 사용할</a:t>
+            </a:r>
+            <a:endParaRPr lang="en-US" altLang="ko-KR" sz="1600" dirty="0" smtClean="0"/>
+          </a:p>
+          <a:p>
+            <a:r>
+              <a:rPr lang="ko-KR" altLang="en-US" sz="1600" dirty="0" smtClean="0"/>
+              <a:t>리소스 파일을 저장하는 공간이다</a:t>
             </a:r>
             <a:r>
               <a:rPr lang="en-US" altLang="ko-KR" sz="1600" dirty="0" smtClean="0"/>
               <a:t>.</a:t>
             </a:r>
-          </a:p>
-          <a:p>
-            <a:endParaRPr lang="en-US" altLang="ko-KR" sz="1600" dirty="0" smtClean="0"/>
-          </a:p>
-          <a:p>
-            <a:r>
-              <a:rPr lang="ko-KR" altLang="en-US" sz="1600" dirty="0" smtClean="0"/>
-              <a:t>다양한 디바이스의 해상도에 대응하기 위해</a:t>
-            </a:r>
-            <a:endParaRPr lang="en-US" altLang="ko-KR" sz="1600" dirty="0" smtClean="0"/>
-          </a:p>
-          <a:p>
-            <a:r>
-              <a:rPr lang="en-US" altLang="ko-KR" sz="1600" dirty="0" smtClean="0"/>
-              <a:t>/layout-</a:t>
-            </a:r>
-            <a:r>
-              <a:rPr lang="en-US" altLang="ko-KR" sz="1600" dirty="0" err="1" smtClean="0"/>
-              <a:t>mdpi</a:t>
-            </a:r>
-            <a:r>
-              <a:rPr lang="en-US" altLang="ko-KR" sz="1600" dirty="0" smtClean="0"/>
-              <a:t>, /layout-</a:t>
-            </a:r>
-            <a:r>
-              <a:rPr lang="en-US" altLang="ko-KR" sz="1600" dirty="0" err="1" smtClean="0"/>
-              <a:t>hdpi</a:t>
-            </a:r>
-            <a:r>
-              <a:rPr lang="en-US" altLang="ko-KR" sz="1600" dirty="0" smtClean="0"/>
-              <a:t>, /layout-</a:t>
-            </a:r>
-            <a:r>
-              <a:rPr lang="en-US" altLang="ko-KR" sz="1600" dirty="0" err="1" smtClean="0"/>
-              <a:t>xhdpi</a:t>
-            </a:r>
-            <a:r>
-              <a:rPr lang="en-US" altLang="ko-KR" sz="1600" dirty="0" smtClean="0"/>
-              <a:t>,</a:t>
-            </a:r>
-          </a:p>
-          <a:p>
-            <a:r>
-              <a:rPr lang="en-US" altLang="ko-KR" sz="1600" dirty="0" smtClean="0"/>
-              <a:t>/layout-large, /layout-sw600dp </a:t>
-            </a:r>
-            <a:r>
-              <a:rPr lang="ko-KR" altLang="en-US" sz="1600" dirty="0" smtClean="0"/>
-              <a:t>등으로 폴더를</a:t>
-            </a:r>
-            <a:endParaRPr lang="en-US" altLang="ko-KR" sz="1600" dirty="0" smtClean="0"/>
-          </a:p>
-          <a:p>
-            <a:r>
-              <a:rPr lang="ko-KR" altLang="en-US" sz="1600" dirty="0" smtClean="0"/>
-              <a:t>추가할 수 있고</a:t>
-            </a:r>
-            <a:endParaRPr lang="en-US" altLang="ko-KR" sz="1600" dirty="0" smtClean="0"/>
-          </a:p>
-          <a:p>
-            <a:endParaRPr lang="en-US" altLang="ko-KR" sz="1600" dirty="0"/>
-          </a:p>
-          <a:p>
-            <a:r>
-              <a:rPr lang="ko-KR" altLang="en-US" sz="1600" dirty="0" smtClean="0"/>
-              <a:t>가로 모드</a:t>
-            </a:r>
-            <a:r>
-              <a:rPr lang="en-US" altLang="ko-KR" sz="1600" dirty="0" smtClean="0"/>
-              <a:t>, </a:t>
-            </a:r>
-            <a:r>
-              <a:rPr lang="ko-KR" altLang="en-US" sz="1600" dirty="0" smtClean="0"/>
-              <a:t>세로 모드를 위해</a:t>
-            </a:r>
-            <a:endParaRPr lang="en-US" altLang="ko-KR" sz="1600" dirty="0" smtClean="0"/>
-          </a:p>
-          <a:p>
-            <a:r>
-              <a:rPr lang="en-US" altLang="ko-KR" sz="1600" dirty="0" smtClean="0"/>
-              <a:t>/layout-port, /layout-land </a:t>
-            </a:r>
-            <a:r>
-              <a:rPr lang="ko-KR" altLang="en-US" sz="1600" dirty="0" smtClean="0"/>
-              <a:t>등으로 폴더를</a:t>
-            </a:r>
-            <a:endParaRPr lang="en-US" altLang="ko-KR" sz="1600" dirty="0" smtClean="0"/>
-          </a:p>
-          <a:p>
-            <a:r>
-              <a:rPr lang="ko-KR" altLang="en-US" sz="1600" dirty="0" smtClean="0"/>
-              <a:t>추가할 수 있다</a:t>
-            </a:r>
-            <a:r>
-              <a:rPr lang="en-US" altLang="ko-KR" sz="1600" dirty="0" smtClean="0"/>
-              <a:t>.</a:t>
-            </a:r>
-            <a:endParaRPr lang="en-US" altLang="ko-KR" sz="1600" dirty="0"/>
+            <a:endParaRPr lang="ko-KR" altLang="en-US" sz="1600" dirty="0"/>
           </a:p>
         </p:txBody>
       </p:sp>
     </p:spTree>
     <p:extLst>
       <p:ext uri="{BB962C8B-B14F-4D97-AF65-F5344CB8AC3E}">
-        <p14:creationId xmlns:p14="http://schemas.microsoft.com/office/powerpoint/2010/main" val="2745340588"/>
+        <p14:creationId xmlns:p14="http://schemas.microsoft.com/office/powerpoint/2010/main" val="1065030321"/>
       </p:ext>
     </p:extLst>
   </p:cSld>
@@ -15093,18 +15197,7 @@
                 <a:ea typeface="나눔고딕 ExtraBold"/>
                 <a:cs typeface="나눔고딕 ExtraBold"/>
               </a:rPr>
-              <a:t>– </a:t>
-            </a:r>
-            <a:r>
-              <a:rPr lang="en-US" altLang="ko-KR" dirty="0" smtClean="0">
-                <a:solidFill>
-                  <a:srgbClr val="7F7F7F"/>
-                </a:solidFill>
-                <a:latin typeface="나눔고딕 ExtraBold"/>
-                <a:ea typeface="나눔고딕 ExtraBold"/>
-                <a:cs typeface="나눔고딕 ExtraBold"/>
-              </a:rPr>
-              <a:t>Hello, World</a:t>
+              <a:t>– Hello, World</a:t>
             </a:r>
             <a:endParaRPr lang="en-US" dirty="0">
               <a:solidFill>
@@ -15462,7 +15555,7 @@
         <p:spPr>
           <a:xfrm>
             <a:off x="4033674" y="2525017"/>
-            <a:ext cx="2194510" cy="646331"/>
+            <a:ext cx="1815314" cy="646331"/>
           </a:xfrm>
           <a:prstGeom prst="rect">
             <a:avLst/>
@@ -15491,20 +15584,7 @@
                 <a:ea typeface="나눔고딕"/>
                 <a:cs typeface="나눔고딕"/>
               </a:rPr>
-              <a:t>/res/</a:t>
-            </a:r>
-            <a:r>
-              <a:rPr lang="en-US" altLang="ko-KR" sz="2400" b="1" dirty="0" err="1" smtClean="0">
-                <a:solidFill>
-                  <a:schemeClr val="bg2">
-                    <a:lumMod val="25000"/>
-                  </a:schemeClr>
-                </a:solidFill>
-                <a:latin typeface="나눔고딕"/>
-                <a:ea typeface="나눔고딕"/>
-                <a:cs typeface="나눔고딕"/>
-              </a:rPr>
-              <a:t>drawable</a:t>
+              <a:t>/res/layout</a:t>
             </a:r>
             <a:endParaRPr lang="en-US" altLang="ko-KR" sz="2400" b="1" dirty="0">
               <a:solidFill>
@@ -15559,7 +15639,7 @@
         <p:spPr>
           <a:xfrm>
             <a:off x="3345667" y="3209667"/>
-            <a:ext cx="4996881" cy="1815882"/>
+            <a:ext cx="4417491" cy="2800767"/>
           </a:xfrm>
           <a:prstGeom prst="rect">
             <a:avLst/>
@@ -15573,88 +15653,111 @@
           <a:p>
             <a:r>
               <a:rPr lang="ko-KR" altLang="en-US" sz="1600" dirty="0" smtClean="0"/>
-              <a:t>이미지를 저장하는 곳으로</a:t>
+              <a:t>사용자 인터페이스를 구성하는 레이아웃</a:t>
+            </a:r>
+            <a:endParaRPr lang="en-US" altLang="ko-KR" sz="1600" dirty="0" smtClean="0"/>
+          </a:p>
+          <a:p>
+            <a:r>
+              <a:rPr lang="ko-KR" altLang="en-US" sz="1600" dirty="0" smtClean="0"/>
+              <a:t>파일을 저장하는 곳이다</a:t>
+            </a:r>
+            <a:r>
+              <a:rPr lang="en-US" altLang="ko-KR" sz="1600" dirty="0" smtClean="0"/>
+              <a:t>.</a:t>
+            </a:r>
+          </a:p>
+          <a:p>
+            <a:endParaRPr lang="en-US" altLang="ko-KR" sz="1600" dirty="0" smtClean="0"/>
+          </a:p>
+          <a:p>
+            <a:r>
+              <a:rPr lang="ko-KR" altLang="en-US" sz="1600" dirty="0" smtClean="0"/>
+              <a:t>다양한 디바이스의 해상도에 대응하기 위해</a:t>
+            </a:r>
+            <a:endParaRPr lang="en-US" altLang="ko-KR" sz="1600" dirty="0" smtClean="0"/>
+          </a:p>
+          <a:p>
+            <a:r>
+              <a:rPr lang="en-US" altLang="ko-KR" sz="1600" dirty="0" smtClean="0"/>
+              <a:t>/layout-</a:t>
+            </a:r>
+            <a:r>
+              <a:rPr lang="en-US" altLang="ko-KR" sz="1600" dirty="0" err="1" smtClean="0"/>
+              <a:t>mdpi</a:t>
+            </a:r>
+            <a:r>
+              <a:rPr lang="en-US" altLang="ko-KR" sz="1600" dirty="0" smtClean="0"/>
+              <a:t>, /layout-</a:t>
+            </a:r>
+            <a:r>
+              <a:rPr lang="en-US" altLang="ko-KR" sz="1600" dirty="0" err="1" smtClean="0"/>
+              <a:t>hdpi</a:t>
+            </a:r>
+            <a:r>
+              <a:rPr lang="en-US" altLang="ko-KR" sz="1600" dirty="0" smtClean="0"/>
+              <a:t>, /layout-</a:t>
+            </a:r>
+            <a:r>
+              <a:rPr lang="en-US" altLang="ko-KR" sz="1600" dirty="0" err="1" smtClean="0"/>
+              <a:t>xhdpi</a:t>
+            </a:r>
+            <a:r>
+              <a:rPr lang="en-US" altLang="ko-KR" sz="1600" dirty="0" smtClean="0"/>
+              <a:t>,</a:t>
+            </a:r>
+          </a:p>
+          <a:p>
+            <a:r>
+              <a:rPr lang="en-US" altLang="ko-KR" sz="1600" dirty="0" smtClean="0"/>
+              <a:t>/layout-large, /layout-sw600dp </a:t>
+            </a:r>
+            <a:r>
+              <a:rPr lang="ko-KR" altLang="en-US" sz="1600" dirty="0" smtClean="0"/>
+              <a:t>등으로 폴더를</a:t>
+            </a:r>
+            <a:endParaRPr lang="en-US" altLang="ko-KR" sz="1600" dirty="0" smtClean="0"/>
+          </a:p>
+          <a:p>
+            <a:r>
+              <a:rPr lang="ko-KR" altLang="en-US" sz="1600" dirty="0" smtClean="0"/>
+              <a:t>추가할 수 있고</a:t>
+            </a:r>
+            <a:endParaRPr lang="en-US" altLang="ko-KR" sz="1600" dirty="0" smtClean="0"/>
+          </a:p>
+          <a:p>
+            <a:endParaRPr lang="en-US" altLang="ko-KR" sz="1600" dirty="0"/>
+          </a:p>
+          <a:p>
+            <a:r>
+              <a:rPr lang="ko-KR" altLang="en-US" sz="1600" dirty="0" smtClean="0"/>
+              <a:t>가로 모드</a:t>
             </a:r>
             <a:r>
               <a:rPr lang="en-US" altLang="ko-KR" sz="1600" dirty="0" smtClean="0"/>
               <a:t>, </a:t>
             </a:r>
-            <a:endParaRPr lang="en-US" altLang="ko-KR" sz="1600" dirty="0"/>
-          </a:p>
-          <a:p>
             <a:r>
               <a:rPr lang="ko-KR" altLang="en-US" sz="1600" dirty="0" smtClean="0"/>
-              <a:t>이미지 뿐만 아니라 이미지를 표현하는 </a:t>
-            </a:r>
+              <a:t>세로 모드를 위해</a:t>
+            </a:r>
+            <a:endParaRPr lang="en-US" altLang="ko-KR" sz="1600" dirty="0" smtClean="0"/>
+          </a:p>
+          <a:p>
             <a:r>
               <a:rPr lang="en-US" altLang="ko-KR" sz="1600" dirty="0" smtClean="0"/>
-              <a:t>XML </a:t>
+              <a:t>/layout-port, /layout-land </a:t>
             </a:r>
             <a:r>
               <a:rPr lang="ko-KR" altLang="en-US" sz="1600" dirty="0" smtClean="0"/>
-              <a:t>파일도 </a:t>
+              <a:t>등으로 폴더를</a:t>
             </a:r>
             <a:endParaRPr lang="en-US" altLang="ko-KR" sz="1600" dirty="0" smtClean="0"/>
           </a:p>
           <a:p>
             <a:r>
               <a:rPr lang="ko-KR" altLang="en-US" sz="1600" dirty="0" smtClean="0"/>
-              <a:t>저장할 수 있다</a:t>
-            </a:r>
-            <a:r>
-              <a:rPr lang="en-US" altLang="ko-KR" sz="1600" dirty="0" smtClean="0"/>
-              <a:t>.</a:t>
-            </a:r>
-          </a:p>
-          <a:p>
-            <a:endParaRPr lang="en-US" altLang="ko-KR" sz="1600" dirty="0"/>
-          </a:p>
-          <a:p>
-            <a:r>
-              <a:rPr lang="ko-KR" altLang="en-US" sz="1600" dirty="0" smtClean="0"/>
-              <a:t>밀도</a:t>
-            </a:r>
-            <a:r>
-              <a:rPr lang="en-US" altLang="ko-KR" sz="1600" dirty="0" smtClean="0"/>
-              <a:t>(density)</a:t>
-            </a:r>
-            <a:r>
-              <a:rPr lang="ko-KR" altLang="en-US" sz="1600" dirty="0" smtClean="0"/>
-              <a:t>에 따라 </a:t>
-            </a:r>
-            <a:endParaRPr lang="en-US" altLang="ko-KR" sz="1600" dirty="0" smtClean="0"/>
-          </a:p>
-          <a:p>
-            <a:r>
-              <a:rPr lang="en-US" altLang="ko-KR" sz="1600" dirty="0" smtClean="0"/>
-              <a:t>/</a:t>
-            </a:r>
-            <a:r>
-              <a:rPr lang="en-US" altLang="ko-KR" sz="1600" dirty="0" err="1" smtClean="0"/>
-              <a:t>drawable-mdpi</a:t>
-            </a:r>
-            <a:r>
-              <a:rPr lang="en-US" altLang="ko-KR" sz="1600" dirty="0" smtClean="0"/>
-              <a:t>, /</a:t>
-            </a:r>
-            <a:r>
-              <a:rPr lang="en-US" altLang="ko-KR" sz="1600" dirty="0" err="1" smtClean="0"/>
-              <a:t>drawable-hdpi</a:t>
-            </a:r>
-            <a:r>
-              <a:rPr lang="en-US" altLang="ko-KR" sz="1600" dirty="0" smtClean="0"/>
-              <a:t>, /</a:t>
-            </a:r>
-            <a:r>
-              <a:rPr lang="en-US" altLang="ko-KR" sz="1600" dirty="0" err="1" smtClean="0"/>
-              <a:t>drawable-xhdpi</a:t>
-            </a:r>
-            <a:endParaRPr lang="en-US" altLang="ko-KR" sz="1600" dirty="0" smtClean="0"/>
-          </a:p>
-          <a:p>
-            <a:r>
-              <a:rPr lang="ko-KR" altLang="en-US" sz="1600" dirty="0" smtClean="0"/>
-              <a:t>등으로 구분하여 사용할 수 있다</a:t>
+              <a:t>추가할 수 있다</a:t>
             </a:r>
             <a:r>
               <a:rPr lang="en-US" altLang="ko-KR" sz="1600" dirty="0" smtClean="0"/>
@@ -15667,7 +15770,7 @@
     </p:spTree>
     <p:extLst>
       <p:ext uri="{BB962C8B-B14F-4D97-AF65-F5344CB8AC3E}">
-        <p14:creationId xmlns:p14="http://schemas.microsoft.com/office/powerpoint/2010/main" val="2609095532"/>
+        <p14:creationId xmlns:p14="http://schemas.microsoft.com/office/powerpoint/2010/main" val="2745340588"/>
       </p:ext>
     </p:extLst>
   </p:cSld>
@@ -15792,18 +15895,7 @@
                 <a:ea typeface="나눔고딕 ExtraBold"/>
                 <a:cs typeface="나눔고딕 ExtraBold"/>
               </a:rPr>
-              <a:t>– </a:t>
-            </a:r>
-            <a:r>
-              <a:rPr lang="en-US" altLang="ko-KR" dirty="0" smtClean="0">
-                <a:solidFill>
-                  <a:srgbClr val="7F7F7F"/>
-                </a:solidFill>
-                <a:latin typeface="나눔고딕 ExtraBold"/>
-                <a:ea typeface="나눔고딕 ExtraBold"/>
-                <a:cs typeface="나눔고딕 ExtraBold"/>
-              </a:rPr>
-              <a:t>Hello, World</a:t>
+              <a:t>– Hello, World</a:t>
             </a:r>
             <a:endParaRPr lang="en-US" dirty="0">
               <a:solidFill>
@@ -16161,7 +16253,7 @@
         <p:spPr>
           <a:xfrm>
             <a:off x="4033674" y="2525017"/>
-            <a:ext cx="1815314" cy="581698"/>
+            <a:ext cx="2194510" cy="646331"/>
           </a:xfrm>
           <a:prstGeom prst="rect">
             <a:avLst/>
@@ -16190,7 +16282,20 @@
                 <a:ea typeface="나눔고딕"/>
                 <a:cs typeface="나눔고딕"/>
               </a:rPr>
-              <a:t>/res/values</a:t>
+              <a:t>/res/</a:t>
+            </a:r>
+            <a:r>
+              <a:rPr lang="en-US" altLang="ko-KR" sz="2400" b="1" dirty="0" err="1" smtClean="0">
+                <a:solidFill>
+                  <a:schemeClr val="bg2">
+                    <a:lumMod val="25000"/>
+                  </a:schemeClr>
+                </a:solidFill>
+                <a:latin typeface="나눔고딕"/>
+                <a:ea typeface="나눔고딕"/>
+                <a:cs typeface="나눔고딕"/>
+              </a:rPr>
+              <a:t>drawable</a:t>
             </a:r>
             <a:endParaRPr lang="en-US" altLang="ko-KR" sz="2400" b="1" dirty="0">
               <a:solidFill>
@@ -16245,7 +16350,7 @@
         <p:spPr>
           <a:xfrm>
             <a:off x="3345667" y="3209667"/>
-            <a:ext cx="5781198" cy="3046988"/>
+            <a:ext cx="4996881" cy="1815882"/>
           </a:xfrm>
           <a:prstGeom prst="rect">
             <a:avLst/>
@@ -16259,7 +16364,33 @@
           <a:p>
             <a:r>
               <a:rPr lang="ko-KR" altLang="en-US" sz="1600" dirty="0" smtClean="0"/>
-              <a:t>애플리케이션에서 사용할 각종 데이터를 저장하는 곳이다</a:t>
+              <a:t>이미지를 저장하는 곳으로</a:t>
+            </a:r>
+            <a:r>
+              <a:rPr lang="en-US" altLang="ko-KR" sz="1600" dirty="0" smtClean="0"/>
+              <a:t>, </a:t>
+            </a:r>
+            <a:endParaRPr lang="en-US" altLang="ko-KR" sz="1600" dirty="0"/>
+          </a:p>
+          <a:p>
+            <a:r>
+              <a:rPr lang="ko-KR" altLang="en-US" sz="1600" dirty="0" smtClean="0"/>
+              <a:t>이미지 뿐만 아니라 이미지를 표현하는 </a:t>
+            </a:r>
+            <a:r>
+              <a:rPr lang="en-US" altLang="ko-KR" sz="1600" dirty="0" smtClean="0"/>
+              <a:t>XML </a:t>
+            </a:r>
+            <a:r>
+              <a:rPr lang="ko-KR" altLang="en-US" sz="1600" dirty="0" smtClean="0"/>
+              <a:t>파일도 </a:t>
+            </a:r>
+            <a:endParaRPr lang="en-US" altLang="ko-KR" sz="1600" dirty="0" smtClean="0"/>
+          </a:p>
+          <a:p>
+            <a:r>
+              <a:rPr lang="ko-KR" altLang="en-US" sz="1600" dirty="0" smtClean="0"/>
+              <a:t>저장할 수 있다</a:t>
             </a:r>
             <a:r>
               <a:rPr lang="en-US" altLang="ko-KR" sz="1600" dirty="0" smtClean="0"/>
@@ -16267,177 +16398,60 @@
             </a:r>
           </a:p>
           <a:p>
+            <a:endParaRPr lang="en-US" altLang="ko-KR" sz="1600" dirty="0"/>
+          </a:p>
+          <a:p>
             <a:r>
               <a:rPr lang="ko-KR" altLang="en-US" sz="1600" dirty="0" smtClean="0"/>
-              <a:t>문자열</a:t>
+              <a:t>밀도</a:t>
             </a:r>
             <a:r>
               <a:rPr lang="en-US" altLang="ko-KR" sz="1600" dirty="0" smtClean="0"/>
-              <a:t>, </a:t>
+              <a:t>(density)</a:t>
             </a:r>
             <a:r>
               <a:rPr lang="ko-KR" altLang="en-US" sz="1600" dirty="0" smtClean="0"/>
-              <a:t>색상</a:t>
-            </a:r>
+              <a:t>에 따라 </a:t>
+            </a:r>
+            <a:endParaRPr lang="en-US" altLang="ko-KR" sz="1600" dirty="0" smtClean="0"/>
+          </a:p>
+          <a:p>
             <a:r>
               <a:rPr lang="en-US" altLang="ko-KR" sz="1600" dirty="0" smtClean="0"/>
-              <a:t>, </a:t>
-            </a:r>
+              <a:t>/</a:t>
+            </a:r>
+            <a:r>
+              <a:rPr lang="en-US" altLang="ko-KR" sz="1600" dirty="0" err="1" smtClean="0"/>
+              <a:t>drawable-mdpi</a:t>
+            </a:r>
+            <a:r>
+              <a:rPr lang="en-US" altLang="ko-KR" sz="1600" dirty="0" smtClean="0"/>
+              <a:t>, /</a:t>
+            </a:r>
+            <a:r>
+              <a:rPr lang="en-US" altLang="ko-KR" sz="1600" dirty="0" err="1" smtClean="0"/>
+              <a:t>drawable-hdpi</a:t>
+            </a:r>
+            <a:r>
+              <a:rPr lang="en-US" altLang="ko-KR" sz="1600" dirty="0" smtClean="0"/>
+              <a:t>, /</a:t>
+            </a:r>
+            <a:r>
+              <a:rPr lang="en-US" altLang="ko-KR" sz="1600" dirty="0" err="1" smtClean="0"/>
+              <a:t>drawable-xhdpi</a:t>
+            </a:r>
+            <a:endParaRPr lang="en-US" altLang="ko-KR" sz="1600" dirty="0" smtClean="0"/>
+          </a:p>
+          <a:p>
             <a:r>
               <a:rPr lang="ko-KR" altLang="en-US" sz="1600" dirty="0" smtClean="0"/>
-              <a:t>스타일</a:t>
-            </a:r>
-            <a:r>
-              <a:rPr lang="en-US" altLang="ko-KR" sz="1600" dirty="0" smtClean="0"/>
-              <a:t>, </a:t>
-            </a:r>
-            <a:r>
-              <a:rPr lang="ko-KR" altLang="en-US" sz="1600" dirty="0" smtClean="0"/>
-              <a:t>배열 등의 데이터를</a:t>
-            </a:r>
-            <a:endParaRPr lang="en-US" altLang="ko-KR" sz="1600" dirty="0" smtClean="0"/>
-          </a:p>
-          <a:p>
-            <a:r>
-              <a:rPr lang="en-US" altLang="ko-KR" sz="1600" dirty="0" smtClean="0"/>
-              <a:t>XML </a:t>
-            </a:r>
-            <a:r>
-              <a:rPr lang="ko-KR" altLang="en-US" sz="1600" dirty="0" smtClean="0"/>
-              <a:t>형태로 저장할 수 있다</a:t>
+              <a:t>등으로 구분하여 사용할 수 있다</a:t>
             </a:r>
             <a:r>
               <a:rPr lang="en-US" altLang="ko-KR" sz="1600" dirty="0" smtClean="0"/>
               <a:t>.</a:t>
             </a:r>
-          </a:p>
-          <a:p>
             <a:endParaRPr lang="en-US" altLang="ko-KR" sz="1600" dirty="0"/>
-          </a:p>
-          <a:p>
-            <a:r>
-              <a:rPr lang="en-US" altLang="ko-KR" sz="1600" dirty="0" smtClean="0"/>
-              <a:t>/layout, /</a:t>
-            </a:r>
-            <a:r>
-              <a:rPr lang="en-US" altLang="ko-KR" sz="1600" dirty="0" err="1" smtClean="0"/>
-              <a:t>drawable</a:t>
-            </a:r>
-            <a:r>
-              <a:rPr lang="ko-KR" altLang="en-US" sz="1600" dirty="0" smtClean="0"/>
-              <a:t>과 마찬가지로 </a:t>
-            </a:r>
-            <a:r>
-              <a:rPr lang="en-US" altLang="ko-KR" sz="1600" dirty="0" smtClean="0"/>
-              <a:t>/values-</a:t>
-            </a:r>
-            <a:r>
-              <a:rPr lang="en-US" altLang="ko-KR" sz="1600" dirty="0" err="1" smtClean="0"/>
-              <a:t>hdpi</a:t>
-            </a:r>
-            <a:r>
-              <a:rPr lang="en-US" altLang="ko-KR" sz="1600" dirty="0" smtClean="0"/>
-              <a:t>, /values-</a:t>
-            </a:r>
-            <a:r>
-              <a:rPr lang="en-US" altLang="ko-KR" sz="1600" dirty="0" err="1" smtClean="0"/>
-              <a:t>xhdpi</a:t>
-            </a:r>
-            <a:endParaRPr lang="en-US" altLang="ko-KR" sz="1600" dirty="0"/>
-          </a:p>
-          <a:p>
-            <a:r>
-              <a:rPr lang="ko-KR" altLang="en-US" sz="1600" dirty="0" smtClean="0"/>
-              <a:t>등의 형태로 사용할 수 있으며</a:t>
-            </a:r>
-            <a:r>
-              <a:rPr lang="en-US" altLang="ko-KR" sz="1600" dirty="0" smtClean="0"/>
-              <a:t>,</a:t>
-            </a:r>
-          </a:p>
-          <a:p>
-            <a:endParaRPr lang="en-US" altLang="ko-KR" sz="1600" dirty="0"/>
-          </a:p>
-          <a:p>
-            <a:r>
-              <a:rPr lang="ko-KR" altLang="en-US" sz="1600" dirty="0" err="1" smtClean="0"/>
-              <a:t>안드로이드</a:t>
-            </a:r>
-            <a:r>
-              <a:rPr lang="ko-KR" altLang="en-US" sz="1600" dirty="0" smtClean="0"/>
-              <a:t> </a:t>
-            </a:r>
-            <a:r>
-              <a:rPr lang="en-US" altLang="ko-KR" sz="1600" dirty="0" smtClean="0"/>
-              <a:t>API </a:t>
-            </a:r>
-            <a:r>
-              <a:rPr lang="ko-KR" altLang="en-US" sz="1600" dirty="0" smtClean="0"/>
-              <a:t>버전에 따른 분류인 </a:t>
-            </a:r>
-            <a:r>
-              <a:rPr lang="en-US" altLang="ko-KR" sz="1600" dirty="0" smtClean="0"/>
-              <a:t>/values-v11 </a:t>
-            </a:r>
-            <a:r>
-              <a:rPr lang="ko-KR" altLang="en-US" sz="1600" dirty="0" smtClean="0"/>
-              <a:t>등으로도</a:t>
-            </a:r>
-            <a:endParaRPr lang="en-US" altLang="ko-KR" sz="1600" dirty="0" smtClean="0"/>
-          </a:p>
-          <a:p>
-            <a:r>
-              <a:rPr lang="ko-KR" altLang="en-US" sz="1600" dirty="0" smtClean="0"/>
-              <a:t>사용할 수 있다</a:t>
-            </a:r>
-            <a:r>
-              <a:rPr lang="en-US" altLang="ko-KR" sz="1600" dirty="0" smtClean="0"/>
-              <a:t>.</a:t>
-            </a:r>
-          </a:p>
-          <a:p>
-            <a:endParaRPr lang="en-US" altLang="ko-KR" sz="1600" dirty="0" smtClean="0"/>
-          </a:p>
-          <a:p>
-            <a:r>
-              <a:rPr lang="ko-KR" altLang="en-US" sz="1600" dirty="0" smtClean="0"/>
-              <a:t>또한 </a:t>
-            </a:r>
-            <a:r>
-              <a:rPr lang="en-US" altLang="ko-KR" sz="1600" dirty="0" smtClean="0"/>
-              <a:t>/values-</a:t>
-            </a:r>
-            <a:r>
-              <a:rPr lang="en-US" altLang="ko-KR" sz="1600" dirty="0" err="1" smtClean="0"/>
-              <a:t>ko</a:t>
-            </a:r>
-            <a:r>
-              <a:rPr lang="en-US" altLang="ko-KR" sz="1600" dirty="0" smtClean="0"/>
-              <a:t>, /values-en, /values-</a:t>
-            </a:r>
-            <a:r>
-              <a:rPr lang="en-US" altLang="ko-KR" sz="1600" dirty="0" err="1" smtClean="0"/>
-              <a:t>ja</a:t>
-            </a:r>
-            <a:r>
-              <a:rPr lang="en-US" altLang="ko-KR" sz="1600" dirty="0" smtClean="0"/>
-              <a:t> </a:t>
-            </a:r>
-            <a:r>
-              <a:rPr lang="ko-KR" altLang="en-US" sz="1600" dirty="0" smtClean="0"/>
-              <a:t>형태로 다국어를 </a:t>
-            </a:r>
-            <a:endParaRPr lang="en-US" altLang="ko-KR" sz="1600" dirty="0" smtClean="0"/>
-          </a:p>
-          <a:p>
-            <a:r>
-              <a:rPr lang="ko-KR" altLang="en-US" sz="1600" dirty="0" smtClean="0"/>
-              <a:t>지원하기 위한 형태로 사용할 수도 있다</a:t>
-            </a:r>
-            <a:r>
-              <a:rPr lang="en-US" altLang="ko-KR" sz="1600" dirty="0" smtClean="0"/>
-              <a:t>.</a:t>
-            </a:r>
           </a:p>
         </p:txBody>
       </p:sp>
@@ -16569,18 +16583,7 @@
                 <a:ea typeface="나눔고딕 ExtraBold"/>
                 <a:cs typeface="나눔고딕 ExtraBold"/>
               </a:rPr>
-              <a:t>– </a:t>
-            </a:r>
-            <a:r>
-              <a:rPr lang="en-US" altLang="ko-KR" dirty="0" smtClean="0">
-                <a:solidFill>
-                  <a:srgbClr val="7F7F7F"/>
-                </a:solidFill>
-                <a:latin typeface="나눔고딕 ExtraBold"/>
-                <a:ea typeface="나눔고딕 ExtraBold"/>
-                <a:cs typeface="나눔고딕 ExtraBold"/>
-              </a:rPr>
-              <a:t>Hello, World</a:t>
+              <a:t>– Hello, World</a:t>
             </a:r>
             <a:endParaRPr lang="en-US" dirty="0">
               <a:solidFill>
@@ -16929,9 +16932,63 @@
           </a:extLst>
         </p:spPr>
       </p:pic>
+      <p:sp>
+        <p:nvSpPr>
+          <p:cNvPr id="20" name="TextBox 19"/>
+          <p:cNvSpPr txBox="1"/>
+          <p:nvPr/>
+        </p:nvSpPr>
+        <p:spPr>
+          <a:xfrm>
+            <a:off x="4033674" y="2525017"/>
+            <a:ext cx="1815314" cy="581698"/>
+          </a:xfrm>
+          <a:prstGeom prst="rect">
+            <a:avLst/>
+          </a:prstGeom>
+          <a:noFill/>
+        </p:spPr>
+        <p:txBody>
+          <a:bodyPr wrap="square" rtlCol="0">
+            <a:spAutoFit/>
+          </a:bodyPr>
+          <a:lstStyle/>
+          <a:p>
+            <a:pPr marL="0" lvl="1">
+              <a:lnSpc>
+                <a:spcPct val="150000"/>
+              </a:lnSpc>
+            </a:pPr>
+            <a:r>
+              <a:rPr lang="en-US" altLang="ko-KR" sz="2400" b="1" dirty="0" smtClean="0">
+                <a:solidFill>
+                  <a:schemeClr val="bg2">
+                    <a:lumMod val="25000"/>
+                  </a:schemeClr>
+                </a:solidFill>
+                <a:latin typeface="나눔고딕"/>
+                <a:ea typeface="나눔고딕"/>
+                <a:cs typeface="나눔고딕"/>
+              </a:rPr>
+              <a:t>/res/values</a:t>
+            </a:r>
+            <a:endParaRPr lang="en-US" altLang="ko-KR" sz="2400" b="1" dirty="0">
+              <a:solidFill>
+                <a:schemeClr val="tx1">
+                  <a:lumMod val="50000"/>
+                  <a:lumOff val="50000"/>
+                </a:schemeClr>
+              </a:solidFill>
+              <a:latin typeface="나눔고딕"/>
+              <a:ea typeface="나눔고딕"/>
+              <a:cs typeface="나눔고딕"/>
+            </a:endParaRPr>
+          </a:p>
+        </p:txBody>
+      </p:sp>
       <p:pic>
         <p:nvPicPr>
-          <p:cNvPr id="10" name="그림 9"/>
+          <p:cNvPr id="22" name="그림 21"/>
           <p:cNvPicPr>
             <a:picLocks noChangeAspect="1"/>
           </p:cNvPicPr>
@@ -16951,8 +17008,8 @@
         </p:blipFill>
         <p:spPr>
           <a:xfrm>
-            <a:off x="3416692" y="2598451"/>
-            <a:ext cx="550618" cy="579600"/>
+            <a:off x="3345667" y="2606616"/>
+            <a:ext cx="688275" cy="579599"/>
           </a:xfrm>
           <a:prstGeom prst="rect">
             <a:avLst/>
@@ -16961,68 +17018,14 @@
       </p:pic>
       <p:sp>
         <p:nvSpPr>
-          <p:cNvPr id="20" name="TextBox 19"/>
-          <p:cNvSpPr txBox="1"/>
+          <p:cNvPr id="23" name="직사각형 22"/>
+          <p:cNvSpPr/>
           <p:nvPr/>
         </p:nvSpPr>
         <p:spPr>
           <a:xfrm>
-            <a:off x="4033673" y="2525017"/>
-            <a:ext cx="3400067" cy="646331"/>
-          </a:xfrm>
-          <a:prstGeom prst="rect">
-            <a:avLst/>
-          </a:prstGeom>
-          <a:noFill/>
-        </p:spPr>
-        <p:txBody>
-          <a:bodyPr wrap="square" rtlCol="0">
-            <a:spAutoFit/>
-          </a:bodyPr>
-          <a:lstStyle/>
-          <a:p>
-            <a:pPr marL="0" lvl="1">
-              <a:lnSpc>
-                <a:spcPct val="150000"/>
-              </a:lnSpc>
-            </a:pPr>
-            <a:r>
-              <a:rPr lang="en-US" altLang="ko-KR" sz="2400" b="1" dirty="0" smtClean="0">
-                <a:solidFill>
-                  <a:schemeClr val="bg2">
-                    <a:lumMod val="25000"/>
-                  </a:schemeClr>
-                </a:solidFill>
-                <a:latin typeface="나눔고딕"/>
-                <a:ea typeface="나눔고딕"/>
-                <a:cs typeface="나눔고딕"/>
-              </a:rPr>
-              <a:t>AndroidManifest.xml</a:t>
-            </a:r>
-            <a:endParaRPr lang="en-US" altLang="ko-KR" sz="2400" b="1" dirty="0">
-              <a:solidFill>
-                <a:schemeClr val="tx1">
-                  <a:lumMod val="50000"/>
-                  <a:lumOff val="50000"/>
-                </a:schemeClr>
-              </a:solidFill>
-              <a:latin typeface="나눔고딕"/>
-              <a:ea typeface="나눔고딕"/>
-              <a:cs typeface="나눔고딕"/>
-            </a:endParaRPr>
-          </a:p>
-        </p:txBody>
-      </p:sp>
-      <p:sp>
-        <p:nvSpPr>
-          <p:cNvPr id="22" name="직사각형 21"/>
-          <p:cNvSpPr/>
-          <p:nvPr/>
-        </p:nvSpPr>
-        <p:spPr>
-          <a:xfrm>
-            <a:off x="3275856" y="3209667"/>
-            <a:ext cx="5541902" cy="1815882"/>
+            <a:off x="3345667" y="3209667"/>
+            <a:ext cx="5781198" cy="3046988"/>
           </a:xfrm>
           <a:prstGeom prst="rect">
             <a:avLst/>
@@ -17035,44 +17038,8 @@
           <a:lstStyle/>
           <a:p>
             <a:r>
-              <a:rPr lang="ko-KR" altLang="en-US" sz="1600" dirty="0" err="1" smtClean="0"/>
-              <a:t>안드로이드에</a:t>
-            </a:r>
-            <a:r>
               <a:rPr lang="ko-KR" altLang="en-US" sz="1600" dirty="0" smtClean="0"/>
-              <a:t> 있어서 가장 중요한 파일이므로 집</a:t>
-            </a:r>
-            <a:r>
-              <a:rPr lang="en-US" altLang="ko-KR" sz="1600" dirty="0" smtClean="0"/>
-              <a:t>! </a:t>
-            </a:r>
-            <a:r>
-              <a:rPr lang="ko-KR" altLang="en-US" sz="1600" dirty="0" smtClean="0"/>
-              <a:t>중</a:t>
-            </a:r>
-            <a:r>
-              <a:rPr lang="en-US" altLang="ko-KR" sz="1600" dirty="0" smtClean="0"/>
-              <a:t>!</a:t>
-            </a:r>
-          </a:p>
-          <a:p>
-            <a:endParaRPr lang="en-US" altLang="ko-KR" sz="1600" dirty="0"/>
-          </a:p>
-          <a:p>
-            <a:r>
-              <a:rPr lang="en-US" altLang="ko-KR" sz="1600" dirty="0" smtClean="0"/>
-              <a:t>AndroidManifest.xml </a:t>
-            </a:r>
-            <a:r>
-              <a:rPr lang="ko-KR" altLang="en-US" sz="1600" dirty="0" smtClean="0"/>
-              <a:t>파일은 애플리케이션의 전체 구조 및</a:t>
-            </a:r>
-            <a:endParaRPr lang="en-US" altLang="ko-KR" sz="1600" dirty="0" smtClean="0"/>
-          </a:p>
-          <a:p>
-            <a:r>
-              <a:rPr lang="ko-KR" altLang="en-US" sz="1600" dirty="0" smtClean="0"/>
-              <a:t>관련 정보를 가지고 있는 매우 중요한 파일이다</a:t>
+              <a:t>애플리케이션에서 사용할 각종 데이터를 저장하는 곳이다</a:t>
             </a:r>
             <a:r>
               <a:rPr lang="en-US" altLang="ko-KR" sz="1600" dirty="0" smtClean="0"/>
@@ -17080,51 +17047,172 @@
             </a:r>
           </a:p>
           <a:p>
+            <a:r>
+              <a:rPr lang="ko-KR" altLang="en-US" sz="1600" dirty="0" smtClean="0"/>
+              <a:t>문자열</a:t>
+            </a:r>
+            <a:r>
+              <a:rPr lang="en-US" altLang="ko-KR" sz="1600" dirty="0" smtClean="0"/>
+              <a:t>, </a:t>
+            </a:r>
+            <a:r>
+              <a:rPr lang="ko-KR" altLang="en-US" sz="1600" dirty="0" smtClean="0"/>
+              <a:t>색상</a:t>
+            </a:r>
+            <a:r>
+              <a:rPr lang="en-US" altLang="ko-KR" sz="1600" dirty="0" smtClean="0"/>
+              <a:t>, </a:t>
+            </a:r>
+            <a:r>
+              <a:rPr lang="ko-KR" altLang="en-US" sz="1600" dirty="0" smtClean="0"/>
+              <a:t>스타일</a:t>
+            </a:r>
+            <a:r>
+              <a:rPr lang="en-US" altLang="ko-KR" sz="1600" dirty="0" smtClean="0"/>
+              <a:t>, </a:t>
+            </a:r>
+            <a:r>
+              <a:rPr lang="ko-KR" altLang="en-US" sz="1600" dirty="0" smtClean="0"/>
+              <a:t>배열 등의 데이터를</a:t>
+            </a:r>
+            <a:endParaRPr lang="en-US" altLang="ko-KR" sz="1600" dirty="0" smtClean="0"/>
+          </a:p>
+          <a:p>
+            <a:r>
+              <a:rPr lang="en-US" altLang="ko-KR" sz="1600" dirty="0" smtClean="0"/>
+              <a:t>XML </a:t>
+            </a:r>
+            <a:r>
+              <a:rPr lang="ko-KR" altLang="en-US" sz="1600" dirty="0" smtClean="0"/>
+              <a:t>형태로 저장할 수 있다</a:t>
+            </a:r>
+            <a:r>
+              <a:rPr lang="en-US" altLang="ko-KR" sz="1600" dirty="0" smtClean="0"/>
+              <a:t>.</a:t>
+            </a:r>
+          </a:p>
+          <a:p>
             <a:endParaRPr lang="en-US" altLang="ko-KR" sz="1600" dirty="0"/>
           </a:p>
           <a:p>
             <a:r>
+              <a:rPr lang="en-US" altLang="ko-KR" sz="1600" dirty="0" smtClean="0"/>
+              <a:t>/layout, /</a:t>
+            </a:r>
+            <a:r>
+              <a:rPr lang="en-US" altLang="ko-KR" sz="1600" dirty="0" err="1" smtClean="0"/>
+              <a:t>drawable</a:t>
+            </a:r>
+            <a:r>
               <a:rPr lang="ko-KR" altLang="en-US" sz="1600" dirty="0" smtClean="0"/>
-              <a:t>이 파일을 통해 </a:t>
-            </a:r>
+              <a:t>과 마찬가지로 </a:t>
+            </a:r>
+            <a:r>
+              <a:rPr lang="en-US" altLang="ko-KR" sz="1600" dirty="0" smtClean="0"/>
+              <a:t>/values-</a:t>
+            </a:r>
+            <a:r>
+              <a:rPr lang="en-US" altLang="ko-KR" sz="1600" dirty="0" err="1" smtClean="0"/>
+              <a:t>hdpi</a:t>
+            </a:r>
+            <a:r>
+              <a:rPr lang="en-US" altLang="ko-KR" sz="1600" dirty="0" smtClean="0"/>
+              <a:t>, /values-</a:t>
+            </a:r>
+            <a:r>
+              <a:rPr lang="en-US" altLang="ko-KR" sz="1600" dirty="0" err="1" smtClean="0"/>
+              <a:t>xhdpi</a:t>
+            </a:r>
+            <a:endParaRPr lang="en-US" altLang="ko-KR" sz="1600" dirty="0"/>
+          </a:p>
+          <a:p>
+            <a:r>
+              <a:rPr lang="ko-KR" altLang="en-US" sz="1600" dirty="0" smtClean="0"/>
+              <a:t>등의 형태로 사용할 수 있으며</a:t>
+            </a:r>
+            <a:r>
+              <a:rPr lang="en-US" altLang="ko-KR" sz="1600" dirty="0" smtClean="0"/>
+              <a:t>,</a:t>
+            </a:r>
+          </a:p>
+          <a:p>
+            <a:endParaRPr lang="en-US" altLang="ko-KR" sz="1600" dirty="0"/>
+          </a:p>
+          <a:p>
             <a:r>
               <a:rPr lang="ko-KR" altLang="en-US" sz="1600" dirty="0" err="1" smtClean="0"/>
               <a:t>안드로이드</a:t>
             </a:r>
             <a:r>
               <a:rPr lang="ko-KR" altLang="en-US" sz="1600" dirty="0" smtClean="0"/>
-              <a:t> 시스템은 해당 어플리케이션에</a:t>
+              <a:t> </a:t>
+            </a:r>
+            <a:r>
+              <a:rPr lang="en-US" altLang="ko-KR" sz="1600" dirty="0" smtClean="0"/>
+              <a:t>API </a:t>
+            </a:r>
+            <a:r>
+              <a:rPr lang="ko-KR" altLang="en-US" sz="1600" dirty="0" smtClean="0"/>
+              <a:t>버전에 따른 분류인 </a:t>
+            </a:r>
+            <a:r>
+              <a:rPr lang="en-US" altLang="ko-KR" sz="1600" dirty="0" smtClean="0"/>
+              <a:t>/values-v11 </a:t>
+            </a:r>
+            <a:r>
+              <a:rPr lang="ko-KR" altLang="en-US" sz="1600" dirty="0" smtClean="0"/>
+              <a:t>등으로도</a:t>
             </a:r>
             <a:endParaRPr lang="en-US" altLang="ko-KR" sz="1600" dirty="0" smtClean="0"/>
           </a:p>
           <a:p>
             <a:r>
               <a:rPr lang="ko-KR" altLang="en-US" sz="1600" dirty="0" smtClean="0"/>
-              <a:t>존재하는 화면</a:t>
+              <a:t>사용할 수 있다</a:t>
             </a:r>
             <a:r>
               <a:rPr lang="en-US" altLang="ko-KR" sz="1600" dirty="0" smtClean="0"/>
-              <a:t>, </a:t>
-            </a:r>
+              <a:t>.</a:t>
+            </a:r>
+          </a:p>
+          <a:p>
+            <a:endParaRPr lang="en-US" altLang="ko-KR" sz="1600" dirty="0" smtClean="0"/>
+          </a:p>
+          <a:p>
             <a:r>
               <a:rPr lang="ko-KR" altLang="en-US" sz="1600" dirty="0" smtClean="0"/>
-              <a:t>서비스</a:t>
+              <a:t>또한 </a:t>
             </a:r>
             <a:r>
               <a:rPr lang="en-US" altLang="ko-KR" sz="1600" dirty="0" smtClean="0"/>
-              <a:t>, </a:t>
+              <a:t>/values-</a:t>
+            </a:r>
+            <a:r>
+              <a:rPr lang="en-US" altLang="ko-KR" sz="1600" dirty="0" err="1" smtClean="0"/>
+              <a:t>ko</a:t>
+            </a:r>
+            <a:r>
+              <a:rPr lang="en-US" altLang="ko-KR" sz="1600" dirty="0" smtClean="0"/>
+              <a:t>, /values-en, /values-</a:t>
+            </a:r>
+            <a:r>
+              <a:rPr lang="en-US" altLang="ko-KR" sz="1600" dirty="0" err="1" smtClean="0"/>
+              <a:t>ja</a:t>
+            </a:r>
+            <a:r>
+              <a:rPr lang="en-US" altLang="ko-KR" sz="1600" dirty="0" smtClean="0"/>
+              <a:t> </a:t>
             </a:r>
             <a:r>
               <a:rPr lang="ko-KR" altLang="en-US" sz="1600" dirty="0" smtClean="0"/>
-              <a:t>권한</a:t>
-            </a:r>
-            <a:r>
-              <a:rPr lang="en-US" altLang="ko-KR" sz="1600" dirty="0" smtClean="0"/>
-              <a:t>, </a:t>
-            </a:r>
+              <a:t>형태로 다국어를 </a:t>
+            </a:r>
+            <a:endParaRPr lang="en-US" altLang="ko-KR" sz="1600" dirty="0" smtClean="0"/>
+          </a:p>
+          <a:p>
             <a:r>
               <a:rPr lang="ko-KR" altLang="en-US" sz="1600" dirty="0" smtClean="0"/>
-              <a:t>구성요소 들을 파악한다</a:t>
+              <a:t>지원하기 위한 형태로 사용할 수도 있다</a:t>
             </a:r>
             <a:r>
               <a:rPr lang="en-US" altLang="ko-KR" sz="1600" dirty="0" smtClean="0"/>
@@ -17136,7 +17224,7 @@
     </p:spTree>
     <p:extLst>
       <p:ext uri="{BB962C8B-B14F-4D97-AF65-F5344CB8AC3E}">
-        <p14:creationId xmlns:p14="http://schemas.microsoft.com/office/powerpoint/2010/main" val="2926307185"/>
+        <p14:creationId xmlns:p14="http://schemas.microsoft.com/office/powerpoint/2010/main" val="2609095532"/>
       </p:ext>
     </p:extLst>
   </p:cSld>
@@ -17261,18 +17349,7 @@
                 <a:ea typeface="나눔고딕 ExtraBold"/>
                 <a:cs typeface="나눔고딕 ExtraBold"/>
               </a:rPr>
-              <a:t>– </a:t>
-            </a:r>
-            <a:r>
-              <a:rPr lang="en-US" altLang="ko-KR" dirty="0" smtClean="0">
-                <a:solidFill>
-                  <a:srgbClr val="7F7F7F"/>
-                </a:solidFill>
-                <a:latin typeface="나눔고딕 ExtraBold"/>
-                <a:ea typeface="나눔고딕 ExtraBold"/>
-                <a:cs typeface="나눔고딕 ExtraBold"/>
-              </a:rPr>
-              <a:t>Hello, World</a:t>
+              <a:t>– Hello, World</a:t>
             </a:r>
             <a:endParaRPr lang="en-US" dirty="0">
               <a:solidFill>
@@ -17714,7 +17791,7 @@
         <p:spPr>
           <a:xfrm>
             <a:off x="3275856" y="3209667"/>
-            <a:ext cx="5729261" cy="2277547"/>
+            <a:ext cx="5541902" cy="1815882"/>
           </a:xfrm>
           <a:prstGeom prst="rect">
             <a:avLst/>
@@ -17727,95 +17804,99 @@
           <a:lstStyle/>
           <a:p>
             <a:r>
+              <a:rPr lang="ko-KR" altLang="en-US" sz="1600" dirty="0" err="1" smtClean="0"/>
+              <a:t>안드로이드에</a:t>
+            </a:r>
+            <a:r>
+              <a:rPr lang="ko-KR" altLang="en-US" sz="1600" dirty="0" smtClean="0"/>
+              <a:t> 있어서 가장 중요한 파일이므로 집</a:t>
+            </a:r>
+            <a:r>
               <a:rPr lang="en-US" altLang="ko-KR" sz="1600" dirty="0" smtClean="0"/>
-              <a:t>&lt;uses-permission /&gt;</a:t>
-            </a:r>
-          </a:p>
-          <a:p>
-            <a:endParaRPr lang="en-US" altLang="ko-KR" sz="1400" dirty="0" smtClean="0"/>
-          </a:p>
-          <a:p>
-            <a:r>
-              <a:rPr lang="ko-KR" altLang="en-US" sz="1400" dirty="0" smtClean="0"/>
-              <a:t>인터넷을 사용하거나 </a:t>
-            </a:r>
-            <a:r>
-              <a:rPr lang="en-US" altLang="ko-KR" sz="1400" dirty="0" smtClean="0"/>
-              <a:t>SD </a:t>
-            </a:r>
-            <a:r>
-              <a:rPr lang="ko-KR" altLang="en-US" sz="1400" dirty="0" smtClean="0"/>
-              <a:t>카드를 읽어나 하는 등의 모든 작업은</a:t>
-            </a:r>
-            <a:endParaRPr lang="en-US" altLang="ko-KR" sz="1400" dirty="0" smtClean="0"/>
-          </a:p>
-          <a:p>
-            <a:r>
-              <a:rPr lang="ko-KR" altLang="en-US" sz="1400" dirty="0" smtClean="0"/>
-              <a:t>권한이 필요하며</a:t>
-            </a:r>
-            <a:r>
-              <a:rPr lang="en-US" altLang="ko-KR" sz="1400" dirty="0" smtClean="0"/>
+              <a:t>! </a:t>
+            </a:r>
+            <a:r>
+              <a:rPr lang="ko-KR" altLang="en-US" sz="1600" dirty="0" smtClean="0"/>
+              <a:t>중</a:t>
+            </a:r>
+            <a:r>
+              <a:rPr lang="en-US" altLang="ko-KR" sz="1600" dirty="0" smtClean="0"/>
+              <a:t>!</a:t>
+            </a:r>
+          </a:p>
+          <a:p>
+            <a:endParaRPr lang="en-US" altLang="ko-KR" sz="1600" dirty="0"/>
+          </a:p>
+          <a:p>
+            <a:r>
+              <a:rPr lang="en-US" altLang="ko-KR" sz="1600" dirty="0" smtClean="0"/>
+              <a:t>AndroidManifest.xml </a:t>
+            </a:r>
+            <a:r>
+              <a:rPr lang="ko-KR" altLang="en-US" sz="1600" dirty="0" smtClean="0"/>
+              <a:t>파일은 애플리케이션의 전체 구조 및</a:t>
+            </a:r>
+            <a:endParaRPr lang="en-US" altLang="ko-KR" sz="1600" dirty="0" smtClean="0"/>
+          </a:p>
+          <a:p>
+            <a:r>
+              <a:rPr lang="ko-KR" altLang="en-US" sz="1600" dirty="0" smtClean="0"/>
+              <a:t>관련 정보를 가지고 있는 매우 중요한 파일이다</a:t>
+            </a:r>
+            <a:r>
+              <a:rPr lang="en-US" altLang="ko-KR" sz="1600" dirty="0" smtClean="0"/>
+              <a:t>.</a:t>
+            </a:r>
+          </a:p>
+          <a:p>
+            <a:endParaRPr lang="en-US" altLang="ko-KR" sz="1600" dirty="0"/>
+          </a:p>
+          <a:p>
+            <a:r>
+              <a:rPr lang="ko-KR" altLang="en-US" sz="1600" dirty="0" smtClean="0"/>
+              <a:t>이 파일을 통해 </a:t>
+            </a:r>
+            <a:r>
+              <a:rPr lang="ko-KR" altLang="en-US" sz="1600" dirty="0" err="1" smtClean="0"/>
+              <a:t>안드로이드</a:t>
+            </a:r>
+            <a:r>
+              <a:rPr lang="ko-KR" altLang="en-US" sz="1600" dirty="0" smtClean="0"/>
+              <a:t> 시스템은 해당 어플리케이션에</a:t>
+            </a:r>
+            <a:endParaRPr lang="en-US" altLang="ko-KR" sz="1600" dirty="0" smtClean="0"/>
+          </a:p>
+          <a:p>
+            <a:r>
+              <a:rPr lang="ko-KR" altLang="en-US" sz="1600" dirty="0" smtClean="0"/>
+              <a:t>존재하는 화면</a:t>
+            </a:r>
+            <a:r>
+              <a:rPr lang="en-US" altLang="ko-KR" sz="1600" dirty="0" smtClean="0"/>
               <a:t>, </a:t>
             </a:r>
             <a:r>
-              <a:rPr lang="ko-KR" altLang="en-US" sz="1400" dirty="0" smtClean="0"/>
-              <a:t>이러한 권한을 여기에 정의해야 한다</a:t>
-            </a:r>
-            <a:r>
-              <a:rPr lang="en-US" altLang="ko-KR" sz="1400" dirty="0" smtClean="0"/>
-              <a:t>.</a:t>
-            </a:r>
-          </a:p>
-          <a:p>
-            <a:endParaRPr lang="en-US" altLang="ko-KR" sz="1400" dirty="0"/>
-          </a:p>
-          <a:p>
-            <a:r>
-              <a:rPr lang="ko-KR" altLang="en-US" sz="1400" dirty="0" smtClean="0"/>
-              <a:t>예를 들어 인터넷을 사용해야 한다면</a:t>
-            </a:r>
-            <a:endParaRPr lang="en-US" altLang="ko-KR" sz="1400" dirty="0" smtClean="0"/>
-          </a:p>
-          <a:p>
-            <a:endParaRPr lang="en-US" altLang="ko-KR" sz="1400" dirty="0"/>
-          </a:p>
-          <a:p>
-            <a:r>
-              <a:rPr lang="en-US" altLang="ko-KR" sz="1400" dirty="0" smtClean="0"/>
-              <a:t>&lt;uses-permission </a:t>
-            </a:r>
-            <a:r>
-              <a:rPr lang="en-US" altLang="ko-KR" sz="1400" dirty="0" err="1" smtClean="0"/>
-              <a:t>android:name</a:t>
-            </a:r>
-            <a:r>
-              <a:rPr lang="en-US" altLang="ko-KR" sz="1400" dirty="0" smtClean="0"/>
-              <a:t>=“</a:t>
-            </a:r>
-            <a:r>
-              <a:rPr lang="en-US" altLang="ko-KR" sz="1400" dirty="0" err="1" smtClean="0"/>
-              <a:t>android.permission.INTERNET</a:t>
-            </a:r>
-            <a:r>
-              <a:rPr lang="en-US" altLang="ko-KR" sz="1400" dirty="0" smtClean="0"/>
-              <a:t>” /&gt;</a:t>
-            </a:r>
-          </a:p>
-          <a:p>
-            <a:endParaRPr lang="en-US" altLang="ko-KR" sz="1400" dirty="0" smtClean="0"/>
-          </a:p>
-          <a:p>
-            <a:r>
-              <a:rPr lang="ko-KR" altLang="en-US" sz="1400" dirty="0" smtClean="0"/>
-              <a:t>을 </a:t>
-            </a:r>
-            <a:r>
-              <a:rPr lang="ko-KR" altLang="en-US" sz="1400" dirty="0" err="1" smtClean="0"/>
-              <a:t>추가해야한다</a:t>
-            </a:r>
-            <a:r>
-              <a:rPr lang="en-US" altLang="ko-KR" sz="1400" dirty="0" smtClean="0"/>
+              <a:rPr lang="ko-KR" altLang="en-US" sz="1600" dirty="0" smtClean="0"/>
+              <a:t>서비스</a:t>
+            </a:r>
+            <a:r>
+              <a:rPr lang="en-US" altLang="ko-KR" sz="1600" dirty="0" smtClean="0"/>
+              <a:t>, </a:t>
+            </a:r>
+            <a:r>
+              <a:rPr lang="ko-KR" altLang="en-US" sz="1600" dirty="0" smtClean="0"/>
+              <a:t>권한</a:t>
+            </a:r>
+            <a:r>
+              <a:rPr lang="en-US" altLang="ko-KR" sz="1600" dirty="0" smtClean="0"/>
+              <a:t>, </a:t>
+            </a:r>
+            <a:r>
+              <a:rPr lang="ko-KR" altLang="en-US" sz="1600" dirty="0" smtClean="0"/>
+              <a:t>구성요소 들을 파악한다</a:t>
+            </a:r>
+            <a:r>
+              <a:rPr lang="en-US" altLang="ko-KR" sz="1600" dirty="0" smtClean="0"/>
               <a:t>.</a:t>
             </a:r>
           </a:p>
@@ -17824,7 +17905,7 @@
     </p:spTree>
     <p:extLst>
       <p:ext uri="{BB962C8B-B14F-4D97-AF65-F5344CB8AC3E}">
-        <p14:creationId xmlns:p14="http://schemas.microsoft.com/office/powerpoint/2010/main" val="1768031468"/>
+        <p14:creationId xmlns:p14="http://schemas.microsoft.com/office/powerpoint/2010/main" val="2926307185"/>
       </p:ext>
     </p:extLst>
   </p:cSld>
@@ -18865,18 +18946,7 @@
                 <a:ea typeface="나눔고딕 ExtraBold"/>
                 <a:cs typeface="나눔고딕 ExtraBold"/>
               </a:rPr>
-              <a:t>– </a:t>
-            </a:r>
-            <a:r>
-              <a:rPr lang="en-US" altLang="ko-KR" dirty="0" smtClean="0">
-                <a:solidFill>
-                  <a:srgbClr val="7F7F7F"/>
-                </a:solidFill>
-                <a:latin typeface="나눔고딕 ExtraBold"/>
-                <a:ea typeface="나눔고딕 ExtraBold"/>
-                <a:cs typeface="나눔고딕 ExtraBold"/>
-              </a:rPr>
-              <a:t>Hello, World</a:t>
+              <a:t>– Hello, World</a:t>
             </a:r>
             <a:endParaRPr lang="en-US" dirty="0">
               <a:solidFill>
@@ -19318,7 +19388,7 @@
         <p:spPr>
           <a:xfrm>
             <a:off x="3275856" y="3209667"/>
-            <a:ext cx="5089535" cy="1415772"/>
+            <a:ext cx="5729261" cy="2277547"/>
           </a:xfrm>
           <a:prstGeom prst="rect">
             <a:avLst/>
@@ -19332,7 +19402,7 @@
           <a:p>
             <a:r>
               <a:rPr lang="en-US" altLang="ko-KR" sz="1600" dirty="0" smtClean="0"/>
-              <a:t>&lt;supports-screens /&gt;</a:t>
+              <a:t>&lt;uses-permission /&gt;</a:t>
             </a:r>
           </a:p>
           <a:p>
@@ -19341,7 +19411,30 @@
           <a:p>
             <a:r>
               <a:rPr lang="ko-KR" altLang="en-US" sz="1400" dirty="0" smtClean="0"/>
-              <a:t>애플리케이션이 지원하는 화면을 나타내는 요소이다</a:t>
+              <a:t>인터넷을 사용하거나 </a:t>
+            </a:r>
+            <a:r>
+              <a:rPr lang="en-US" altLang="ko-KR" sz="1400" dirty="0" smtClean="0"/>
+              <a:t>SD </a:t>
+            </a:r>
+            <a:r>
+              <a:rPr lang="ko-KR" altLang="en-US" sz="1400" dirty="0" smtClean="0"/>
+              <a:t>카드를 읽어나 하는 등의 모든 작업은</a:t>
+            </a:r>
+            <a:endParaRPr lang="en-US" altLang="ko-KR" sz="1400" dirty="0" smtClean="0"/>
+          </a:p>
+          <a:p>
+            <a:r>
+              <a:rPr lang="ko-KR" altLang="en-US" sz="1400" dirty="0" smtClean="0"/>
+              <a:t>권한이 필요하며</a:t>
+            </a:r>
+            <a:r>
+              <a:rPr lang="en-US" altLang="ko-KR" sz="1400" dirty="0" smtClean="0"/>
+              <a:t>, </a:t>
+            </a:r>
+            <a:r>
+              <a:rPr lang="ko-KR" altLang="en-US" sz="1400" dirty="0" smtClean="0"/>
+              <a:t>이러한 권한을 여기에 정의해야 한다</a:t>
             </a:r>
             <a:r>
               <a:rPr lang="en-US" altLang="ko-KR" sz="1400" dirty="0" smtClean="0"/>
@@ -19349,39 +19442,51 @@
             </a:r>
           </a:p>
           <a:p>
+            <a:endParaRPr lang="en-US" altLang="ko-KR" sz="1400" dirty="0"/>
+          </a:p>
+          <a:p>
+            <a:r>
+              <a:rPr lang="ko-KR" altLang="en-US" sz="1400" dirty="0" smtClean="0"/>
+              <a:t>예를 들어 인터넷을 사용해야 한다면</a:t>
+            </a:r>
             <a:endParaRPr lang="en-US" altLang="ko-KR" sz="1400" dirty="0" smtClean="0"/>
           </a:p>
           <a:p>
+            <a:endParaRPr lang="en-US" altLang="ko-KR" sz="1400" dirty="0"/>
+          </a:p>
+          <a:p>
+            <a:r>
+              <a:rPr lang="en-US" altLang="ko-KR" sz="1400" dirty="0" smtClean="0"/>
+              <a:t>&lt;uses-permission </a:t>
+            </a:r>
             <a:r>
               <a:rPr lang="en-US" altLang="ko-KR" sz="1400" dirty="0" err="1" smtClean="0"/>
-              <a:t>requiresSmallestWidthDp</a:t>
+              <a:t>android:name</a:t>
             </a:r>
             <a:r>
               <a:rPr lang="en-US" altLang="ko-KR" sz="1400" dirty="0" smtClean="0"/>
-              <a:t> : </a:t>
-            </a:r>
+              <a:t>=“</a:t>
+            </a:r>
+            <a:r>
+              <a:rPr lang="en-US" altLang="ko-KR" sz="1400" dirty="0" err="1" smtClean="0"/>
+              <a:t>android.permission.INTERNET</a:t>
+            </a:r>
+            <a:r>
+              <a:rPr lang="en-US" altLang="ko-KR" sz="1400" dirty="0" smtClean="0"/>
+              <a:t>” /&gt;</a:t>
+            </a:r>
+          </a:p>
+          <a:p>
+            <a:endParaRPr lang="en-US" altLang="ko-KR" sz="1400" dirty="0" smtClean="0"/>
+          </a:p>
+          <a:p>
             <a:r>
               <a:rPr lang="ko-KR" altLang="en-US" sz="1400" dirty="0" smtClean="0"/>
-              <a:t>최소 가로 크기를 제한할 수 있다</a:t>
-            </a:r>
-            <a:r>
-              <a:rPr lang="en-US" altLang="ko-KR" sz="1400" dirty="0" smtClean="0"/>
-              <a:t>.</a:t>
-            </a:r>
-            <a:endParaRPr lang="en-US" altLang="ko-KR" sz="1400" dirty="0"/>
-          </a:p>
-          <a:p>
-            <a:r>
-              <a:rPr lang="en-US" altLang="ko-KR" sz="1400" dirty="0" err="1" smtClean="0"/>
-              <a:t>largestWidthLimitDp</a:t>
-            </a:r>
-            <a:r>
-              <a:rPr lang="en-US" altLang="ko-KR" sz="1400" dirty="0" smtClean="0"/>
-              <a:t> : </a:t>
-            </a:r>
-            <a:r>
-              <a:rPr lang="ko-KR" altLang="en-US" sz="1400" dirty="0" smtClean="0"/>
-              <a:t>최대 가로 크기를 제한할 수 있다</a:t>
+              <a:t>을 </a:t>
+            </a:r>
+            <a:r>
+              <a:rPr lang="ko-KR" altLang="en-US" sz="1400" dirty="0" err="1" smtClean="0"/>
+              <a:t>추가해야한다</a:t>
             </a:r>
             <a:r>
               <a:rPr lang="en-US" altLang="ko-KR" sz="1400" dirty="0" smtClean="0"/>
@@ -19393,7 +19498,7 @@
     </p:spTree>
     <p:extLst>
       <p:ext uri="{BB962C8B-B14F-4D97-AF65-F5344CB8AC3E}">
-        <p14:creationId xmlns:p14="http://schemas.microsoft.com/office/powerpoint/2010/main" val="1628818083"/>
+        <p14:creationId xmlns:p14="http://schemas.microsoft.com/office/powerpoint/2010/main" val="1768031468"/>
       </p:ext>
     </p:extLst>
   </p:cSld>
@@ -19518,18 +19623,7 @@
                 <a:ea typeface="나눔고딕 ExtraBold"/>
                 <a:cs typeface="나눔고딕 ExtraBold"/>
               </a:rPr>
-              <a:t>– </a:t>
-            </a:r>
-            <a:r>
-              <a:rPr lang="en-US" altLang="ko-KR" dirty="0" smtClean="0">
-                <a:solidFill>
-                  <a:srgbClr val="7F7F7F"/>
-                </a:solidFill>
-                <a:latin typeface="나눔고딕 ExtraBold"/>
-                <a:ea typeface="나눔고딕 ExtraBold"/>
-                <a:cs typeface="나눔고딕 ExtraBold"/>
-              </a:rPr>
-              <a:t>Hello, World</a:t>
+              <a:t>– Hello, World</a:t>
             </a:r>
             <a:endParaRPr lang="en-US" dirty="0">
               <a:solidFill>
@@ -19971,7 +20065,7 @@
         <p:spPr>
           <a:xfrm>
             <a:off x="3275856" y="3209667"/>
-            <a:ext cx="5365956" cy="1631216"/>
+            <a:ext cx="5089535" cy="1415772"/>
           </a:xfrm>
           <a:prstGeom prst="rect">
             <a:avLst/>
@@ -19985,15 +20079,7 @@
           <a:p>
             <a:r>
               <a:rPr lang="en-US" altLang="ko-KR" sz="1600" dirty="0" smtClean="0"/>
-              <a:t>&lt;uses-</a:t>
-            </a:r>
-            <a:r>
-              <a:rPr lang="en-US" altLang="ko-KR" sz="1600" dirty="0" err="1" smtClean="0"/>
-              <a:t>sdk</a:t>
-            </a:r>
-            <a:r>
-              <a:rPr lang="en-US" altLang="ko-KR" sz="1600" dirty="0" smtClean="0"/>
-              <a:t> /&gt;</a:t>
+              <a:t>&lt;supports-screens /&gt;</a:t>
             </a:r>
           </a:p>
           <a:p>
@@ -20001,8 +20087,21 @@
           </a:p>
           <a:p>
             <a:r>
+              <a:rPr lang="ko-KR" altLang="en-US" sz="1400" dirty="0" smtClean="0"/>
+              <a:t>애플리케이션이 지원하는 화면을 나타내는 요소이다</a:t>
+            </a:r>
+            <a:r>
+              <a:rPr lang="en-US" altLang="ko-KR" sz="1400" dirty="0" smtClean="0"/>
+              <a:t>.</a:t>
+            </a:r>
+          </a:p>
+          <a:p>
+            <a:endParaRPr lang="en-US" altLang="ko-KR" sz="1400" dirty="0" smtClean="0"/>
+          </a:p>
+          <a:p>
+            <a:r>
               <a:rPr lang="en-US" altLang="ko-KR" sz="1400" dirty="0" err="1" smtClean="0"/>
-              <a:t>minSdkVersion</a:t>
+              <a:t>requiresSmallestWidthDp</a:t>
             </a:r>
             <a:r>
               <a:rPr lang="en-US" altLang="ko-KR" sz="1400" dirty="0" smtClean="0"/>
@@ -20010,30 +20109,18 @@
             </a:r>
             <a:r>
               <a:rPr lang="ko-KR" altLang="en-US" sz="1400" dirty="0" smtClean="0"/>
-              <a:t>애플리케이션을 실행하기 위해 필요한 최소 </a:t>
-            </a:r>
-            <a:r>
-              <a:rPr lang="en-US" altLang="ko-KR" sz="1400" dirty="0" smtClean="0"/>
-              <a:t>API</a:t>
-            </a:r>
-          </a:p>
-          <a:p>
-            <a:r>
-              <a:rPr lang="ko-KR" altLang="en-US" sz="1400" dirty="0" smtClean="0"/>
-              <a:t>버전을 지정하는 속성이다</a:t>
+              <a:t>최소 가로 크기를 제한할 수 있다</a:t>
             </a:r>
             <a:r>
               <a:rPr lang="en-US" altLang="ko-KR" sz="1400" dirty="0" smtClean="0"/>
               <a:t>.</a:t>
             </a:r>
-          </a:p>
-          <a:p>
             <a:endParaRPr lang="en-US" altLang="ko-KR" sz="1400" dirty="0"/>
           </a:p>
           <a:p>
             <a:r>
               <a:rPr lang="en-US" altLang="ko-KR" sz="1400" dirty="0" err="1" smtClean="0"/>
-              <a:t>targetSdkVersion</a:t>
+              <a:t>largestWidthLimitDp</a:t>
             </a:r>
             <a:r>
               <a:rPr lang="en-US" altLang="ko-KR" sz="1400" dirty="0" smtClean="0"/>
@@ -20041,22 +20128,7 @@
             </a:r>
             <a:r>
               <a:rPr lang="ko-KR" altLang="en-US" sz="1400" dirty="0" smtClean="0"/>
-              <a:t>애플리케이션을 개발한 대상 </a:t>
-            </a:r>
-            <a:r>
-              <a:rPr lang="en-US" altLang="ko-KR" sz="1400" dirty="0" smtClean="0"/>
-              <a:t>API </a:t>
-            </a:r>
-            <a:r>
-              <a:rPr lang="ko-KR" altLang="en-US" sz="1400" dirty="0" smtClean="0"/>
-              <a:t>레벨을</a:t>
-            </a:r>
-            <a:endParaRPr lang="en-US" altLang="ko-KR" sz="1400" dirty="0" smtClean="0"/>
-          </a:p>
-          <a:p>
-            <a:r>
-              <a:rPr lang="ko-KR" altLang="en-US" sz="1400" dirty="0" smtClean="0"/>
-              <a:t>지정하는 속성이다</a:t>
+              <a:t>최대 가로 크기를 제한할 수 있다</a:t>
             </a:r>
             <a:r>
               <a:rPr lang="en-US" altLang="ko-KR" sz="1400" dirty="0" smtClean="0"/>
@@ -20193,18 +20265,7 @@
                 <a:ea typeface="나눔고딕 ExtraBold"/>
                 <a:cs typeface="나눔고딕 ExtraBold"/>
               </a:rPr>
-              <a:t>– </a:t>
-            </a:r>
-            <a:r>
-              <a:rPr lang="en-US" altLang="ko-KR" dirty="0" smtClean="0">
-                <a:solidFill>
-                  <a:srgbClr val="7F7F7F"/>
-                </a:solidFill>
-                <a:latin typeface="나눔고딕 ExtraBold"/>
-                <a:ea typeface="나눔고딕 ExtraBold"/>
-                <a:cs typeface="나눔고딕 ExtraBold"/>
-              </a:rPr>
-              <a:t>Hello, World</a:t>
+              <a:t>– Hello, World</a:t>
             </a:r>
             <a:endParaRPr lang="en-US" dirty="0">
               <a:solidFill>
@@ -20646,7 +20707,7 @@
         <p:spPr>
           <a:xfrm>
             <a:off x="3275856" y="3209667"/>
-            <a:ext cx="5944256" cy="1631216"/>
+            <a:ext cx="5365956" cy="1631216"/>
           </a:xfrm>
           <a:prstGeom prst="rect">
             <a:avLst/>
@@ -20660,7 +20721,15 @@
           <a:p>
             <a:r>
               <a:rPr lang="en-US" altLang="ko-KR" sz="1600" dirty="0" smtClean="0"/>
-              <a:t>&lt;application /&gt;</a:t>
+              <a:t>&lt;uses-</a:t>
+            </a:r>
+            <a:r>
+              <a:rPr lang="en-US" altLang="ko-KR" sz="1600" dirty="0" err="1" smtClean="0"/>
+              <a:t>sdk</a:t>
+            </a:r>
+            <a:r>
+              <a:rPr lang="en-US" altLang="ko-KR" sz="1600" dirty="0" smtClean="0"/>
+              <a:t> /&gt;</a:t>
             </a:r>
           </a:p>
           <a:p>
@@ -20668,16 +20737,26 @@
           </a:p>
           <a:p>
             <a:r>
+              <a:rPr lang="en-US" altLang="ko-KR" sz="1400" dirty="0" err="1" smtClean="0"/>
+              <a:t>minSdkVersion</a:t>
+            </a:r>
+            <a:r>
+              <a:rPr lang="en-US" altLang="ko-KR" sz="1400" dirty="0" smtClean="0"/>
+              <a:t> : </a:t>
+            </a:r>
+            <a:r>
               <a:rPr lang="ko-KR" altLang="en-US" sz="1400" dirty="0" smtClean="0"/>
-              <a:t>애플리케이션의 아이콘이나 이름</a:t>
+              <a:t>애플리케이션을 실행하기 위해 필요한 최소 </a:t>
             </a:r>
             <a:r>
               <a:rPr lang="en-US" altLang="ko-KR" sz="1400" dirty="0" smtClean="0"/>
-              <a:t>, </a:t>
-            </a:r>
+              <a:t>API</a:t>
+            </a:r>
+          </a:p>
+          <a:p>
             <a:r>
               <a:rPr lang="ko-KR" altLang="en-US" sz="1400" dirty="0" smtClean="0"/>
-              <a:t>테마 등을 설정하는 요소이다</a:t>
+              <a:t>버전을 지정하는 속성이다</a:t>
             </a:r>
             <a:r>
               <a:rPr lang="en-US" altLang="ko-KR" sz="1400" dirty="0" smtClean="0"/>
@@ -20689,40 +20768,36 @@
           </a:p>
           <a:p>
             <a:r>
+              <a:rPr lang="en-US" altLang="ko-KR" sz="1400" dirty="0" err="1" smtClean="0"/>
+              <a:t>targetSdkVersion</a:t>
+            </a:r>
+            <a:r>
               <a:rPr lang="en-US" altLang="ko-KR" sz="1400" dirty="0" smtClean="0"/>
-              <a:t>icon :    </a:t>
+              <a:t> : </a:t>
             </a:r>
             <a:r>
               <a:rPr lang="ko-KR" altLang="en-US" sz="1400" dirty="0" smtClean="0"/>
-              <a:t>아이콘을 설정하는 속성</a:t>
+              <a:t>애플리케이션을 개발한 대상 </a:t>
+            </a:r>
+            <a:r>
+              <a:rPr lang="en-US" altLang="ko-KR" sz="1400" dirty="0" smtClean="0"/>
+              <a:t>API </a:t>
+            </a:r>
+            <a:r>
+              <a:rPr lang="ko-KR" altLang="en-US" sz="1400" dirty="0" smtClean="0"/>
+              <a:t>레벨을</a:t>
             </a:r>
             <a:endParaRPr lang="en-US" altLang="ko-KR" sz="1400" dirty="0" smtClean="0"/>
           </a:p>
           <a:p>
             <a:r>
+              <a:rPr lang="ko-KR" altLang="en-US" sz="1400" dirty="0" smtClean="0"/>
+              <a:t>지정하는 속성이다</a:t>
+            </a:r>
+            <a:r>
               <a:rPr lang="en-US" altLang="ko-KR" sz="1400" dirty="0" smtClean="0"/>
-              <a:t>label :   </a:t>
-            </a:r>
-            <a:r>
-              <a:rPr lang="ko-KR" altLang="en-US" sz="1400" dirty="0" smtClean="0"/>
-              <a:t>애플리케이션 이름을 설정하는 속성</a:t>
-            </a:r>
-            <a:endParaRPr lang="en-US" altLang="ko-KR" sz="1400" dirty="0" smtClean="0"/>
-          </a:p>
-          <a:p>
-            <a:r>
-              <a:rPr lang="en-US" altLang="ko-KR" sz="1400" dirty="0" smtClean="0"/>
-              <a:t>theme : </a:t>
-            </a:r>
-            <a:r>
-              <a:rPr lang="ko-KR" altLang="en-US" sz="1400" dirty="0" err="1" smtClean="0"/>
-              <a:t>안드로이드</a:t>
-            </a:r>
-            <a:r>
-              <a:rPr lang="ko-KR" altLang="en-US" sz="1400" dirty="0" smtClean="0"/>
-              <a:t> 애플리케이션 전체에 적용할 테마를 지정하는 속성</a:t>
-            </a:r>
-            <a:endParaRPr lang="en-US" altLang="ko-KR" sz="1400" dirty="0"/>
+              <a:t>.</a:t>
+            </a:r>
           </a:p>
         </p:txBody>
       </p:sp>
@@ -20854,18 +20929,7 @@
                 <a:ea typeface="나눔고딕 ExtraBold"/>
                 <a:cs typeface="나눔고딕 ExtraBold"/>
               </a:rPr>
-              <a:t>– </a:t>
-            </a:r>
-            <a:r>
-              <a:rPr lang="en-US" altLang="ko-KR" dirty="0" smtClean="0">
-                <a:solidFill>
-                  <a:srgbClr val="7F7F7F"/>
-                </a:solidFill>
-                <a:latin typeface="나눔고딕 ExtraBold"/>
-                <a:ea typeface="나눔고딕 ExtraBold"/>
-                <a:cs typeface="나눔고딕 ExtraBold"/>
-              </a:rPr>
-              <a:t>Hello, World</a:t>
+              <a:t>– Hello, World</a:t>
             </a:r>
             <a:endParaRPr lang="en-US" dirty="0">
               <a:solidFill>
@@ -21307,7 +21371,7 @@
         <p:spPr>
           <a:xfrm>
             <a:off x="3275856" y="3209667"/>
-            <a:ext cx="5415265" cy="2062103"/>
+            <a:ext cx="5944256" cy="1631216"/>
           </a:xfrm>
           <a:prstGeom prst="rect">
             <a:avLst/>
@@ -21329,12 +21393,16 @@
           </a:p>
           <a:p>
             <a:r>
+              <a:rPr lang="ko-KR" altLang="en-US" sz="1400" dirty="0" smtClean="0"/>
+              <a:t>애플리케이션의 아이콘이나 이름</a:t>
+            </a:r>
+            <a:r>
               <a:rPr lang="en-US" altLang="ko-KR" sz="1400" dirty="0" smtClean="0"/>
-              <a:t>Application </a:t>
+              <a:t>, </a:t>
             </a:r>
             <a:r>
               <a:rPr lang="ko-KR" altLang="en-US" sz="1400" dirty="0" smtClean="0"/>
-              <a:t>속성 내부에는 다음과 같은 요소들을 선언할 수 있다</a:t>
+              <a:t>테마 등을 설정하는 요소이다</a:t>
             </a:r>
             <a:r>
               <a:rPr lang="en-US" altLang="ko-KR" sz="1400" dirty="0" smtClean="0"/>
@@ -21347,75 +21415,37 @@
           <a:p>
             <a:r>
               <a:rPr lang="en-US" altLang="ko-KR" sz="1400" dirty="0" smtClean="0"/>
-              <a:t>&lt;activity&gt;        </a:t>
+              <a:t>icon :    </a:t>
+            </a:r>
+            <a:r>
+              <a:rPr lang="ko-KR" altLang="en-US" sz="1400" dirty="0" smtClean="0"/>
+              <a:t>아이콘을 설정하는 속성</a:t>
+            </a:r>
+            <a:endParaRPr lang="en-US" altLang="ko-KR" sz="1400" dirty="0" smtClean="0"/>
+          </a:p>
+          <a:p>
+            <a:r>
+              <a:rPr lang="en-US" altLang="ko-KR" sz="1400" dirty="0" smtClean="0"/>
+              <a:t>label :   </a:t>
+            </a:r>
+            <a:r>
+              <a:rPr lang="ko-KR" altLang="en-US" sz="1400" dirty="0" smtClean="0"/>
+              <a:t>애플리케이션 이름을 설정하는 속성</a:t>
+            </a:r>
+            <a:endParaRPr lang="en-US" altLang="ko-KR" sz="1400" dirty="0" smtClean="0"/>
+          </a:p>
+          <a:p>
+            <a:r>
+              <a:rPr lang="en-US" altLang="ko-KR" sz="1400" dirty="0" smtClean="0"/>
+              <a:t>theme : </a:t>
             </a:r>
             <a:r>
               <a:rPr lang="ko-KR" altLang="en-US" sz="1400" dirty="0" err="1" smtClean="0"/>
-              <a:t>액티비티</a:t>
+              <a:t>안드로이드</a:t>
             </a:r>
             <a:r>
               <a:rPr lang="ko-KR" altLang="en-US" sz="1400" dirty="0" smtClean="0"/>
-              <a:t> 선언</a:t>
-            </a:r>
-            <a:endParaRPr lang="en-US" altLang="ko-KR" sz="1400" dirty="0" smtClean="0"/>
-          </a:p>
-          <a:p>
-            <a:r>
-              <a:rPr lang="en-US" altLang="ko-KR" sz="1400" dirty="0" smtClean="0"/>
-              <a:t>&lt;service&gt;        </a:t>
-            </a:r>
-            <a:r>
-              <a:rPr lang="ko-KR" altLang="en-US" sz="1400" dirty="0" smtClean="0"/>
-              <a:t>서비스 선언</a:t>
-            </a:r>
-            <a:endParaRPr lang="en-US" altLang="ko-KR" sz="1400" dirty="0" smtClean="0"/>
-          </a:p>
-          <a:p>
-            <a:r>
-              <a:rPr lang="en-US" altLang="ko-KR" sz="1400" dirty="0" smtClean="0"/>
-              <a:t>&lt;receiver&gt;       </a:t>
-            </a:r>
-            <a:r>
-              <a:rPr lang="ko-KR" altLang="en-US" sz="1400" dirty="0" err="1" smtClean="0"/>
-              <a:t>브로드캐스트</a:t>
-            </a:r>
-            <a:r>
-              <a:rPr lang="ko-KR" altLang="en-US" sz="1400" dirty="0" smtClean="0"/>
-              <a:t> 리시버 선언</a:t>
-            </a:r>
-            <a:endParaRPr lang="en-US" altLang="ko-KR" sz="1400" dirty="0" smtClean="0"/>
-          </a:p>
-          <a:p>
-            <a:r>
-              <a:rPr lang="en-US" altLang="ko-KR" sz="1400" dirty="0" smtClean="0"/>
-              <a:t>&lt;provider&gt;      </a:t>
-            </a:r>
-            <a:r>
-              <a:rPr lang="ko-KR" altLang="en-US" sz="1400" dirty="0" smtClean="0"/>
-              <a:t>콘텐트 </a:t>
-            </a:r>
-            <a:r>
-              <a:rPr lang="ko-KR" altLang="en-US" sz="1400" dirty="0" err="1" smtClean="0"/>
-              <a:t>프로바이더</a:t>
-            </a:r>
-            <a:r>
-              <a:rPr lang="ko-KR" altLang="en-US" sz="1400" dirty="0" smtClean="0"/>
-              <a:t> 선언</a:t>
-            </a:r>
-            <a:endParaRPr lang="en-US" altLang="ko-KR" sz="1400" dirty="0" smtClean="0"/>
-          </a:p>
-          <a:p>
-            <a:r>
-              <a:rPr lang="en-US" altLang="ko-KR" sz="1400" dirty="0" smtClean="0"/>
-              <a:t>&lt;users-library&gt; </a:t>
-            </a:r>
-            <a:r>
-              <a:rPr lang="ko-KR" altLang="en-US" sz="1400" dirty="0" err="1" smtClean="0"/>
-              <a:t>구글맵</a:t>
-            </a:r>
-            <a:r>
-              <a:rPr lang="ko-KR" altLang="en-US" sz="1400" dirty="0" smtClean="0"/>
-              <a:t> 같은 라이브러리 사용 선언</a:t>
+              <a:t> 애플리케이션 전체에 적용할 테마를 지정하는 속성</a:t>
             </a:r>
             <a:endParaRPr lang="en-US" altLang="ko-KR" sz="1400" dirty="0"/>
           </a:p>
@@ -21424,7 +21454,7 @@
     </p:spTree>
     <p:extLst>
       <p:ext uri="{BB962C8B-B14F-4D97-AF65-F5344CB8AC3E}">
-        <p14:creationId xmlns:p14="http://schemas.microsoft.com/office/powerpoint/2010/main" val="1732547536"/>
+        <p14:creationId xmlns:p14="http://schemas.microsoft.com/office/powerpoint/2010/main" val="1628818083"/>
       </p:ext>
     </p:extLst>
   </p:cSld>
@@ -21549,18 +21579,7 @@
                 <a:ea typeface="나눔고딕 ExtraBold"/>
                 <a:cs typeface="나눔고딕 ExtraBold"/>
               </a:rPr>
-              <a:t>– </a:t>
-            </a:r>
-            <a:r>
-              <a:rPr lang="en-US" altLang="ko-KR" dirty="0" smtClean="0">
-                <a:solidFill>
-                  <a:srgbClr val="7F7F7F"/>
-                </a:solidFill>
-                <a:latin typeface="나눔고딕 ExtraBold"/>
-                <a:ea typeface="나눔고딕 ExtraBold"/>
-                <a:cs typeface="나눔고딕 ExtraBold"/>
-              </a:rPr>
-              <a:t>Hello, World</a:t>
+              <a:t>– Hello, World</a:t>
             </a:r>
             <a:endParaRPr lang="en-US" dirty="0">
               <a:solidFill>
@@ -21749,8 +21768,8 @@
         </p:nvSpPr>
         <p:spPr>
           <a:xfrm>
-            <a:off x="1680807" y="3284985"/>
-            <a:ext cx="7322838" cy="707886"/>
+            <a:off x="1680807" y="1847726"/>
+            <a:ext cx="7242304" cy="584775"/>
           </a:xfrm>
           <a:prstGeom prst="rect">
             <a:avLst/>
@@ -21764,7 +21783,7 @@
           <a:lstStyle/>
           <a:p>
             <a:r>
-              <a:rPr lang="ko-KR" altLang="en-US" sz="4000" dirty="0" smtClean="0">
+              <a:rPr lang="ko-KR" altLang="en-US" sz="3200" dirty="0" smtClean="0">
                 <a:solidFill>
                   <a:srgbClr val="7F7F7F"/>
                 </a:solidFill>
@@ -21772,21 +21791,31 @@
                 <a:ea typeface="나눔고딕 ExtraBold"/>
                 <a:cs typeface="나눔고딕 ExtraBold"/>
               </a:rPr>
-              <a:t>지금부터는 실습으로 함께해요 </a:t>
-            </a:r>
-            <a:r>
-              <a:rPr lang="en-US" altLang="ko-KR" sz="4000" dirty="0" smtClean="0">
+              <a:t>좌측에 있는 </a:t>
+            </a:r>
+            <a:r>
+              <a:rPr lang="en-US" altLang="ko-KR" sz="3200" dirty="0" smtClean="0">
                 <a:solidFill>
                   <a:srgbClr val="7F7F7F"/>
                 </a:solidFill>
                 <a:latin typeface="나눔고딕 ExtraBold"/>
                 <a:ea typeface="나눔고딕 ExtraBold"/>
                 <a:cs typeface="나눔고딕 ExtraBold"/>
-                <a:sym typeface="Wingdings" pitchFamily="2" charset="2"/>
-              </a:rPr>
-              <a:t></a:t>
-            </a:r>
-            <a:endParaRPr lang="en-US" sz="4000" dirty="0">
+              </a:rPr>
+              <a:t>Package Explorer</a:t>
+            </a:r>
+            <a:r>
+              <a:rPr lang="ko-KR" altLang="en-US" sz="3200" dirty="0" smtClean="0">
+                <a:solidFill>
+                  <a:srgbClr val="7F7F7F"/>
+                </a:solidFill>
+                <a:latin typeface="나눔고딕 ExtraBold"/>
+                <a:ea typeface="나눔고딕 ExtraBold"/>
+                <a:cs typeface="나눔고딕 ExtraBold"/>
+              </a:rPr>
+              <a:t>를 보세요</a:t>
+            </a:r>
+            <a:endParaRPr lang="en-US" sz="3200" dirty="0">
               <a:solidFill>
                 <a:srgbClr val="7F7F7F"/>
               </a:solidFill>
@@ -21805,7 +21834,7 @@
         </p:nvCxnSpPr>
         <p:spPr>
           <a:xfrm>
-            <a:off x="1599235" y="3284984"/>
+            <a:off x="1599235" y="1847725"/>
             <a:ext cx="7416623" cy="0"/>
           </a:xfrm>
           <a:prstGeom prst="line">
@@ -21835,10 +21864,281 @@
           </a:fontRef>
         </p:style>
       </p:cxnSp>
+      <p:pic>
+        <p:nvPicPr>
+          <p:cNvPr id="7170" name="Picture 2"/>
+          <p:cNvPicPr>
+            <a:picLocks noChangeAspect="1" noChangeArrowheads="1"/>
+          </p:cNvPicPr>
+          <p:nvPr/>
+        </p:nvPicPr>
+        <p:blipFill>
+          <a:blip r:embed="rId4">
+            <a:extLst>
+              <a:ext uri="{28A0092B-C50C-407E-A947-70E740481C1C}">
+                <a14:useLocalDpi xmlns:a14="http://schemas.microsoft.com/office/drawing/2010/main" val="0"/>
+              </a:ext>
+            </a:extLst>
+          </a:blip>
+          <a:srcRect/>
+          <a:stretch>
+            <a:fillRect/>
+          </a:stretch>
+        </p:blipFill>
+        <p:spPr bwMode="auto">
+          <a:xfrm>
+            <a:off x="683568" y="2564904"/>
+            <a:ext cx="2341349" cy="3492674"/>
+          </a:xfrm>
+          <a:prstGeom prst="rect">
+            <a:avLst/>
+          </a:prstGeom>
+          <a:noFill/>
+          <a:ln>
+            <a:noFill/>
+          </a:ln>
+          <a:effectLst/>
+          <a:extLst>
+            <a:ext uri="{909E8E84-426E-40DD-AFC4-6F175D3DCCD1}">
+              <a14:hiddenFill xmlns:a14="http://schemas.microsoft.com/office/drawing/2010/main">
+                <a:solidFill>
+                  <a:schemeClr val="accent1"/>
+                </a:solidFill>
+              </a14:hiddenFill>
+            </a:ext>
+            <a:ext uri="{91240B29-F687-4F45-9708-019B960494DF}">
+              <a14:hiddenLine xmlns:a14="http://schemas.microsoft.com/office/drawing/2010/main" w="9525">
+                <a:solidFill>
+                  <a:schemeClr val="tx1"/>
+                </a:solidFill>
+                <a:miter lim="800000"/>
+                <a:headEnd/>
+                <a:tailEnd/>
+              </a14:hiddenLine>
+            </a:ext>
+            <a:ext uri="{AF507438-7753-43E0-B8FC-AC1667EBCBE1}">
+              <a14:hiddenEffects xmlns:a14="http://schemas.microsoft.com/office/drawing/2010/main">
+                <a:effectLst>
+                  <a:outerShdw dist="35921" dir="2700000" algn="ctr" rotWithShape="0">
+                    <a:schemeClr val="bg2"/>
+                  </a:outerShdw>
+                </a:effectLst>
+              </a14:hiddenEffects>
+            </a:ext>
+          </a:extLst>
+        </p:spPr>
+      </p:pic>
+      <p:pic>
+        <p:nvPicPr>
+          <p:cNvPr id="10" name="그림 9"/>
+          <p:cNvPicPr>
+            <a:picLocks noChangeAspect="1"/>
+          </p:cNvPicPr>
+          <p:nvPr/>
+        </p:nvPicPr>
+        <p:blipFill>
+          <a:blip r:embed="rId5">
+            <a:extLst>
+              <a:ext uri="{28A0092B-C50C-407E-A947-70E740481C1C}">
+                <a14:useLocalDpi xmlns:a14="http://schemas.microsoft.com/office/drawing/2010/main" val="0"/>
+              </a:ext>
+            </a:extLst>
+          </a:blip>
+          <a:stretch>
+            <a:fillRect/>
+          </a:stretch>
+        </p:blipFill>
+        <p:spPr>
+          <a:xfrm>
+            <a:off x="3416692" y="2598451"/>
+            <a:ext cx="550618" cy="579600"/>
+          </a:xfrm>
+          <a:prstGeom prst="rect">
+            <a:avLst/>
+          </a:prstGeom>
+        </p:spPr>
+      </p:pic>
+      <p:sp>
+        <p:nvSpPr>
+          <p:cNvPr id="20" name="TextBox 19"/>
+          <p:cNvSpPr txBox="1"/>
+          <p:nvPr/>
+        </p:nvSpPr>
+        <p:spPr>
+          <a:xfrm>
+            <a:off x="4033673" y="2525017"/>
+            <a:ext cx="3400067" cy="646331"/>
+          </a:xfrm>
+          <a:prstGeom prst="rect">
+            <a:avLst/>
+          </a:prstGeom>
+          <a:noFill/>
+        </p:spPr>
+        <p:txBody>
+          <a:bodyPr wrap="square" rtlCol="0">
+            <a:spAutoFit/>
+          </a:bodyPr>
+          <a:lstStyle/>
+          <a:p>
+            <a:pPr marL="0" lvl="1">
+              <a:lnSpc>
+                <a:spcPct val="150000"/>
+              </a:lnSpc>
+            </a:pPr>
+            <a:r>
+              <a:rPr lang="en-US" altLang="ko-KR" sz="2400" b="1" dirty="0" smtClean="0">
+                <a:solidFill>
+                  <a:schemeClr val="bg2">
+                    <a:lumMod val="25000"/>
+                  </a:schemeClr>
+                </a:solidFill>
+                <a:latin typeface="나눔고딕"/>
+                <a:ea typeface="나눔고딕"/>
+                <a:cs typeface="나눔고딕"/>
+              </a:rPr>
+              <a:t>AndroidManifest.xml</a:t>
+            </a:r>
+            <a:endParaRPr lang="en-US" altLang="ko-KR" sz="2400" b="1" dirty="0">
+              <a:solidFill>
+                <a:schemeClr val="tx1">
+                  <a:lumMod val="50000"/>
+                  <a:lumOff val="50000"/>
+                </a:schemeClr>
+              </a:solidFill>
+              <a:latin typeface="나눔고딕"/>
+              <a:ea typeface="나눔고딕"/>
+              <a:cs typeface="나눔고딕"/>
+            </a:endParaRPr>
+          </a:p>
+        </p:txBody>
+      </p:sp>
+      <p:sp>
+        <p:nvSpPr>
+          <p:cNvPr id="22" name="직사각형 21"/>
+          <p:cNvSpPr/>
+          <p:nvPr/>
+        </p:nvSpPr>
+        <p:spPr>
+          <a:xfrm>
+            <a:off x="3275856" y="3209667"/>
+            <a:ext cx="5415265" cy="2062103"/>
+          </a:xfrm>
+          <a:prstGeom prst="rect">
+            <a:avLst/>
+          </a:prstGeom>
+        </p:spPr>
+        <p:txBody>
+          <a:bodyPr wrap="none">
+            <a:spAutoFit/>
+          </a:bodyPr>
+          <a:lstStyle/>
+          <a:p>
+            <a:r>
+              <a:rPr lang="en-US" altLang="ko-KR" sz="1600" dirty="0" smtClean="0"/>
+              <a:t>&lt;application /&gt;</a:t>
+            </a:r>
+          </a:p>
+          <a:p>
+            <a:endParaRPr lang="en-US" altLang="ko-KR" sz="1400" dirty="0" smtClean="0"/>
+          </a:p>
+          <a:p>
+            <a:r>
+              <a:rPr lang="en-US" altLang="ko-KR" sz="1400" dirty="0" smtClean="0"/>
+              <a:t>Application </a:t>
+            </a:r>
+            <a:r>
+              <a:rPr lang="ko-KR" altLang="en-US" sz="1400" dirty="0" smtClean="0"/>
+              <a:t>속성 내부에는 다음과 같은 요소들을 선언할 수 있다</a:t>
+            </a:r>
+            <a:r>
+              <a:rPr lang="en-US" altLang="ko-KR" sz="1400" dirty="0" smtClean="0"/>
+              <a:t>.</a:t>
+            </a:r>
+          </a:p>
+          <a:p>
+            <a:endParaRPr lang="en-US" altLang="ko-KR" sz="1400" dirty="0"/>
+          </a:p>
+          <a:p>
+            <a:r>
+              <a:rPr lang="en-US" altLang="ko-KR" sz="1400" dirty="0" smtClean="0"/>
+              <a:t>&lt;activity&gt;        </a:t>
+            </a:r>
+            <a:r>
+              <a:rPr lang="ko-KR" altLang="en-US" sz="1400" dirty="0" err="1" smtClean="0"/>
+              <a:t>액티비티</a:t>
+            </a:r>
+            <a:r>
+              <a:rPr lang="ko-KR" altLang="en-US" sz="1400" dirty="0" smtClean="0"/>
+              <a:t> 선언</a:t>
+            </a:r>
+            <a:endParaRPr lang="en-US" altLang="ko-KR" sz="1400" dirty="0" smtClean="0"/>
+          </a:p>
+          <a:p>
+            <a:r>
+              <a:rPr lang="en-US" altLang="ko-KR" sz="1400" dirty="0" smtClean="0"/>
+              <a:t>&lt;service&gt;        </a:t>
+            </a:r>
+            <a:r>
+              <a:rPr lang="ko-KR" altLang="en-US" sz="1400" dirty="0" smtClean="0"/>
+              <a:t>서비스 선언</a:t>
+            </a:r>
+            <a:endParaRPr lang="en-US" altLang="ko-KR" sz="1400" dirty="0" smtClean="0"/>
+          </a:p>
+          <a:p>
+            <a:r>
+              <a:rPr lang="en-US" altLang="ko-KR" sz="1400" dirty="0" smtClean="0"/>
+              <a:t>&lt;receiver&gt;       </a:t>
+            </a:r>
+            <a:r>
+              <a:rPr lang="ko-KR" altLang="en-US" sz="1400" dirty="0" err="1" smtClean="0"/>
+              <a:t>브로드캐스트</a:t>
+            </a:r>
+            <a:r>
+              <a:rPr lang="ko-KR" altLang="en-US" sz="1400" dirty="0" smtClean="0"/>
+              <a:t> 리시버 선언</a:t>
+            </a:r>
+            <a:endParaRPr lang="en-US" altLang="ko-KR" sz="1400" dirty="0" smtClean="0"/>
+          </a:p>
+          <a:p>
+            <a:r>
+              <a:rPr lang="en-US" altLang="ko-KR" sz="1400" dirty="0" smtClean="0"/>
+              <a:t>&lt;provider&gt;      </a:t>
+            </a:r>
+            <a:r>
+              <a:rPr lang="ko-KR" altLang="en-US" sz="1400" dirty="0" smtClean="0"/>
+              <a:t>콘텐트 </a:t>
+            </a:r>
+            <a:r>
+              <a:rPr lang="ko-KR" altLang="en-US" sz="1400" dirty="0" err="1" smtClean="0"/>
+              <a:t>프로바이더</a:t>
+            </a:r>
+            <a:r>
+              <a:rPr lang="ko-KR" altLang="en-US" sz="1400" dirty="0" smtClean="0"/>
+              <a:t> 선언</a:t>
+            </a:r>
+            <a:endParaRPr lang="en-US" altLang="ko-KR" sz="1400" dirty="0" smtClean="0"/>
+          </a:p>
+          <a:p>
+            <a:r>
+              <a:rPr lang="en-US" altLang="ko-KR" sz="1400" dirty="0" smtClean="0"/>
+              <a:t>&lt;users-library&gt; </a:t>
+            </a:r>
+            <a:r>
+              <a:rPr lang="ko-KR" altLang="en-US" sz="1400" dirty="0" err="1" smtClean="0"/>
+              <a:t>구글맵</a:t>
+            </a:r>
+            <a:r>
+              <a:rPr lang="ko-KR" altLang="en-US" sz="1400" dirty="0" smtClean="0"/>
+              <a:t> 같은 라이브러리 사용 선언</a:t>
+            </a:r>
+            <a:endParaRPr lang="en-US" altLang="ko-KR" sz="1400" dirty="0"/>
+          </a:p>
+        </p:txBody>
+      </p:sp>
     </p:spTree>
     <p:extLst>
       <p:ext uri="{BB962C8B-B14F-4D97-AF65-F5344CB8AC3E}">
-        <p14:creationId xmlns:p14="http://schemas.microsoft.com/office/powerpoint/2010/main" val="1283746400"/>
+        <p14:creationId xmlns:p14="http://schemas.microsoft.com/office/powerpoint/2010/main" val="1732547536"/>
       </p:ext>
     </p:extLst>
   </p:cSld>
@@ -21963,18 +22263,7 @@
                 <a:ea typeface="나눔고딕 ExtraBold"/>
                 <a:cs typeface="나눔고딕 ExtraBold"/>
               </a:rPr>
-              <a:t>– </a:t>
-            </a:r>
-            <a:r>
-              <a:rPr lang="en-US" altLang="ko-KR" dirty="0" smtClean="0">
-                <a:solidFill>
-                  <a:srgbClr val="7F7F7F"/>
-                </a:solidFill>
-                <a:latin typeface="나눔고딕 ExtraBold"/>
-                <a:ea typeface="나눔고딕 ExtraBold"/>
-                <a:cs typeface="나눔고딕 ExtraBold"/>
-              </a:rPr>
-              <a:t>Hello, World</a:t>
+              <a:t>– Hello, World</a:t>
             </a:r>
             <a:endParaRPr lang="en-US" dirty="0">
               <a:solidFill>
@@ -22164,6 +22453,302 @@
         <p:spPr>
           <a:xfrm>
             <a:off x="1680807" y="3284985"/>
+            <a:ext cx="7322838" cy="707886"/>
+          </a:xfrm>
+          <a:prstGeom prst="rect">
+            <a:avLst/>
+          </a:prstGeom>
+          <a:noFill/>
+        </p:spPr>
+        <p:txBody>
+          <a:bodyPr wrap="none" rtlCol="0">
+            <a:spAutoFit/>
+          </a:bodyPr>
+          <a:lstStyle/>
+          <a:p>
+            <a:r>
+              <a:rPr lang="ko-KR" altLang="en-US" sz="4000" dirty="0" smtClean="0">
+                <a:solidFill>
+                  <a:srgbClr val="7F7F7F"/>
+                </a:solidFill>
+                <a:latin typeface="나눔고딕 ExtraBold"/>
+                <a:ea typeface="나눔고딕 ExtraBold"/>
+                <a:cs typeface="나눔고딕 ExtraBold"/>
+              </a:rPr>
+              <a:t>지금부터는 실습으로 함께해요 </a:t>
+            </a:r>
+            <a:r>
+              <a:rPr lang="en-US" altLang="ko-KR" sz="4000" dirty="0" smtClean="0">
+                <a:solidFill>
+                  <a:srgbClr val="7F7F7F"/>
+                </a:solidFill>
+                <a:latin typeface="나눔고딕 ExtraBold"/>
+                <a:ea typeface="나눔고딕 ExtraBold"/>
+                <a:cs typeface="나눔고딕 ExtraBold"/>
+                <a:sym typeface="Wingdings" pitchFamily="2" charset="2"/>
+              </a:rPr>
+              <a:t></a:t>
+            </a:r>
+            <a:endParaRPr lang="en-US" sz="4000" dirty="0">
+              <a:solidFill>
+                <a:srgbClr val="7F7F7F"/>
+              </a:solidFill>
+              <a:latin typeface="나눔고딕 ExtraBold"/>
+              <a:ea typeface="나눔고딕 ExtraBold"/>
+              <a:cs typeface="나눔고딕 ExtraBold"/>
+            </a:endParaRPr>
+          </a:p>
+        </p:txBody>
+      </p:sp>
+      <p:cxnSp>
+        <p:nvCxnSpPr>
+          <p:cNvPr id="14" name="Straight Connector 2"/>
+          <p:cNvCxnSpPr/>
+          <p:nvPr/>
+        </p:nvCxnSpPr>
+        <p:spPr>
+          <a:xfrm>
+            <a:off x="1599235" y="3284984"/>
+            <a:ext cx="7416623" cy="0"/>
+          </a:xfrm>
+          <a:prstGeom prst="line">
+            <a:avLst/>
+          </a:prstGeom>
+          <a:ln w="38100" cmpd="sng">
+            <a:solidFill>
+              <a:schemeClr val="bg1">
+                <a:lumMod val="50000"/>
+              </a:schemeClr>
+            </a:solidFill>
+          </a:ln>
+          <a:effectLst/>
+        </p:spPr>
+        <p:style>
+          <a:lnRef idx="2">
+            <a:schemeClr val="accent1"/>
+          </a:lnRef>
+          <a:fillRef idx="0">
+            <a:schemeClr val="accent1"/>
+          </a:fillRef>
+          <a:effectRef idx="1">
+            <a:schemeClr val="accent1"/>
+          </a:effectRef>
+          <a:fontRef idx="minor">
+            <a:schemeClr val="tx1"/>
+          </a:fontRef>
+        </p:style>
+      </p:cxnSp>
+    </p:spTree>
+    <p:extLst>
+      <p:ext uri="{BB962C8B-B14F-4D97-AF65-F5344CB8AC3E}">
+        <p14:creationId xmlns:p14="http://schemas.microsoft.com/office/powerpoint/2010/main" val="1283746400"/>
+      </p:ext>
+    </p:extLst>
+  </p:cSld>
+  <p:clrMapOvr>
+    <a:masterClrMapping/>
+  </p:clrMapOvr>
+  <p:timing>
+    <p:tnLst>
+      <p:par>
+        <p:cTn id="1" dur="indefinite" restart="never" nodeType="tmRoot"/>
+      </p:par>
+    </p:tnLst>
+  </p:timing>
+</p:sld>
+</file>
+
+<file path=ppt/slides/slide36.xml><?xml version="1.0" encoding="utf-8"?>
+<p:sld xmlns:a="http://schemas.openxmlformats.org/drawingml/2006/main" xmlns:r="http://schemas.openxmlformats.org/officeDocument/2006/relationships" xmlns:p="http://schemas.openxmlformats.org/presentationml/2006/main">
+  <p:cSld>
+    <p:spTree>
+      <p:nvGrpSpPr>
+        <p:cNvPr id="1" name=""/>
+        <p:cNvGrpSpPr/>
+        <p:nvPr/>
+      </p:nvGrpSpPr>
+      <p:grpSpPr>
+        <a:xfrm>
+          <a:off x="0" y="0"/>
+          <a:ext cx="0" cy="0"/>
+          <a:chOff x="0" y="0"/>
+          <a:chExt cx="0" cy="0"/>
+        </a:xfrm>
+      </p:grpSpPr>
+      <p:grpSp>
+        <p:nvGrpSpPr>
+          <p:cNvPr id="15" name="그룹 14"/>
+          <p:cNvGrpSpPr/>
+          <p:nvPr/>
+        </p:nvGrpSpPr>
+        <p:grpSpPr>
+          <a:xfrm>
+            <a:off x="7092280" y="83285"/>
+            <a:ext cx="2192430" cy="665433"/>
+            <a:chOff x="1617431" y="2396892"/>
+            <a:chExt cx="5719711" cy="1736009"/>
+          </a:xfrm>
+        </p:grpSpPr>
+        <p:sp>
+          <p:nvSpPr>
+            <p:cNvPr id="16" name="TextBox 15"/>
+            <p:cNvSpPr txBox="1"/>
+            <p:nvPr/>
+          </p:nvSpPr>
+          <p:spPr>
+            <a:xfrm>
+              <a:off x="1617431" y="3481262"/>
+              <a:ext cx="5719711" cy="481764"/>
+            </a:xfrm>
+            <a:prstGeom prst="rect">
+              <a:avLst/>
+            </a:prstGeom>
+            <a:noFill/>
+          </p:spPr>
+          <p:txBody>
+            <a:bodyPr wrap="square" rtlCol="0">
+              <a:spAutoFit/>
+            </a:bodyPr>
+            <a:lstStyle/>
+            <a:p>
+              <a:pPr algn="ctr"/>
+              <a:r>
+                <a:rPr lang="en-US" altLang="ko-KR" sz="600" b="1" dirty="0" smtClean="0">
+                  <a:solidFill>
+                    <a:schemeClr val="tx1">
+                      <a:lumMod val="85000"/>
+                      <a:lumOff val="15000"/>
+                    </a:schemeClr>
+                  </a:solidFill>
+                  <a:latin typeface="+mj-lt"/>
+                  <a:ea typeface="휴먼모음T" pitchFamily="18" charset="-127"/>
+                </a:rPr>
+                <a:t>Samsung Software Membership Seminar #1-1</a:t>
+              </a:r>
+              <a:endParaRPr lang="ko-KR" altLang="en-US" sz="600" b="1" dirty="0">
+                <a:solidFill>
+                  <a:schemeClr val="tx1">
+                    <a:lumMod val="85000"/>
+                    <a:lumOff val="15000"/>
+                  </a:schemeClr>
+                </a:solidFill>
+                <a:latin typeface="+mj-lt"/>
+                <a:ea typeface="휴먼모음T" pitchFamily="18" charset="-127"/>
+              </a:endParaRPr>
+            </a:p>
+          </p:txBody>
+        </p:sp>
+        <p:pic>
+          <p:nvPicPr>
+            <p:cNvPr id="17" name="Picture 2" descr="C:\Users\Jake\Desktop\ssm_logo.gif"/>
+            <p:cNvPicPr>
+              <a:picLocks noChangeAspect="1" noChangeArrowheads="1"/>
+            </p:cNvPicPr>
+            <p:nvPr/>
+          </p:nvPicPr>
+          <p:blipFill>
+            <a:blip r:embed="rId2" cstate="print">
+              <a:extLst>
+                <a:ext uri="{28A0092B-C50C-407E-A947-70E740481C1C}">
+                  <a14:useLocalDpi xmlns:a14="http://schemas.microsoft.com/office/drawing/2010/main" val="0"/>
+                </a:ext>
+              </a:extLst>
+            </a:blip>
+            <a:srcRect/>
+            <a:stretch>
+              <a:fillRect/>
+            </a:stretch>
+          </p:blipFill>
+          <p:spPr bwMode="auto">
+            <a:xfrm>
+              <a:off x="4367848" y="3974119"/>
+              <a:ext cx="408300" cy="158782"/>
+            </a:xfrm>
+            <a:prstGeom prst="rect">
+              <a:avLst/>
+            </a:prstGeom>
+            <a:noFill/>
+            <a:extLst>
+              <a:ext uri="{909E8E84-426E-40DD-AFC4-6F175D3DCCD1}">
+                <a14:hiddenFill xmlns:a14="http://schemas.microsoft.com/office/drawing/2010/main">
+                  <a:solidFill>
+                    <a:srgbClr val="FFFFFF"/>
+                  </a:solidFill>
+                </a14:hiddenFill>
+              </a:ext>
+            </a:extLst>
+          </p:spPr>
+        </p:pic>
+        <p:pic>
+          <p:nvPicPr>
+            <p:cNvPr id="18" name="그림 17"/>
+            <p:cNvPicPr>
+              <a:picLocks noChangeAspect="1"/>
+            </p:cNvPicPr>
+            <p:nvPr/>
+          </p:nvPicPr>
+          <p:blipFill>
+            <a:blip r:embed="rId3" cstate="print">
+              <a:extLst>
+                <a:ext uri="{28A0092B-C50C-407E-A947-70E740481C1C}">
+                  <a14:useLocalDpi xmlns:a14="http://schemas.microsoft.com/office/drawing/2010/main" val="0"/>
+                </a:ext>
+              </a:extLst>
+            </a:blip>
+            <a:stretch>
+              <a:fillRect/>
+            </a:stretch>
+          </p:blipFill>
+          <p:spPr>
+            <a:xfrm>
+              <a:off x="2508250" y="2396892"/>
+              <a:ext cx="4127500" cy="1031875"/>
+            </a:xfrm>
+            <a:prstGeom prst="rect">
+              <a:avLst/>
+            </a:prstGeom>
+          </p:spPr>
+        </p:pic>
+        <p:cxnSp>
+          <p:nvCxnSpPr>
+            <p:cNvPr id="19" name="직선 연결선 18"/>
+            <p:cNvCxnSpPr/>
+            <p:nvPr/>
+          </p:nvCxnSpPr>
+          <p:spPr>
+            <a:xfrm>
+              <a:off x="2229594" y="3428767"/>
+              <a:ext cx="4604949" cy="0"/>
+            </a:xfrm>
+            <a:prstGeom prst="line">
+              <a:avLst/>
+            </a:prstGeom>
+          </p:spPr>
+          <p:style>
+            <a:lnRef idx="1">
+              <a:schemeClr val="dk1"/>
+            </a:lnRef>
+            <a:fillRef idx="0">
+              <a:schemeClr val="dk1"/>
+            </a:fillRef>
+            <a:effectRef idx="0">
+              <a:schemeClr val="dk1"/>
+            </a:effectRef>
+            <a:fontRef idx="minor">
+              <a:schemeClr val="tx1"/>
+            </a:fontRef>
+          </p:style>
+        </p:cxnSp>
+      </p:grpSp>
+      <p:sp>
+        <p:nvSpPr>
+          <p:cNvPr id="13" name="TextBox 12"/>
+          <p:cNvSpPr txBox="1"/>
+          <p:nvPr/>
+        </p:nvSpPr>
+        <p:spPr>
+          <a:xfrm>
+            <a:off x="1680807" y="3284985"/>
             <a:ext cx="3911648" cy="1200329"/>
           </a:xfrm>
           <a:prstGeom prst="rect">
@@ -22258,7 +22843,7 @@
 </p:sld>
 </file>
 
-<file path=ppt/slides/slide36.xml><?xml version="1.0" encoding="utf-8"?>
+<file path=ppt/slides/slide37.xml><?xml version="1.0" encoding="utf-8"?>
 <p:sld xmlns:a="http://schemas.openxmlformats.org/drawingml/2006/main" xmlns:r="http://schemas.openxmlformats.org/officeDocument/2006/relationships" xmlns:p="http://schemas.openxmlformats.org/presentationml/2006/main">
   <p:cSld>
     <p:spTree>
@@ -22284,7 +22869,7 @@
         <p:spPr>
           <a:xfrm>
             <a:off x="241161" y="417949"/>
-            <a:ext cx="3792513" cy="0"/>
+            <a:ext cx="1162487" cy="0"/>
           </a:xfrm>
           <a:prstGeom prst="line">
             <a:avLst/>
@@ -22322,7 +22907,7 @@
         <p:spPr>
           <a:xfrm>
             <a:off x="241161" y="469922"/>
-            <a:ext cx="3792513" cy="369332"/>
+            <a:ext cx="1114408" cy="369332"/>
           </a:xfrm>
           <a:prstGeom prst="rect">
             <a:avLst/>
@@ -22336,48 +22921,18 @@
           <a:lstStyle/>
           <a:p>
             <a:r>
-              <a:rPr lang="en-US" altLang="ko-KR" dirty="0" smtClean="0">
-                <a:solidFill>
-                  <a:srgbClr val="7F7F7F"/>
+              <a:rPr lang="ko-KR" altLang="en-US" dirty="0" smtClean="0">
+                <a:solidFill>
+                  <a:schemeClr val="tx1">
+                    <a:lumMod val="50000"/>
+                    <a:lumOff val="50000"/>
+                  </a:schemeClr>
                 </a:solidFill>
                 <a:latin typeface="나눔고딕 ExtraBold"/>
                 <a:ea typeface="나눔고딕 ExtraBold"/>
                 <a:cs typeface="나눔고딕 ExtraBold"/>
               </a:rPr>
-              <a:t>5. 1</a:t>
-            </a:r>
-            <a:r>
-              <a:rPr lang="ko-KR" altLang="en-US" dirty="0" smtClean="0">
-                <a:solidFill>
-                  <a:srgbClr val="7F7F7F"/>
-                </a:solidFill>
-                <a:latin typeface="나눔고딕 ExtraBold"/>
-                <a:ea typeface="나눔고딕 ExtraBold"/>
-                <a:cs typeface="나눔고딕 ExtraBold"/>
-              </a:rPr>
-              <a:t>일차 세미나 시작 </a:t>
-            </a:r>
-            <a:r>
-              <a:rPr lang="en-US" altLang="ko-KR" dirty="0" smtClean="0">
-                <a:solidFill>
-                  <a:srgbClr val="7F7F7F"/>
-                </a:solidFill>
-                <a:latin typeface="나눔고딕 ExtraBold"/>
-                <a:ea typeface="나눔고딕 ExtraBold"/>
-                <a:cs typeface="나눔고딕 ExtraBold"/>
-              </a:rPr>
-              <a:t>– </a:t>
-            </a:r>
-            <a:r>
-              <a:rPr lang="en-US" altLang="ko-KR" dirty="0" smtClean="0">
-                <a:solidFill>
-                  <a:srgbClr val="7F7F7F"/>
-                </a:solidFill>
-                <a:latin typeface="나눔고딕 ExtraBold"/>
-                <a:ea typeface="나눔고딕 ExtraBold"/>
-                <a:cs typeface="나눔고딕 ExtraBold"/>
-              </a:rPr>
-              <a:t>Hello, World</a:t>
+              <a:t>숙제 안내</a:t>
             </a:r>
             <a:endParaRPr lang="en-US" dirty="0">
               <a:solidFill>
@@ -22866,7 +23421,7 @@
 </p:sld>
 </file>
 
-<file path=ppt/slides/slide37.xml><?xml version="1.0" encoding="utf-8"?>
+<file path=ppt/slides/slide38.xml><?xml version="1.0" encoding="utf-8"?>
 <p:sld xmlns:a="http://schemas.openxmlformats.org/drawingml/2006/main" xmlns:r="http://schemas.openxmlformats.org/officeDocument/2006/relationships" xmlns:p="http://schemas.openxmlformats.org/presentationml/2006/main">
   <p:cSld>
     <p:spTree>
@@ -22883,124 +23438,6 @@
           <a:chExt cx="0" cy="0"/>
         </a:xfrm>
       </p:grpSpPr>
-      <p:cxnSp>
-        <p:nvCxnSpPr>
-          <p:cNvPr id="2" name="Straight Connector 1"/>
-          <p:cNvCxnSpPr/>
-          <p:nvPr/>
-        </p:nvCxnSpPr>
-        <p:spPr>
-          <a:xfrm>
-            <a:off x="241161" y="417949"/>
-            <a:ext cx="3792513" cy="0"/>
-          </a:xfrm>
-          <a:prstGeom prst="line">
-            <a:avLst/>
-          </a:prstGeom>
-          <a:ln w="38100" cmpd="sng">
-            <a:solidFill>
-              <a:schemeClr val="bg1">
-                <a:lumMod val="50000"/>
-              </a:schemeClr>
-            </a:solidFill>
-          </a:ln>
-          <a:effectLst/>
-        </p:spPr>
-        <p:style>
-          <a:lnRef idx="2">
-            <a:schemeClr val="accent1"/>
-          </a:lnRef>
-          <a:fillRef idx="0">
-            <a:schemeClr val="accent1"/>
-          </a:fillRef>
-          <a:effectRef idx="1">
-            <a:schemeClr val="accent1"/>
-          </a:effectRef>
-          <a:fontRef idx="minor">
-            <a:schemeClr val="tx1"/>
-          </a:fontRef>
-        </p:style>
-      </p:cxnSp>
-      <p:sp>
-        <p:nvSpPr>
-          <p:cNvPr id="3" name="TextBox 2"/>
-          <p:cNvSpPr txBox="1"/>
-          <p:nvPr/>
-        </p:nvSpPr>
-        <p:spPr>
-          <a:xfrm>
-            <a:off x="241161" y="469922"/>
-            <a:ext cx="3792513" cy="369332"/>
-          </a:xfrm>
-          <a:prstGeom prst="rect">
-            <a:avLst/>
-          </a:prstGeom>
-          <a:noFill/>
-        </p:spPr>
-        <p:txBody>
-          <a:bodyPr wrap="none" rtlCol="0">
-            <a:spAutoFit/>
-          </a:bodyPr>
-          <a:lstStyle/>
-          <a:p>
-            <a:r>
-              <a:rPr lang="en-US" altLang="ko-KR" dirty="0" smtClean="0">
-                <a:solidFill>
-                  <a:srgbClr val="7F7F7F"/>
-                </a:solidFill>
-                <a:latin typeface="나눔고딕 ExtraBold"/>
-                <a:ea typeface="나눔고딕 ExtraBold"/>
-                <a:cs typeface="나눔고딕 ExtraBold"/>
-              </a:rPr>
-              <a:t>5. 1</a:t>
-            </a:r>
-            <a:r>
-              <a:rPr lang="ko-KR" altLang="en-US" dirty="0" smtClean="0">
-                <a:solidFill>
-                  <a:srgbClr val="7F7F7F"/>
-                </a:solidFill>
-                <a:latin typeface="나눔고딕 ExtraBold"/>
-                <a:ea typeface="나눔고딕 ExtraBold"/>
-                <a:cs typeface="나눔고딕 ExtraBold"/>
-              </a:rPr>
-              <a:t>일차 세미나 시작 </a:t>
-            </a:r>
-            <a:r>
-              <a:rPr lang="en-US" altLang="ko-KR" dirty="0" smtClean="0">
-                <a:solidFill>
-                  <a:srgbClr val="7F7F7F"/>
-                </a:solidFill>
-                <a:latin typeface="나눔고딕 ExtraBold"/>
-                <a:ea typeface="나눔고딕 ExtraBold"/>
-                <a:cs typeface="나눔고딕 ExtraBold"/>
-              </a:rPr>
-              <a:t>– </a:t>
-            </a:r>
-            <a:r>
-              <a:rPr lang="en-US" altLang="ko-KR" dirty="0" smtClean="0">
-                <a:solidFill>
-                  <a:srgbClr val="7F7F7F"/>
-                </a:solidFill>
-                <a:latin typeface="나눔고딕 ExtraBold"/>
-                <a:ea typeface="나눔고딕 ExtraBold"/>
-                <a:cs typeface="나눔고딕 ExtraBold"/>
-              </a:rPr>
-              <a:t>Hello, World</a:t>
-            </a:r>
-            <a:endParaRPr lang="en-US" dirty="0">
-              <a:solidFill>
-                <a:schemeClr val="tx1">
-                  <a:lumMod val="50000"/>
-                  <a:lumOff val="50000"/>
-                </a:schemeClr>
-              </a:solidFill>
-              <a:latin typeface="나눔고딕 ExtraBold"/>
-              <a:ea typeface="나눔고딕 ExtraBold"/>
-              <a:cs typeface="나눔고딕 ExtraBold"/>
-            </a:endParaRPr>
-          </a:p>
-        </p:txBody>
-      </p:sp>
       <p:grpSp>
         <p:nvGrpSpPr>
           <p:cNvPr id="15" name="그룹 14"/>
@@ -23279,7 +23716,7 @@
 </p:sld>
 </file>
 
-<file path=ppt/slides/slide38.xml><?xml version="1.0" encoding="utf-8"?>
+<file path=ppt/slides/slide39.xml><?xml version="1.0" encoding="utf-8"?>
 <p:sld xmlns:a="http://schemas.openxmlformats.org/drawingml/2006/main" xmlns:r="http://schemas.openxmlformats.org/officeDocument/2006/relationships" xmlns:p="http://schemas.openxmlformats.org/presentationml/2006/main">
   <p:cSld>
     <p:spTree>
@@ -23382,136 +23819,6 @@
     <p:extLst>
       <p:ext uri="{BB962C8B-B14F-4D97-AF65-F5344CB8AC3E}">
         <p14:creationId xmlns:p14="http://schemas.microsoft.com/office/powerpoint/2010/main" val="3871156397"/>
-      </p:ext>
-    </p:extLst>
-  </p:cSld>
-  <p:clrMapOvr>
-    <a:masterClrMapping/>
-  </p:clrMapOvr>
-  <p:timing>
-    <p:tnLst>
-      <p:par>
-        <p:cTn id="1" dur="indefinite" restart="never" nodeType="tmRoot"/>
-      </p:par>
-    </p:tnLst>
-  </p:timing>
-</p:sld>
-</file>
-
-<file path=ppt/slides/slide39.xml><?xml version="1.0" encoding="utf-8"?>
-<p:sld xmlns:a="http://schemas.openxmlformats.org/drawingml/2006/main" xmlns:r="http://schemas.openxmlformats.org/officeDocument/2006/relationships" xmlns:p="http://schemas.openxmlformats.org/presentationml/2006/main">
-  <p:cSld>
-    <p:spTree>
-      <p:nvGrpSpPr>
-        <p:cNvPr id="1" name=""/>
-        <p:cNvGrpSpPr/>
-        <p:nvPr/>
-      </p:nvGrpSpPr>
-      <p:grpSpPr>
-        <a:xfrm>
-          <a:off x="0" y="0"/>
-          <a:ext cx="0" cy="0"/>
-          <a:chOff x="0" y="0"/>
-          <a:chExt cx="0" cy="0"/>
-        </a:xfrm>
-      </p:grpSpPr>
-      <p:sp>
-        <p:nvSpPr>
-          <p:cNvPr id="2" name="TextBox 1"/>
-          <p:cNvSpPr txBox="1"/>
-          <p:nvPr/>
-        </p:nvSpPr>
-        <p:spPr>
-          <a:xfrm>
-            <a:off x="899592" y="3134626"/>
-            <a:ext cx="6006773" cy="1107996"/>
-          </a:xfrm>
-          <a:prstGeom prst="rect">
-            <a:avLst/>
-          </a:prstGeom>
-          <a:noFill/>
-        </p:spPr>
-        <p:txBody>
-          <a:bodyPr wrap="none" rtlCol="0">
-            <a:spAutoFit/>
-          </a:bodyPr>
-          <a:lstStyle/>
-          <a:p>
-            <a:r>
-              <a:rPr lang="ko-KR" altLang="en-US" sz="6600" dirty="0" smtClean="0">
-                <a:solidFill>
-                  <a:srgbClr val="7F7F7F"/>
-                </a:solidFill>
-                <a:latin typeface="나눔고딕 ExtraBold"/>
-                <a:ea typeface="나눔고딕 ExtraBold"/>
-                <a:cs typeface="나눔고딕 ExtraBold"/>
-              </a:rPr>
-              <a:t>수고하셨습니다</a:t>
-            </a:r>
-            <a:r>
-              <a:rPr lang="en-US" altLang="ko-KR" sz="6600" dirty="0" smtClean="0">
-                <a:solidFill>
-                  <a:srgbClr val="7F7F7F"/>
-                </a:solidFill>
-                <a:latin typeface="나눔고딕 ExtraBold"/>
-                <a:ea typeface="나눔고딕 ExtraBold"/>
-                <a:cs typeface="나눔고딕 ExtraBold"/>
-              </a:rPr>
-              <a:t>.</a:t>
-            </a:r>
-            <a:endParaRPr lang="en-US" sz="6600" dirty="0">
-              <a:solidFill>
-                <a:srgbClr val="7F7F7F"/>
-              </a:solidFill>
-              <a:latin typeface="나눔고딕 ExtraBold"/>
-              <a:ea typeface="나눔고딕 ExtraBold"/>
-              <a:cs typeface="나눔고딕 ExtraBold"/>
-            </a:endParaRPr>
-          </a:p>
-        </p:txBody>
-      </p:sp>
-      <p:cxnSp>
-        <p:nvCxnSpPr>
-          <p:cNvPr id="3" name="Straight Connector 2"/>
-          <p:cNvCxnSpPr/>
-          <p:nvPr/>
-        </p:nvCxnSpPr>
-        <p:spPr>
-          <a:xfrm>
-            <a:off x="805564" y="3134625"/>
-            <a:ext cx="6214708" cy="0"/>
-          </a:xfrm>
-          <a:prstGeom prst="line">
-            <a:avLst/>
-          </a:prstGeom>
-          <a:ln w="38100" cmpd="sng">
-            <a:solidFill>
-              <a:schemeClr val="bg1">
-                <a:lumMod val="50000"/>
-              </a:schemeClr>
-            </a:solidFill>
-          </a:ln>
-          <a:effectLst/>
-        </p:spPr>
-        <p:style>
-          <a:lnRef idx="2">
-            <a:schemeClr val="accent1"/>
-          </a:lnRef>
-          <a:fillRef idx="0">
-            <a:schemeClr val="accent1"/>
-          </a:fillRef>
-          <a:effectRef idx="1">
-            <a:schemeClr val="accent1"/>
-          </a:effectRef>
-          <a:fontRef idx="minor">
-            <a:schemeClr val="tx1"/>
-          </a:fontRef>
-        </p:style>
-      </p:cxnSp>
-    </p:spTree>
-    <p:extLst>
-      <p:ext uri="{BB962C8B-B14F-4D97-AF65-F5344CB8AC3E}">
-        <p14:creationId xmlns:p14="http://schemas.microsoft.com/office/powerpoint/2010/main" val="478676993"/>
       </p:ext>
     </p:extLst>
   </p:cSld>
@@ -24246,7 +24553,1107 @@
 </p:sld>
 </file>
 
+<file path=ppt/slides/slide40.xml><?xml version="1.0" encoding="utf-8"?>
+<p:sld xmlns:a="http://schemas.openxmlformats.org/drawingml/2006/main" xmlns:r="http://schemas.openxmlformats.org/officeDocument/2006/relationships" xmlns:p="http://schemas.openxmlformats.org/presentationml/2006/main">
+  <p:cSld>
+    <p:spTree>
+      <p:nvGrpSpPr>
+        <p:cNvPr id="1" name=""/>
+        <p:cNvGrpSpPr/>
+        <p:nvPr/>
+      </p:nvGrpSpPr>
+      <p:grpSpPr>
+        <a:xfrm>
+          <a:off x="0" y="0"/>
+          <a:ext cx="0" cy="0"/>
+          <a:chOff x="0" y="0"/>
+          <a:chExt cx="0" cy="0"/>
+        </a:xfrm>
+      </p:grpSpPr>
+      <p:sp>
+        <p:nvSpPr>
+          <p:cNvPr id="2" name="TextBox 1"/>
+          <p:cNvSpPr txBox="1"/>
+          <p:nvPr/>
+        </p:nvSpPr>
+        <p:spPr>
+          <a:xfrm>
+            <a:off x="899592" y="3134626"/>
+            <a:ext cx="6006773" cy="1107996"/>
+          </a:xfrm>
+          <a:prstGeom prst="rect">
+            <a:avLst/>
+          </a:prstGeom>
+          <a:noFill/>
+        </p:spPr>
+        <p:txBody>
+          <a:bodyPr wrap="none" rtlCol="0">
+            <a:spAutoFit/>
+          </a:bodyPr>
+          <a:lstStyle/>
+          <a:p>
+            <a:r>
+              <a:rPr lang="ko-KR" altLang="en-US" sz="6600" dirty="0" smtClean="0">
+                <a:solidFill>
+                  <a:srgbClr val="7F7F7F"/>
+                </a:solidFill>
+                <a:latin typeface="나눔고딕 ExtraBold"/>
+                <a:ea typeface="나눔고딕 ExtraBold"/>
+                <a:cs typeface="나눔고딕 ExtraBold"/>
+              </a:rPr>
+              <a:t>수고하셨습니다</a:t>
+            </a:r>
+            <a:r>
+              <a:rPr lang="en-US" altLang="ko-KR" sz="6600" dirty="0" smtClean="0">
+                <a:solidFill>
+                  <a:srgbClr val="7F7F7F"/>
+                </a:solidFill>
+                <a:latin typeface="나눔고딕 ExtraBold"/>
+                <a:ea typeface="나눔고딕 ExtraBold"/>
+                <a:cs typeface="나눔고딕 ExtraBold"/>
+              </a:rPr>
+              <a:t>.</a:t>
+            </a:r>
+            <a:endParaRPr lang="en-US" sz="6600" dirty="0">
+              <a:solidFill>
+                <a:srgbClr val="7F7F7F"/>
+              </a:solidFill>
+              <a:latin typeface="나눔고딕 ExtraBold"/>
+              <a:ea typeface="나눔고딕 ExtraBold"/>
+              <a:cs typeface="나눔고딕 ExtraBold"/>
+            </a:endParaRPr>
+          </a:p>
+        </p:txBody>
+      </p:sp>
+      <p:cxnSp>
+        <p:nvCxnSpPr>
+          <p:cNvPr id="3" name="Straight Connector 2"/>
+          <p:cNvCxnSpPr/>
+          <p:nvPr/>
+        </p:nvCxnSpPr>
+        <p:spPr>
+          <a:xfrm>
+            <a:off x="805564" y="3134625"/>
+            <a:ext cx="6214708" cy="0"/>
+          </a:xfrm>
+          <a:prstGeom prst="line">
+            <a:avLst/>
+          </a:prstGeom>
+          <a:ln w="38100" cmpd="sng">
+            <a:solidFill>
+              <a:schemeClr val="bg1">
+                <a:lumMod val="50000"/>
+              </a:schemeClr>
+            </a:solidFill>
+          </a:ln>
+          <a:effectLst/>
+        </p:spPr>
+        <p:style>
+          <a:lnRef idx="2">
+            <a:schemeClr val="accent1"/>
+          </a:lnRef>
+          <a:fillRef idx="0">
+            <a:schemeClr val="accent1"/>
+          </a:fillRef>
+          <a:effectRef idx="1">
+            <a:schemeClr val="accent1"/>
+          </a:effectRef>
+          <a:fontRef idx="minor">
+            <a:schemeClr val="tx1"/>
+          </a:fontRef>
+        </p:style>
+      </p:cxnSp>
+    </p:spTree>
+    <p:extLst>
+      <p:ext uri="{BB962C8B-B14F-4D97-AF65-F5344CB8AC3E}">
+        <p14:creationId xmlns:p14="http://schemas.microsoft.com/office/powerpoint/2010/main" val="478676993"/>
+      </p:ext>
+    </p:extLst>
+  </p:cSld>
+  <p:clrMapOvr>
+    <a:masterClrMapping/>
+  </p:clrMapOvr>
+  <p:timing>
+    <p:tnLst>
+      <p:par>
+        <p:cTn id="1" dur="indefinite" restart="never" nodeType="tmRoot"/>
+      </p:par>
+    </p:tnLst>
+  </p:timing>
+</p:sld>
+</file>
+
 <file path=ppt/slides/slide5.xml><?xml version="1.0" encoding="utf-8"?>
+<p:sld xmlns:a="http://schemas.openxmlformats.org/drawingml/2006/main" xmlns:r="http://schemas.openxmlformats.org/officeDocument/2006/relationships" xmlns:p="http://schemas.openxmlformats.org/presentationml/2006/main">
+  <p:cSld>
+    <p:spTree>
+      <p:nvGrpSpPr>
+        <p:cNvPr id="1" name=""/>
+        <p:cNvGrpSpPr/>
+        <p:nvPr/>
+      </p:nvGrpSpPr>
+      <p:grpSpPr>
+        <a:xfrm>
+          <a:off x="0" y="0"/>
+          <a:ext cx="0" cy="0"/>
+          <a:chOff x="0" y="0"/>
+          <a:chExt cx="0" cy="0"/>
+        </a:xfrm>
+      </p:grpSpPr>
+      <p:pic>
+        <p:nvPicPr>
+          <p:cNvPr id="1026" name="Picture 2" descr="C:\Users\sahoo\Desktop\컵케익.jpg"/>
+          <p:cNvPicPr>
+            <a:picLocks noChangeAspect="1" noChangeArrowheads="1"/>
+          </p:cNvPicPr>
+          <p:nvPr/>
+        </p:nvPicPr>
+        <p:blipFill>
+          <a:blip r:embed="rId3" cstate="print">
+            <a:extLst>
+              <a:ext uri="{28A0092B-C50C-407E-A947-70E740481C1C}">
+                <a14:useLocalDpi xmlns:a14="http://schemas.microsoft.com/office/drawing/2010/main" val="0"/>
+              </a:ext>
+            </a:extLst>
+          </a:blip>
+          <a:srcRect/>
+          <a:stretch>
+            <a:fillRect/>
+          </a:stretch>
+        </p:blipFill>
+        <p:spPr bwMode="auto">
+          <a:xfrm>
+            <a:off x="251521" y="1441581"/>
+            <a:ext cx="1680399" cy="1508680"/>
+          </a:xfrm>
+          <a:prstGeom prst="rect">
+            <a:avLst/>
+          </a:prstGeom>
+          <a:noFill/>
+          <a:extLst>
+            <a:ext uri="{909E8E84-426E-40DD-AFC4-6F175D3DCCD1}">
+              <a14:hiddenFill xmlns:a14="http://schemas.microsoft.com/office/drawing/2010/main">
+                <a:solidFill>
+                  <a:srgbClr val="FFFFFF"/>
+                </a:solidFill>
+              </a14:hiddenFill>
+            </a:ext>
+          </a:extLst>
+        </p:spPr>
+      </p:pic>
+      <p:pic>
+        <p:nvPicPr>
+          <p:cNvPr id="1027" name="Picture 3" descr="C:\Users\sahoo\Desktop\도넛.jpg"/>
+          <p:cNvPicPr>
+            <a:picLocks noChangeAspect="1" noChangeArrowheads="1"/>
+          </p:cNvPicPr>
+          <p:nvPr/>
+        </p:nvPicPr>
+        <p:blipFill>
+          <a:blip r:embed="rId4" cstate="print">
+            <a:extLst>
+              <a:ext uri="{28A0092B-C50C-407E-A947-70E740481C1C}">
+                <a14:useLocalDpi xmlns:a14="http://schemas.microsoft.com/office/drawing/2010/main" val="0"/>
+              </a:ext>
+            </a:extLst>
+          </a:blip>
+          <a:srcRect/>
+          <a:stretch>
+            <a:fillRect/>
+          </a:stretch>
+        </p:blipFill>
+        <p:spPr bwMode="auto">
+          <a:xfrm>
+            <a:off x="2130265" y="1441580"/>
+            <a:ext cx="1293573" cy="1216474"/>
+          </a:xfrm>
+          <a:prstGeom prst="rect">
+            <a:avLst/>
+          </a:prstGeom>
+          <a:noFill/>
+          <a:extLst>
+            <a:ext uri="{909E8E84-426E-40DD-AFC4-6F175D3DCCD1}">
+              <a14:hiddenFill xmlns:a14="http://schemas.microsoft.com/office/drawing/2010/main">
+                <a:solidFill>
+                  <a:srgbClr val="FFFFFF"/>
+                </a:solidFill>
+              </a14:hiddenFill>
+            </a:ext>
+          </a:extLst>
+        </p:spPr>
+      </p:pic>
+      <p:pic>
+        <p:nvPicPr>
+          <p:cNvPr id="1028" name="Picture 4" descr="C:\Users\sahoo\Desktop\이클레어.png"/>
+          <p:cNvPicPr>
+            <a:picLocks noChangeAspect="1" noChangeArrowheads="1"/>
+          </p:cNvPicPr>
+          <p:nvPr/>
+        </p:nvPicPr>
+        <p:blipFill>
+          <a:blip r:embed="rId5" cstate="print">
+            <a:extLst>
+              <a:ext uri="{28A0092B-C50C-407E-A947-70E740481C1C}">
+                <a14:useLocalDpi xmlns:a14="http://schemas.microsoft.com/office/drawing/2010/main" val="0"/>
+              </a:ext>
+            </a:extLst>
+          </a:blip>
+          <a:srcRect/>
+          <a:stretch>
+            <a:fillRect/>
+          </a:stretch>
+        </p:blipFill>
+        <p:spPr bwMode="auto">
+          <a:xfrm>
+            <a:off x="3807176" y="1441580"/>
+            <a:ext cx="1695397" cy="1123338"/>
+          </a:xfrm>
+          <a:prstGeom prst="rect">
+            <a:avLst/>
+          </a:prstGeom>
+          <a:noFill/>
+          <a:extLst>
+            <a:ext uri="{909E8E84-426E-40DD-AFC4-6F175D3DCCD1}">
+              <a14:hiddenFill xmlns:a14="http://schemas.microsoft.com/office/drawing/2010/main">
+                <a:solidFill>
+                  <a:srgbClr val="FFFFFF"/>
+                </a:solidFill>
+              </a14:hiddenFill>
+            </a:ext>
+          </a:extLst>
+        </p:spPr>
+      </p:pic>
+      <p:pic>
+        <p:nvPicPr>
+          <p:cNvPr id="1031" name="Picture 7" descr="C:\Users\sahoo\Desktop\프로요.png"/>
+          <p:cNvPicPr>
+            <a:picLocks noChangeAspect="1" noChangeArrowheads="1"/>
+          </p:cNvPicPr>
+          <p:nvPr/>
+        </p:nvPicPr>
+        <p:blipFill>
+          <a:blip r:embed="rId6">
+            <a:extLst>
+              <a:ext uri="{28A0092B-C50C-407E-A947-70E740481C1C}">
+                <a14:useLocalDpi xmlns:a14="http://schemas.microsoft.com/office/drawing/2010/main" val="0"/>
+              </a:ext>
+            </a:extLst>
+          </a:blip>
+          <a:srcRect/>
+          <a:stretch>
+            <a:fillRect/>
+          </a:stretch>
+        </p:blipFill>
+        <p:spPr bwMode="auto">
+          <a:xfrm>
+            <a:off x="5730665" y="1548022"/>
+            <a:ext cx="1530089" cy="1424160"/>
+          </a:xfrm>
+          <a:prstGeom prst="rect">
+            <a:avLst/>
+          </a:prstGeom>
+          <a:noFill/>
+          <a:extLst>
+            <a:ext uri="{909E8E84-426E-40DD-AFC4-6F175D3DCCD1}">
+              <a14:hiddenFill xmlns:a14="http://schemas.microsoft.com/office/drawing/2010/main">
+                <a:solidFill>
+                  <a:srgbClr val="FFFFFF"/>
+                </a:solidFill>
+              </a14:hiddenFill>
+            </a:ext>
+          </a:extLst>
+        </p:spPr>
+      </p:pic>
+      <p:pic>
+        <p:nvPicPr>
+          <p:cNvPr id="1032" name="Picture 8" descr="C:\Users\sahoo\Desktop\진저브레드.jpg"/>
+          <p:cNvPicPr>
+            <a:picLocks noChangeAspect="1" noChangeArrowheads="1"/>
+          </p:cNvPicPr>
+          <p:nvPr/>
+        </p:nvPicPr>
+        <p:blipFill>
+          <a:blip r:embed="rId7" cstate="print">
+            <a:extLst>
+              <a:ext uri="{28A0092B-C50C-407E-A947-70E740481C1C}">
+                <a14:useLocalDpi xmlns:a14="http://schemas.microsoft.com/office/drawing/2010/main" val="0"/>
+              </a:ext>
+            </a:extLst>
+          </a:blip>
+          <a:srcRect/>
+          <a:stretch>
+            <a:fillRect/>
+          </a:stretch>
+        </p:blipFill>
+        <p:spPr bwMode="auto">
+          <a:xfrm>
+            <a:off x="299208" y="3797123"/>
+            <a:ext cx="1608496" cy="1206372"/>
+          </a:xfrm>
+          <a:prstGeom prst="rect">
+            <a:avLst/>
+          </a:prstGeom>
+          <a:noFill/>
+          <a:extLst>
+            <a:ext uri="{909E8E84-426E-40DD-AFC4-6F175D3DCCD1}">
+              <a14:hiddenFill xmlns:a14="http://schemas.microsoft.com/office/drawing/2010/main">
+                <a:solidFill>
+                  <a:srgbClr val="FFFFFF"/>
+                </a:solidFill>
+              </a14:hiddenFill>
+            </a:ext>
+          </a:extLst>
+        </p:spPr>
+      </p:pic>
+      <p:pic>
+        <p:nvPicPr>
+          <p:cNvPr id="1033" name="Picture 9" descr="C:\Users\sahoo\Desktop\허니컴.png"/>
+          <p:cNvPicPr>
+            <a:picLocks noChangeAspect="1" noChangeArrowheads="1"/>
+          </p:cNvPicPr>
+          <p:nvPr/>
+        </p:nvPicPr>
+        <p:blipFill>
+          <a:blip r:embed="rId8" cstate="print">
+            <a:extLst>
+              <a:ext uri="{28A0092B-C50C-407E-A947-70E740481C1C}">
+                <a14:useLocalDpi xmlns:a14="http://schemas.microsoft.com/office/drawing/2010/main" val="0"/>
+              </a:ext>
+            </a:extLst>
+          </a:blip>
+          <a:srcRect/>
+          <a:stretch>
+            <a:fillRect/>
+          </a:stretch>
+        </p:blipFill>
+        <p:spPr bwMode="auto">
+          <a:xfrm>
+            <a:off x="2051720" y="3688229"/>
+            <a:ext cx="1458055" cy="1458055"/>
+          </a:xfrm>
+          <a:prstGeom prst="rect">
+            <a:avLst/>
+          </a:prstGeom>
+          <a:noFill/>
+          <a:extLst>
+            <a:ext uri="{909E8E84-426E-40DD-AFC4-6F175D3DCCD1}">
+              <a14:hiddenFill xmlns:a14="http://schemas.microsoft.com/office/drawing/2010/main">
+                <a:solidFill>
+                  <a:srgbClr val="FFFFFF"/>
+                </a:solidFill>
+              </a14:hiddenFill>
+            </a:ext>
+          </a:extLst>
+        </p:spPr>
+      </p:pic>
+      <p:pic>
+        <p:nvPicPr>
+          <p:cNvPr id="1034" name="Picture 10" descr="C:\Users\sahoo\Desktop\아이스크림샌드위치.jpg"/>
+          <p:cNvPicPr>
+            <a:picLocks noChangeAspect="1" noChangeArrowheads="1"/>
+          </p:cNvPicPr>
+          <p:nvPr/>
+        </p:nvPicPr>
+        <p:blipFill>
+          <a:blip r:embed="rId9" cstate="print">
+            <a:extLst>
+              <a:ext uri="{28A0092B-C50C-407E-A947-70E740481C1C}">
+                <a14:useLocalDpi xmlns:a14="http://schemas.microsoft.com/office/drawing/2010/main" val="0"/>
+              </a:ext>
+            </a:extLst>
+          </a:blip>
+          <a:srcRect/>
+          <a:stretch>
+            <a:fillRect/>
+          </a:stretch>
+        </p:blipFill>
+        <p:spPr bwMode="auto">
+          <a:xfrm>
+            <a:off x="4088938" y="3887274"/>
+            <a:ext cx="1365985" cy="1026070"/>
+          </a:xfrm>
+          <a:prstGeom prst="rect">
+            <a:avLst/>
+          </a:prstGeom>
+          <a:noFill/>
+          <a:extLst>
+            <a:ext uri="{909E8E84-426E-40DD-AFC4-6F175D3DCCD1}">
+              <a14:hiddenFill xmlns:a14="http://schemas.microsoft.com/office/drawing/2010/main">
+                <a:solidFill>
+                  <a:srgbClr val="FFFFFF"/>
+                </a:solidFill>
+              </a14:hiddenFill>
+            </a:ext>
+          </a:extLst>
+        </p:spPr>
+      </p:pic>
+      <p:sp>
+        <p:nvSpPr>
+          <p:cNvPr id="4" name="TextBox 3"/>
+          <p:cNvSpPr txBox="1"/>
+          <p:nvPr/>
+        </p:nvSpPr>
+        <p:spPr>
+          <a:xfrm>
+            <a:off x="529596" y="2950259"/>
+            <a:ext cx="1107996" cy="369332"/>
+          </a:xfrm>
+          <a:prstGeom prst="rect">
+            <a:avLst/>
+          </a:prstGeom>
+          <a:noFill/>
+        </p:spPr>
+        <p:txBody>
+          <a:bodyPr wrap="none" rtlCol="0">
+            <a:spAutoFit/>
+          </a:bodyPr>
+          <a:lstStyle/>
+          <a:p>
+            <a:r>
+              <a:rPr lang="ko-KR" altLang="en-US" b="1" dirty="0" smtClean="0"/>
+              <a:t>컵케이크</a:t>
+            </a:r>
+            <a:endParaRPr lang="ko-KR" altLang="en-US" b="1" dirty="0"/>
+          </a:p>
+        </p:txBody>
+      </p:sp>
+      <p:sp>
+        <p:nvSpPr>
+          <p:cNvPr id="14" name="TextBox 13"/>
+          <p:cNvSpPr txBox="1"/>
+          <p:nvPr/>
+        </p:nvSpPr>
+        <p:spPr>
+          <a:xfrm>
+            <a:off x="2411760" y="2924944"/>
+            <a:ext cx="646331" cy="369332"/>
+          </a:xfrm>
+          <a:prstGeom prst="rect">
+            <a:avLst/>
+          </a:prstGeom>
+          <a:noFill/>
+        </p:spPr>
+        <p:txBody>
+          <a:bodyPr wrap="none" rtlCol="0">
+            <a:spAutoFit/>
+          </a:bodyPr>
+          <a:lstStyle/>
+          <a:p>
+            <a:r>
+              <a:rPr lang="ko-KR" altLang="en-US" b="1" dirty="0" smtClean="0"/>
+              <a:t>도넛</a:t>
+            </a:r>
+            <a:endParaRPr lang="ko-KR" altLang="en-US" b="1" dirty="0"/>
+          </a:p>
+        </p:txBody>
+      </p:sp>
+      <p:sp>
+        <p:nvSpPr>
+          <p:cNvPr id="15" name="TextBox 14"/>
+          <p:cNvSpPr txBox="1"/>
+          <p:nvPr/>
+        </p:nvSpPr>
+        <p:spPr>
+          <a:xfrm>
+            <a:off x="4219545" y="2950259"/>
+            <a:ext cx="1107996" cy="369332"/>
+          </a:xfrm>
+          <a:prstGeom prst="rect">
+            <a:avLst/>
+          </a:prstGeom>
+          <a:noFill/>
+        </p:spPr>
+        <p:txBody>
+          <a:bodyPr wrap="none" rtlCol="0">
+            <a:spAutoFit/>
+          </a:bodyPr>
+          <a:lstStyle/>
+          <a:p>
+            <a:r>
+              <a:rPr lang="ko-KR" altLang="en-US" b="1" dirty="0" err="1" smtClean="0"/>
+              <a:t>이클레어</a:t>
+            </a:r>
+            <a:endParaRPr lang="ko-KR" altLang="en-US" b="1" dirty="0"/>
+          </a:p>
+        </p:txBody>
+      </p:sp>
+      <p:sp>
+        <p:nvSpPr>
+          <p:cNvPr id="16" name="TextBox 15"/>
+          <p:cNvSpPr txBox="1"/>
+          <p:nvPr/>
+        </p:nvSpPr>
+        <p:spPr>
+          <a:xfrm>
+            <a:off x="6293662" y="2972182"/>
+            <a:ext cx="877163" cy="369332"/>
+          </a:xfrm>
+          <a:prstGeom prst="rect">
+            <a:avLst/>
+          </a:prstGeom>
+          <a:noFill/>
+        </p:spPr>
+        <p:txBody>
+          <a:bodyPr wrap="none" rtlCol="0">
+            <a:spAutoFit/>
+          </a:bodyPr>
+          <a:lstStyle/>
+          <a:p>
+            <a:r>
+              <a:rPr lang="ko-KR" altLang="en-US" b="1" dirty="0" smtClean="0"/>
+              <a:t>프로요</a:t>
+            </a:r>
+            <a:endParaRPr lang="ko-KR" altLang="en-US" b="1" dirty="0"/>
+          </a:p>
+        </p:txBody>
+      </p:sp>
+      <p:sp>
+        <p:nvSpPr>
+          <p:cNvPr id="17" name="TextBox 16"/>
+          <p:cNvSpPr txBox="1"/>
+          <p:nvPr/>
+        </p:nvSpPr>
+        <p:spPr>
+          <a:xfrm>
+            <a:off x="394178" y="5080123"/>
+            <a:ext cx="1338828" cy="369332"/>
+          </a:xfrm>
+          <a:prstGeom prst="rect">
+            <a:avLst/>
+          </a:prstGeom>
+          <a:noFill/>
+        </p:spPr>
+        <p:txBody>
+          <a:bodyPr wrap="none" rtlCol="0">
+            <a:spAutoFit/>
+          </a:bodyPr>
+          <a:lstStyle/>
+          <a:p>
+            <a:r>
+              <a:rPr lang="ko-KR" altLang="en-US" b="1" dirty="0" err="1" smtClean="0"/>
+              <a:t>진저브레드</a:t>
+            </a:r>
+            <a:endParaRPr lang="ko-KR" altLang="en-US" b="1" dirty="0"/>
+          </a:p>
+        </p:txBody>
+      </p:sp>
+      <p:sp>
+        <p:nvSpPr>
+          <p:cNvPr id="18" name="TextBox 17"/>
+          <p:cNvSpPr txBox="1"/>
+          <p:nvPr/>
+        </p:nvSpPr>
+        <p:spPr>
+          <a:xfrm>
+            <a:off x="2370732" y="5052071"/>
+            <a:ext cx="877163" cy="369332"/>
+          </a:xfrm>
+          <a:prstGeom prst="rect">
+            <a:avLst/>
+          </a:prstGeom>
+          <a:noFill/>
+        </p:spPr>
+        <p:txBody>
+          <a:bodyPr wrap="none" rtlCol="0">
+            <a:spAutoFit/>
+          </a:bodyPr>
+          <a:lstStyle/>
+          <a:p>
+            <a:r>
+              <a:rPr lang="ko-KR" altLang="en-US" b="1" dirty="0" err="1" smtClean="0"/>
+              <a:t>허니콤</a:t>
+            </a:r>
+            <a:endParaRPr lang="ko-KR" altLang="en-US" b="1" dirty="0"/>
+          </a:p>
+        </p:txBody>
+      </p:sp>
+      <p:sp>
+        <p:nvSpPr>
+          <p:cNvPr id="19" name="TextBox 18"/>
+          <p:cNvSpPr txBox="1"/>
+          <p:nvPr/>
+        </p:nvSpPr>
+        <p:spPr>
+          <a:xfrm>
+            <a:off x="3599974" y="5001103"/>
+            <a:ext cx="2343911" cy="369332"/>
+          </a:xfrm>
+          <a:prstGeom prst="rect">
+            <a:avLst/>
+          </a:prstGeom>
+          <a:noFill/>
+        </p:spPr>
+        <p:txBody>
+          <a:bodyPr wrap="none" rtlCol="0">
+            <a:spAutoFit/>
+          </a:bodyPr>
+          <a:lstStyle/>
+          <a:p>
+            <a:r>
+              <a:rPr lang="ko-KR" altLang="en-US" b="1" dirty="0" smtClean="0"/>
+              <a:t>아이스크림 샌드위치</a:t>
+            </a:r>
+            <a:endParaRPr lang="en-US" altLang="ko-KR" b="1" dirty="0" smtClean="0"/>
+          </a:p>
+        </p:txBody>
+      </p:sp>
+      <p:pic>
+        <p:nvPicPr>
+          <p:cNvPr id="1035" name="Picture 11" descr="C:\Users\sahoo\Desktop\android-jellybean-sized.png"/>
+          <p:cNvPicPr>
+            <a:picLocks noChangeAspect="1" noChangeArrowheads="1"/>
+          </p:cNvPicPr>
+          <p:nvPr/>
+        </p:nvPicPr>
+        <p:blipFill>
+          <a:blip r:embed="rId10" cstate="print">
+            <a:extLst>
+              <a:ext uri="{28A0092B-C50C-407E-A947-70E740481C1C}">
+                <a14:useLocalDpi xmlns:a14="http://schemas.microsoft.com/office/drawing/2010/main" val="0"/>
+              </a:ext>
+            </a:extLst>
+          </a:blip>
+          <a:srcRect/>
+          <a:stretch>
+            <a:fillRect/>
+          </a:stretch>
+        </p:blipFill>
+        <p:spPr bwMode="auto">
+          <a:xfrm>
+            <a:off x="6093556" y="4048671"/>
+            <a:ext cx="1185360" cy="889086"/>
+          </a:xfrm>
+          <a:prstGeom prst="rect">
+            <a:avLst/>
+          </a:prstGeom>
+          <a:noFill/>
+          <a:extLst>
+            <a:ext uri="{909E8E84-426E-40DD-AFC4-6F175D3DCCD1}">
+              <a14:hiddenFill xmlns:a14="http://schemas.microsoft.com/office/drawing/2010/main">
+                <a:solidFill>
+                  <a:srgbClr val="FFFFFF"/>
+                </a:solidFill>
+              </a14:hiddenFill>
+            </a:ext>
+          </a:extLst>
+        </p:spPr>
+      </p:pic>
+      <p:sp>
+        <p:nvSpPr>
+          <p:cNvPr id="21" name="TextBox 20"/>
+          <p:cNvSpPr txBox="1"/>
+          <p:nvPr/>
+        </p:nvSpPr>
+        <p:spPr>
+          <a:xfrm>
+            <a:off x="6228184" y="5080123"/>
+            <a:ext cx="877163" cy="369332"/>
+          </a:xfrm>
+          <a:prstGeom prst="rect">
+            <a:avLst/>
+          </a:prstGeom>
+          <a:noFill/>
+        </p:spPr>
+        <p:txBody>
+          <a:bodyPr wrap="none" rtlCol="0">
+            <a:spAutoFit/>
+          </a:bodyPr>
+          <a:lstStyle/>
+          <a:p>
+            <a:r>
+              <a:rPr lang="ko-KR" altLang="en-US" b="1" dirty="0" err="1" smtClean="0"/>
+              <a:t>젤리빈</a:t>
+            </a:r>
+            <a:endParaRPr lang="en-US" altLang="ko-KR" b="1" dirty="0" smtClean="0"/>
+          </a:p>
+        </p:txBody>
+      </p:sp>
+      <p:pic>
+        <p:nvPicPr>
+          <p:cNvPr id="2" name="Picture 2" descr="C:\Users\sahoo\Desktop\android-44-kitkat.jpg"/>
+          <p:cNvPicPr>
+            <a:picLocks noChangeAspect="1" noChangeArrowheads="1"/>
+          </p:cNvPicPr>
+          <p:nvPr/>
+        </p:nvPicPr>
+        <p:blipFill>
+          <a:blip r:embed="rId11" cstate="print">
+            <a:extLst>
+              <a:ext uri="{28A0092B-C50C-407E-A947-70E740481C1C}">
+                <a14:useLocalDpi xmlns:a14="http://schemas.microsoft.com/office/drawing/2010/main" val="0"/>
+              </a:ext>
+            </a:extLst>
+          </a:blip>
+          <a:srcRect/>
+          <a:stretch>
+            <a:fillRect/>
+          </a:stretch>
+        </p:blipFill>
+        <p:spPr bwMode="auto">
+          <a:xfrm>
+            <a:off x="7712391" y="3768304"/>
+            <a:ext cx="747051" cy="1264010"/>
+          </a:xfrm>
+          <a:prstGeom prst="rect">
+            <a:avLst/>
+          </a:prstGeom>
+          <a:noFill/>
+          <a:extLst>
+            <a:ext uri="{909E8E84-426E-40DD-AFC4-6F175D3DCCD1}">
+              <a14:hiddenFill xmlns:a14="http://schemas.microsoft.com/office/drawing/2010/main">
+                <a:solidFill>
+                  <a:srgbClr val="FFFFFF"/>
+                </a:solidFill>
+              </a14:hiddenFill>
+            </a:ext>
+          </a:extLst>
+        </p:spPr>
+      </p:pic>
+      <p:sp>
+        <p:nvSpPr>
+          <p:cNvPr id="25" name="TextBox 24"/>
+          <p:cNvSpPr txBox="1"/>
+          <p:nvPr/>
+        </p:nvSpPr>
+        <p:spPr>
+          <a:xfrm>
+            <a:off x="7784400" y="5070783"/>
+            <a:ext cx="646331" cy="369332"/>
+          </a:xfrm>
+          <a:prstGeom prst="rect">
+            <a:avLst/>
+          </a:prstGeom>
+          <a:noFill/>
+        </p:spPr>
+        <p:txBody>
+          <a:bodyPr wrap="none" rtlCol="0">
+            <a:spAutoFit/>
+          </a:bodyPr>
+          <a:lstStyle/>
+          <a:p>
+            <a:r>
+              <a:rPr lang="ko-KR" altLang="en-US" b="1" smtClean="0"/>
+              <a:t>킷캣</a:t>
+            </a:r>
+            <a:endParaRPr lang="en-US" altLang="ko-KR" b="1" dirty="0" smtClean="0"/>
+          </a:p>
+        </p:txBody>
+      </p:sp>
+      <p:cxnSp>
+        <p:nvCxnSpPr>
+          <p:cNvPr id="26" name="Straight Connector 1"/>
+          <p:cNvCxnSpPr/>
+          <p:nvPr/>
+        </p:nvCxnSpPr>
+        <p:spPr>
+          <a:xfrm>
+            <a:off x="241161" y="417949"/>
+            <a:ext cx="4033476" cy="0"/>
+          </a:xfrm>
+          <a:prstGeom prst="line">
+            <a:avLst/>
+          </a:prstGeom>
+          <a:ln w="38100" cmpd="sng">
+            <a:solidFill>
+              <a:schemeClr val="bg1">
+                <a:lumMod val="50000"/>
+              </a:schemeClr>
+            </a:solidFill>
+          </a:ln>
+          <a:effectLst/>
+        </p:spPr>
+        <p:style>
+          <a:lnRef idx="2">
+            <a:schemeClr val="accent1"/>
+          </a:lnRef>
+          <a:fillRef idx="0">
+            <a:schemeClr val="accent1"/>
+          </a:fillRef>
+          <a:effectRef idx="1">
+            <a:schemeClr val="accent1"/>
+          </a:effectRef>
+          <a:fontRef idx="minor">
+            <a:schemeClr val="tx1"/>
+          </a:fontRef>
+        </p:style>
+      </p:cxnSp>
+      <p:sp>
+        <p:nvSpPr>
+          <p:cNvPr id="27" name="TextBox 26"/>
+          <p:cNvSpPr txBox="1"/>
+          <p:nvPr/>
+        </p:nvSpPr>
+        <p:spPr>
+          <a:xfrm>
+            <a:off x="241161" y="469922"/>
+            <a:ext cx="3670172" cy="369332"/>
+          </a:xfrm>
+          <a:prstGeom prst="rect">
+            <a:avLst/>
+          </a:prstGeom>
+          <a:noFill/>
+        </p:spPr>
+        <p:txBody>
+          <a:bodyPr wrap="none" rtlCol="0">
+            <a:spAutoFit/>
+          </a:bodyPr>
+          <a:lstStyle/>
+          <a:p>
+            <a:r>
+              <a:rPr lang="en-US" altLang="ko-KR" dirty="0" smtClean="0">
+                <a:solidFill>
+                  <a:srgbClr val="7F7F7F"/>
+                </a:solidFill>
+                <a:latin typeface="나눔고딕 ExtraBold"/>
+                <a:ea typeface="나눔고딕 ExtraBold"/>
+                <a:cs typeface="나눔고딕 ExtraBold"/>
+              </a:rPr>
+              <a:t>2. Android </a:t>
+            </a:r>
+            <a:r>
+              <a:rPr lang="ko-KR" altLang="en-US" dirty="0" smtClean="0">
+                <a:solidFill>
+                  <a:srgbClr val="7F7F7F"/>
+                </a:solidFill>
+                <a:latin typeface="나눔고딕 ExtraBold"/>
+                <a:ea typeface="나눔고딕 ExtraBold"/>
+                <a:cs typeface="나눔고딕 ExtraBold"/>
+              </a:rPr>
+              <a:t>란</a:t>
+            </a:r>
+            <a:r>
+              <a:rPr lang="en-US" altLang="ko-KR" dirty="0" smtClean="0">
+                <a:solidFill>
+                  <a:srgbClr val="7F7F7F"/>
+                </a:solidFill>
+                <a:latin typeface="나눔고딕 ExtraBold"/>
+                <a:ea typeface="나눔고딕 ExtraBold"/>
+                <a:cs typeface="나눔고딕 ExtraBold"/>
+              </a:rPr>
+              <a:t>? – </a:t>
+            </a:r>
+            <a:r>
+              <a:rPr lang="en-US" altLang="ko-KR" dirty="0" err="1" smtClean="0">
+                <a:solidFill>
+                  <a:srgbClr val="7F7F7F"/>
+                </a:solidFill>
+                <a:latin typeface="나눔고딕 ExtraBold"/>
+                <a:ea typeface="나눔고딕 ExtraBold"/>
+                <a:cs typeface="나눔고딕 ExtraBold"/>
+              </a:rPr>
+              <a:t>Andorid</a:t>
+            </a:r>
+            <a:r>
+              <a:rPr lang="en-US" altLang="ko-KR" dirty="0" smtClean="0">
+                <a:solidFill>
+                  <a:srgbClr val="7F7F7F"/>
+                </a:solidFill>
+                <a:latin typeface="나눔고딕 ExtraBold"/>
+                <a:ea typeface="나눔고딕 ExtraBold"/>
+                <a:cs typeface="나눔고딕 ExtraBold"/>
+              </a:rPr>
+              <a:t> Version</a:t>
+            </a:r>
+            <a:endParaRPr lang="en-US" dirty="0">
+              <a:solidFill>
+                <a:schemeClr val="tx1">
+                  <a:lumMod val="50000"/>
+                  <a:lumOff val="50000"/>
+                </a:schemeClr>
+              </a:solidFill>
+              <a:latin typeface="나눔고딕 ExtraBold"/>
+              <a:ea typeface="나눔고딕 ExtraBold"/>
+              <a:cs typeface="나눔고딕 ExtraBold"/>
+            </a:endParaRPr>
+          </a:p>
+        </p:txBody>
+      </p:sp>
+      <p:grpSp>
+        <p:nvGrpSpPr>
+          <p:cNvPr id="28" name="그룹 27"/>
+          <p:cNvGrpSpPr/>
+          <p:nvPr/>
+        </p:nvGrpSpPr>
+        <p:grpSpPr>
+          <a:xfrm>
+            <a:off x="7092280" y="83285"/>
+            <a:ext cx="2192430" cy="665433"/>
+            <a:chOff x="1617431" y="2396892"/>
+            <a:chExt cx="5719711" cy="1736009"/>
+          </a:xfrm>
+        </p:grpSpPr>
+        <p:sp>
+          <p:nvSpPr>
+            <p:cNvPr id="29" name="TextBox 28"/>
+            <p:cNvSpPr txBox="1"/>
+            <p:nvPr/>
+          </p:nvSpPr>
+          <p:spPr>
+            <a:xfrm>
+              <a:off x="1617431" y="3481262"/>
+              <a:ext cx="5719711" cy="481764"/>
+            </a:xfrm>
+            <a:prstGeom prst="rect">
+              <a:avLst/>
+            </a:prstGeom>
+            <a:noFill/>
+          </p:spPr>
+          <p:txBody>
+            <a:bodyPr wrap="square" rtlCol="0">
+              <a:spAutoFit/>
+            </a:bodyPr>
+            <a:lstStyle/>
+            <a:p>
+              <a:pPr algn="ctr"/>
+              <a:r>
+                <a:rPr lang="en-US" altLang="ko-KR" sz="600" b="1" dirty="0" smtClean="0">
+                  <a:solidFill>
+                    <a:schemeClr val="tx1">
+                      <a:lumMod val="85000"/>
+                      <a:lumOff val="15000"/>
+                    </a:schemeClr>
+                  </a:solidFill>
+                  <a:latin typeface="+mj-lt"/>
+                  <a:ea typeface="휴먼모음T" pitchFamily="18" charset="-127"/>
+                </a:rPr>
+                <a:t>Samsung Software Membership Seminar #1-1</a:t>
+              </a:r>
+              <a:endParaRPr lang="ko-KR" altLang="en-US" sz="600" b="1" dirty="0">
+                <a:solidFill>
+                  <a:schemeClr val="tx1">
+                    <a:lumMod val="85000"/>
+                    <a:lumOff val="15000"/>
+                  </a:schemeClr>
+                </a:solidFill>
+                <a:latin typeface="+mj-lt"/>
+                <a:ea typeface="휴먼모음T" pitchFamily="18" charset="-127"/>
+              </a:endParaRPr>
+            </a:p>
+          </p:txBody>
+        </p:sp>
+        <p:pic>
+          <p:nvPicPr>
+            <p:cNvPr id="30" name="Picture 2" descr="C:\Users\Jake\Desktop\ssm_logo.gif"/>
+            <p:cNvPicPr>
+              <a:picLocks noChangeAspect="1" noChangeArrowheads="1"/>
+            </p:cNvPicPr>
+            <p:nvPr/>
+          </p:nvPicPr>
+          <p:blipFill>
+            <a:blip r:embed="rId12" cstate="print">
+              <a:extLst>
+                <a:ext uri="{28A0092B-C50C-407E-A947-70E740481C1C}">
+                  <a14:useLocalDpi xmlns:a14="http://schemas.microsoft.com/office/drawing/2010/main" val="0"/>
+                </a:ext>
+              </a:extLst>
+            </a:blip>
+            <a:srcRect/>
+            <a:stretch>
+              <a:fillRect/>
+            </a:stretch>
+          </p:blipFill>
+          <p:spPr bwMode="auto">
+            <a:xfrm>
+              <a:off x="4367848" y="3974119"/>
+              <a:ext cx="408300" cy="158782"/>
+            </a:xfrm>
+            <a:prstGeom prst="rect">
+              <a:avLst/>
+            </a:prstGeom>
+            <a:noFill/>
+            <a:extLst>
+              <a:ext uri="{909E8E84-426E-40DD-AFC4-6F175D3DCCD1}">
+                <a14:hiddenFill xmlns:a14="http://schemas.microsoft.com/office/drawing/2010/main">
+                  <a:solidFill>
+                    <a:srgbClr val="FFFFFF"/>
+                  </a:solidFill>
+                </a14:hiddenFill>
+              </a:ext>
+            </a:extLst>
+          </p:spPr>
+        </p:pic>
+        <p:pic>
+          <p:nvPicPr>
+            <p:cNvPr id="31" name="그림 30"/>
+            <p:cNvPicPr>
+              <a:picLocks noChangeAspect="1"/>
+            </p:cNvPicPr>
+            <p:nvPr/>
+          </p:nvPicPr>
+          <p:blipFill>
+            <a:blip r:embed="rId13" cstate="print">
+              <a:extLst>
+                <a:ext uri="{28A0092B-C50C-407E-A947-70E740481C1C}">
+                  <a14:useLocalDpi xmlns:a14="http://schemas.microsoft.com/office/drawing/2010/main" val="0"/>
+                </a:ext>
+              </a:extLst>
+            </a:blip>
+            <a:stretch>
+              <a:fillRect/>
+            </a:stretch>
+          </p:blipFill>
+          <p:spPr>
+            <a:xfrm>
+              <a:off x="2508250" y="2396892"/>
+              <a:ext cx="4127500" cy="1031875"/>
+            </a:xfrm>
+            <a:prstGeom prst="rect">
+              <a:avLst/>
+            </a:prstGeom>
+          </p:spPr>
+        </p:pic>
+        <p:cxnSp>
+          <p:nvCxnSpPr>
+            <p:cNvPr id="32" name="직선 연결선 31"/>
+            <p:cNvCxnSpPr/>
+            <p:nvPr/>
+          </p:nvCxnSpPr>
+          <p:spPr>
+            <a:xfrm>
+              <a:off x="2229594" y="3428767"/>
+              <a:ext cx="4604949" cy="0"/>
+            </a:xfrm>
+            <a:prstGeom prst="line">
+              <a:avLst/>
+            </a:prstGeom>
+          </p:spPr>
+          <p:style>
+            <a:lnRef idx="1">
+              <a:schemeClr val="dk1"/>
+            </a:lnRef>
+            <a:fillRef idx="0">
+              <a:schemeClr val="dk1"/>
+            </a:fillRef>
+            <a:effectRef idx="0">
+              <a:schemeClr val="dk1"/>
+            </a:effectRef>
+            <a:fontRef idx="minor">
+              <a:schemeClr val="tx1"/>
+            </a:fontRef>
+          </p:style>
+        </p:cxnSp>
+      </p:grpSp>
+    </p:spTree>
+    <p:extLst>
+      <p:ext uri="{BB962C8B-B14F-4D97-AF65-F5344CB8AC3E}">
+        <p14:creationId xmlns:p14="http://schemas.microsoft.com/office/powerpoint/2010/main" val="1109418292"/>
+      </p:ext>
+    </p:extLst>
+  </p:cSld>
+  <p:clrMapOvr>
+    <a:masterClrMapping/>
+  </p:clrMapOvr>
+  <p:timing>
+    <p:tnLst>
+      <p:par>
+        <p:cTn id="1" dur="indefinite" restart="never" nodeType="tmRoot"/>
+      </p:par>
+    </p:tnLst>
+  </p:timing>
+</p:sld>
+</file>
+
+<file path=ppt/slides/slide6.xml><?xml version="1.0" encoding="utf-8"?>
 <p:sld xmlns:a="http://schemas.openxmlformats.org/drawingml/2006/main" xmlns:r="http://schemas.openxmlformats.org/officeDocument/2006/relationships" xmlns:p="http://schemas.openxmlformats.org/presentationml/2006/main">
   <p:cSld>
     <p:spTree>
@@ -24807,7 +26214,7 @@
 </p:sld>
 </file>
 
-<file path=ppt/slides/slide6.xml><?xml version="1.0" encoding="utf-8"?>
+<file path=ppt/slides/slide7.xml><?xml version="1.0" encoding="utf-8"?>
 <p:sld xmlns:a="http://schemas.openxmlformats.org/drawingml/2006/main" xmlns:r="http://schemas.openxmlformats.org/officeDocument/2006/relationships" xmlns:p="http://schemas.openxmlformats.org/presentationml/2006/main">
   <p:cSld>
     <p:spTree>
@@ -25524,7 +26931,7 @@
 </p:sld>
 </file>
 
-<file path=ppt/slides/slide7.xml><?xml version="1.0" encoding="utf-8"?>
+<file path=ppt/slides/slide8.xml><?xml version="1.0" encoding="utf-8"?>
 <p:sld xmlns:a="http://schemas.openxmlformats.org/drawingml/2006/main" xmlns:r="http://schemas.openxmlformats.org/officeDocument/2006/relationships" xmlns:p="http://schemas.openxmlformats.org/presentationml/2006/main">
   <p:cSld>
     <p:spTree>
@@ -26409,7 +27816,7 @@
 </p:sld>
 </file>
 
-<file path=ppt/slides/slide8.xml><?xml version="1.0" encoding="utf-8"?>
+<file path=ppt/slides/slide9.xml><?xml version="1.0" encoding="utf-8"?>
 <p:sld xmlns:a="http://schemas.openxmlformats.org/drawingml/2006/main" xmlns:r="http://schemas.openxmlformats.org/officeDocument/2006/relationships" xmlns:p="http://schemas.openxmlformats.org/presentationml/2006/main">
   <p:cSld>
     <p:spTree>
@@ -27137,505 +28544,6 @@
     <p:extLst>
       <p:ext uri="{BB962C8B-B14F-4D97-AF65-F5344CB8AC3E}">
         <p14:creationId xmlns:p14="http://schemas.microsoft.com/office/powerpoint/2010/main" val="873617591"/>
-      </p:ext>
-    </p:extLst>
-  </p:cSld>
-  <p:clrMapOvr>
-    <a:masterClrMapping/>
-  </p:clrMapOvr>
-  <p:timing>
-    <p:tnLst>
-      <p:par>
-        <p:cTn id="1" dur="indefinite" restart="never" nodeType="tmRoot"/>
-      </p:par>
-    </p:tnLst>
-  </p:timing>
-</p:sld>
-</file>
-
-<file path=ppt/slides/slide9.xml><?xml version="1.0" encoding="utf-8"?>
-<p:sld xmlns:a="http://schemas.openxmlformats.org/drawingml/2006/main" xmlns:r="http://schemas.openxmlformats.org/officeDocument/2006/relationships" xmlns:p="http://schemas.openxmlformats.org/presentationml/2006/main">
-  <p:cSld>
-    <p:spTree>
-      <p:nvGrpSpPr>
-        <p:cNvPr id="1" name=""/>
-        <p:cNvGrpSpPr/>
-        <p:nvPr/>
-      </p:nvGrpSpPr>
-      <p:grpSpPr>
-        <a:xfrm>
-          <a:off x="0" y="0"/>
-          <a:ext cx="0" cy="0"/>
-          <a:chOff x="0" y="0"/>
-          <a:chExt cx="0" cy="0"/>
-        </a:xfrm>
-      </p:grpSpPr>
-      <p:cxnSp>
-        <p:nvCxnSpPr>
-          <p:cNvPr id="2" name="Straight Connector 1"/>
-          <p:cNvCxnSpPr/>
-          <p:nvPr/>
-        </p:nvCxnSpPr>
-        <p:spPr>
-          <a:xfrm>
-            <a:off x="241161" y="417949"/>
-            <a:ext cx="4033476" cy="0"/>
-          </a:xfrm>
-          <a:prstGeom prst="line">
-            <a:avLst/>
-          </a:prstGeom>
-          <a:ln w="38100" cmpd="sng">
-            <a:solidFill>
-              <a:schemeClr val="bg1">
-                <a:lumMod val="50000"/>
-              </a:schemeClr>
-            </a:solidFill>
-          </a:ln>
-          <a:effectLst/>
-        </p:spPr>
-        <p:style>
-          <a:lnRef idx="2">
-            <a:schemeClr val="accent1"/>
-          </a:lnRef>
-          <a:fillRef idx="0">
-            <a:schemeClr val="accent1"/>
-          </a:fillRef>
-          <a:effectRef idx="1">
-            <a:schemeClr val="accent1"/>
-          </a:effectRef>
-          <a:fontRef idx="minor">
-            <a:schemeClr val="tx1"/>
-          </a:fontRef>
-        </p:style>
-      </p:cxnSp>
-      <p:sp>
-        <p:nvSpPr>
-          <p:cNvPr id="3" name="TextBox 2"/>
-          <p:cNvSpPr txBox="1"/>
-          <p:nvPr/>
-        </p:nvSpPr>
-        <p:spPr>
-          <a:xfrm>
-            <a:off x="241161" y="469922"/>
-            <a:ext cx="3970959" cy="369332"/>
-          </a:xfrm>
-          <a:prstGeom prst="rect">
-            <a:avLst/>
-          </a:prstGeom>
-          <a:noFill/>
-        </p:spPr>
-        <p:txBody>
-          <a:bodyPr wrap="none" rtlCol="0">
-            <a:spAutoFit/>
-          </a:bodyPr>
-          <a:lstStyle/>
-          <a:p>
-            <a:r>
-              <a:rPr lang="en-US" altLang="ko-KR" dirty="0">
-                <a:solidFill>
-                  <a:srgbClr val="7F7F7F"/>
-                </a:solidFill>
-                <a:latin typeface="나눔고딕 ExtraBold"/>
-                <a:ea typeface="나눔고딕 ExtraBold"/>
-                <a:cs typeface="나눔고딕 ExtraBold"/>
-              </a:rPr>
-              <a:t>3</a:t>
-            </a:r>
-            <a:r>
-              <a:rPr lang="en-US" altLang="ko-KR" dirty="0" smtClean="0">
-                <a:solidFill>
-                  <a:srgbClr val="7F7F7F"/>
-                </a:solidFill>
-                <a:latin typeface="나눔고딕 ExtraBold"/>
-                <a:ea typeface="나눔고딕 ExtraBold"/>
-                <a:cs typeface="나눔고딕 ExtraBold"/>
-              </a:rPr>
-              <a:t>. Android Study </a:t>
-            </a:r>
-            <a:r>
-              <a:rPr lang="ko-KR" altLang="en-US" dirty="0" smtClean="0">
-                <a:solidFill>
-                  <a:srgbClr val="7F7F7F"/>
-                </a:solidFill>
-                <a:latin typeface="나눔고딕 ExtraBold"/>
-                <a:ea typeface="나눔고딕 ExtraBold"/>
-                <a:cs typeface="나눔고딕 ExtraBold"/>
-              </a:rPr>
-              <a:t>어떻게 진행되나요</a:t>
-            </a:r>
-            <a:r>
-              <a:rPr lang="en-US" altLang="ko-KR" dirty="0" smtClean="0">
-                <a:solidFill>
-                  <a:srgbClr val="7F7F7F"/>
-                </a:solidFill>
-                <a:latin typeface="나눔고딕 ExtraBold"/>
-                <a:ea typeface="나눔고딕 ExtraBold"/>
-                <a:cs typeface="나눔고딕 ExtraBold"/>
-              </a:rPr>
-              <a:t>?</a:t>
-            </a:r>
-            <a:endParaRPr lang="en-US" dirty="0">
-              <a:solidFill>
-                <a:schemeClr val="tx1">
-                  <a:lumMod val="50000"/>
-                  <a:lumOff val="50000"/>
-                </a:schemeClr>
-              </a:solidFill>
-              <a:latin typeface="나눔고딕 ExtraBold"/>
-              <a:ea typeface="나눔고딕 ExtraBold"/>
-              <a:cs typeface="나눔고딕 ExtraBold"/>
-            </a:endParaRPr>
-          </a:p>
-        </p:txBody>
-      </p:sp>
-      <p:sp>
-        <p:nvSpPr>
-          <p:cNvPr id="9" name="TextBox 8"/>
-          <p:cNvSpPr txBox="1"/>
-          <p:nvPr/>
-        </p:nvSpPr>
-        <p:spPr>
-          <a:xfrm>
-            <a:off x="241161" y="1437194"/>
-            <a:ext cx="7441461" cy="1477328"/>
-          </a:xfrm>
-          <a:prstGeom prst="rect">
-            <a:avLst/>
-          </a:prstGeom>
-          <a:noFill/>
-        </p:spPr>
-        <p:txBody>
-          <a:bodyPr wrap="none" rtlCol="0">
-            <a:spAutoFit/>
-          </a:bodyPr>
-          <a:lstStyle/>
-          <a:p>
-            <a:r>
-              <a:rPr lang="en-US" altLang="ko-KR" sz="2000" b="1" dirty="0" err="1">
-                <a:solidFill>
-                  <a:srgbClr val="FF6600"/>
-                </a:solidFill>
-                <a:latin typeface="나눔고딕"/>
-                <a:ea typeface="나눔고딕"/>
-                <a:cs typeface="나눔고딕"/>
-              </a:rPr>
-              <a:t>GitHub</a:t>
-            </a:r>
-            <a:r>
-              <a:rPr lang="en-US" altLang="ko-KR" sz="2000" b="1" dirty="0">
-                <a:solidFill>
-                  <a:srgbClr val="FF6600"/>
-                </a:solidFill>
-                <a:latin typeface="나눔고딕"/>
-                <a:ea typeface="나눔고딕"/>
-                <a:cs typeface="나눔고딕"/>
-              </a:rPr>
-              <a:t> repository </a:t>
-            </a:r>
-            <a:r>
-              <a:rPr lang="ko-KR" altLang="en-US" sz="2000" b="1" dirty="0">
-                <a:solidFill>
-                  <a:srgbClr val="FF6600"/>
-                </a:solidFill>
-                <a:latin typeface="나눔고딕"/>
-                <a:ea typeface="나눔고딕"/>
-                <a:cs typeface="나눔고딕"/>
-              </a:rPr>
-              <a:t>활용</a:t>
-            </a:r>
-            <a:endParaRPr lang="en-US" altLang="ko-KR" sz="2000" b="1" dirty="0">
-              <a:solidFill>
-                <a:srgbClr val="FF6600"/>
-              </a:solidFill>
-              <a:latin typeface="나눔고딕"/>
-              <a:ea typeface="나눔고딕"/>
-              <a:cs typeface="나눔고딕"/>
-            </a:endParaRPr>
-          </a:p>
-          <a:p>
-            <a:endParaRPr lang="en-US" sz="1600" dirty="0" smtClean="0">
-              <a:solidFill>
-                <a:schemeClr val="tx1">
-                  <a:lumMod val="50000"/>
-                  <a:lumOff val="50000"/>
-                </a:schemeClr>
-              </a:solidFill>
-              <a:latin typeface="나눔고딕"/>
-              <a:ea typeface="나눔고딕"/>
-              <a:cs typeface="나눔고딕"/>
-            </a:endParaRPr>
-          </a:p>
-          <a:p>
-            <a:pPr lvl="1"/>
-            <a:r>
-              <a:rPr lang="ko-KR" altLang="en-US" dirty="0" smtClean="0">
-                <a:solidFill>
-                  <a:schemeClr val="tx1">
-                    <a:lumMod val="50000"/>
-                    <a:lumOff val="50000"/>
-                  </a:schemeClr>
-                </a:solidFill>
-                <a:latin typeface="나눔고딕"/>
-                <a:ea typeface="나눔고딕"/>
-                <a:cs typeface="나눔고딕"/>
-              </a:rPr>
-              <a:t>다운로드 받은 소스들을 실행해보고 변형해보고 하나씩 배울 것입니다</a:t>
-            </a:r>
-            <a:r>
-              <a:rPr lang="en-US" altLang="ko-KR" dirty="0" smtClean="0">
-                <a:solidFill>
-                  <a:schemeClr val="tx1">
-                    <a:lumMod val="50000"/>
-                    <a:lumOff val="50000"/>
-                  </a:schemeClr>
-                </a:solidFill>
-                <a:latin typeface="나눔고딕"/>
-                <a:ea typeface="나눔고딕"/>
-                <a:cs typeface="나눔고딕"/>
-              </a:rPr>
-              <a:t>.</a:t>
-            </a:r>
-          </a:p>
-          <a:p>
-            <a:pPr lvl="1"/>
-            <a:endParaRPr lang="en-US" altLang="ko-KR" dirty="0">
-              <a:solidFill>
-                <a:schemeClr val="tx1">
-                  <a:lumMod val="50000"/>
-                  <a:lumOff val="50000"/>
-                </a:schemeClr>
-              </a:solidFill>
-              <a:latin typeface="나눔고딕"/>
-              <a:ea typeface="나눔고딕"/>
-              <a:cs typeface="나눔고딕"/>
-            </a:endParaRPr>
-          </a:p>
-          <a:p>
-            <a:pPr lvl="1"/>
-            <a:endParaRPr lang="en-US" altLang="ko-KR" dirty="0" smtClean="0">
-              <a:solidFill>
-                <a:schemeClr val="tx1">
-                  <a:lumMod val="50000"/>
-                  <a:lumOff val="50000"/>
-                </a:schemeClr>
-              </a:solidFill>
-              <a:latin typeface="나눔고딕"/>
-              <a:ea typeface="나눔고딕"/>
-              <a:cs typeface="나눔고딕"/>
-            </a:endParaRPr>
-          </a:p>
-        </p:txBody>
-      </p:sp>
-      <p:grpSp>
-        <p:nvGrpSpPr>
-          <p:cNvPr id="15" name="그룹 14"/>
-          <p:cNvGrpSpPr/>
-          <p:nvPr/>
-        </p:nvGrpSpPr>
-        <p:grpSpPr>
-          <a:xfrm>
-            <a:off x="7092280" y="83285"/>
-            <a:ext cx="2192430" cy="665433"/>
-            <a:chOff x="1617431" y="2396892"/>
-            <a:chExt cx="5719711" cy="1736009"/>
-          </a:xfrm>
-        </p:grpSpPr>
-        <p:sp>
-          <p:nvSpPr>
-            <p:cNvPr id="16" name="TextBox 15"/>
-            <p:cNvSpPr txBox="1"/>
-            <p:nvPr/>
-          </p:nvSpPr>
-          <p:spPr>
-            <a:xfrm>
-              <a:off x="1617431" y="3481262"/>
-              <a:ext cx="5719711" cy="481764"/>
-            </a:xfrm>
-            <a:prstGeom prst="rect">
-              <a:avLst/>
-            </a:prstGeom>
-            <a:noFill/>
-          </p:spPr>
-          <p:txBody>
-            <a:bodyPr wrap="square" rtlCol="0">
-              <a:spAutoFit/>
-            </a:bodyPr>
-            <a:lstStyle/>
-            <a:p>
-              <a:pPr algn="ctr"/>
-              <a:r>
-                <a:rPr lang="en-US" altLang="ko-KR" sz="600" b="1" dirty="0" smtClean="0">
-                  <a:solidFill>
-                    <a:schemeClr val="tx1">
-                      <a:lumMod val="85000"/>
-                      <a:lumOff val="15000"/>
-                    </a:schemeClr>
-                  </a:solidFill>
-                  <a:latin typeface="+mj-lt"/>
-                  <a:ea typeface="휴먼모음T" pitchFamily="18" charset="-127"/>
-                </a:rPr>
-                <a:t>Samsung Software Membership Seminar #1-1</a:t>
-              </a:r>
-              <a:endParaRPr lang="ko-KR" altLang="en-US" sz="600" b="1" dirty="0">
-                <a:solidFill>
-                  <a:schemeClr val="tx1">
-                    <a:lumMod val="85000"/>
-                    <a:lumOff val="15000"/>
-                  </a:schemeClr>
-                </a:solidFill>
-                <a:latin typeface="+mj-lt"/>
-                <a:ea typeface="휴먼모음T" pitchFamily="18" charset="-127"/>
-              </a:endParaRPr>
-            </a:p>
-          </p:txBody>
-        </p:sp>
-        <p:pic>
-          <p:nvPicPr>
-            <p:cNvPr id="17" name="Picture 2" descr="C:\Users\Jake\Desktop\ssm_logo.gif"/>
-            <p:cNvPicPr>
-              <a:picLocks noChangeAspect="1" noChangeArrowheads="1"/>
-            </p:cNvPicPr>
-            <p:nvPr/>
-          </p:nvPicPr>
-          <p:blipFill>
-            <a:blip r:embed="rId2" cstate="print">
-              <a:extLst>
-                <a:ext uri="{28A0092B-C50C-407E-A947-70E740481C1C}">
-                  <a14:useLocalDpi xmlns:a14="http://schemas.microsoft.com/office/drawing/2010/main" val="0"/>
-                </a:ext>
-              </a:extLst>
-            </a:blip>
-            <a:srcRect/>
-            <a:stretch>
-              <a:fillRect/>
-            </a:stretch>
-          </p:blipFill>
-          <p:spPr bwMode="auto">
-            <a:xfrm>
-              <a:off x="4367848" y="3974119"/>
-              <a:ext cx="408300" cy="158782"/>
-            </a:xfrm>
-            <a:prstGeom prst="rect">
-              <a:avLst/>
-            </a:prstGeom>
-            <a:noFill/>
-            <a:extLst>
-              <a:ext uri="{909E8E84-426E-40DD-AFC4-6F175D3DCCD1}">
-                <a14:hiddenFill xmlns:a14="http://schemas.microsoft.com/office/drawing/2010/main">
-                  <a:solidFill>
-                    <a:srgbClr val="FFFFFF"/>
-                  </a:solidFill>
-                </a14:hiddenFill>
-              </a:ext>
-            </a:extLst>
-          </p:spPr>
-        </p:pic>
-        <p:pic>
-          <p:nvPicPr>
-            <p:cNvPr id="18" name="그림 17"/>
-            <p:cNvPicPr>
-              <a:picLocks noChangeAspect="1"/>
-            </p:cNvPicPr>
-            <p:nvPr/>
-          </p:nvPicPr>
-          <p:blipFill>
-            <a:blip r:embed="rId3" cstate="print">
-              <a:extLst>
-                <a:ext uri="{28A0092B-C50C-407E-A947-70E740481C1C}">
-                  <a14:useLocalDpi xmlns:a14="http://schemas.microsoft.com/office/drawing/2010/main" val="0"/>
-                </a:ext>
-              </a:extLst>
-            </a:blip>
-            <a:stretch>
-              <a:fillRect/>
-            </a:stretch>
-          </p:blipFill>
-          <p:spPr>
-            <a:xfrm>
-              <a:off x="2508250" y="2396892"/>
-              <a:ext cx="4127500" cy="1031875"/>
-            </a:xfrm>
-            <a:prstGeom prst="rect">
-              <a:avLst/>
-            </a:prstGeom>
-          </p:spPr>
-        </p:pic>
-        <p:cxnSp>
-          <p:nvCxnSpPr>
-            <p:cNvPr id="19" name="직선 연결선 18"/>
-            <p:cNvCxnSpPr/>
-            <p:nvPr/>
-          </p:nvCxnSpPr>
-          <p:spPr>
-            <a:xfrm>
-              <a:off x="2229594" y="3428767"/>
-              <a:ext cx="4604949" cy="0"/>
-            </a:xfrm>
-            <a:prstGeom prst="line">
-              <a:avLst/>
-            </a:prstGeom>
-          </p:spPr>
-          <p:style>
-            <a:lnRef idx="1">
-              <a:schemeClr val="dk1"/>
-            </a:lnRef>
-            <a:fillRef idx="0">
-              <a:schemeClr val="dk1"/>
-            </a:fillRef>
-            <a:effectRef idx="0">
-              <a:schemeClr val="dk1"/>
-            </a:effectRef>
-            <a:fontRef idx="minor">
-              <a:schemeClr val="tx1"/>
-            </a:fontRef>
-          </p:style>
-        </p:cxnSp>
-      </p:grpSp>
-      <p:pic>
-        <p:nvPicPr>
-          <p:cNvPr id="4099" name="Picture 3" descr="C:\Users\Jake\Desktop\CAM00352.jpg"/>
-          <p:cNvPicPr>
-            <a:picLocks noChangeAspect="1" noChangeArrowheads="1"/>
-          </p:cNvPicPr>
-          <p:nvPr/>
-        </p:nvPicPr>
-        <p:blipFill>
-          <a:blip r:embed="rId4" cstate="print">
-            <a:extLst>
-              <a:ext uri="{28A0092B-C50C-407E-A947-70E740481C1C}">
-                <a14:useLocalDpi xmlns:a14="http://schemas.microsoft.com/office/drawing/2010/main" val="0"/>
-              </a:ext>
-            </a:extLst>
-          </a:blip>
-          <a:srcRect/>
-          <a:stretch>
-            <a:fillRect/>
-          </a:stretch>
-        </p:blipFill>
-        <p:spPr bwMode="auto">
-          <a:xfrm>
-            <a:off x="2045517" y="2564904"/>
-            <a:ext cx="5240646" cy="3885448"/>
-          </a:xfrm>
-          <a:prstGeom prst="rect">
-            <a:avLst/>
-          </a:prstGeom>
-          <a:noFill/>
-          <a:extLst>
-            <a:ext uri="{909E8E84-426E-40DD-AFC4-6F175D3DCCD1}">
-              <a14:hiddenFill xmlns:a14="http://schemas.microsoft.com/office/drawing/2010/main">
-                <a:solidFill>
-                  <a:srgbClr val="FFFFFF"/>
-                </a:solidFill>
-              </a14:hiddenFill>
-            </a:ext>
-          </a:extLst>
-        </p:spPr>
-      </p:pic>
-    </p:spTree>
-    <p:extLst>
-      <p:ext uri="{BB962C8B-B14F-4D97-AF65-F5344CB8AC3E}">
-        <p14:creationId xmlns:p14="http://schemas.microsoft.com/office/powerpoint/2010/main" val="1250597858"/>
       </p:ext>
     </p:extLst>
   </p:cSld>
@@ -27935,4 +28843,289 @@
   <a:objectDefaults/>
   <a:extraClrSchemeLst/>
 </a:theme>
+</file>
+
+<file path=ppt/theme/theme2.xml><?xml version="1.0" encoding="utf-8"?>
+<a:theme xmlns:a="http://schemas.openxmlformats.org/drawingml/2006/main" name="Office 테마">
+  <a:themeElements>
+    <a:clrScheme name="Office">
+      <a:dk1>
+        <a:sysClr val="windowText" lastClr="000000"/>
+      </a:dk1>
+      <a:lt1>
+        <a:sysClr val="window" lastClr="FFFFFF"/>
+      </a:lt1>
+      <a:dk2>
+        <a:srgbClr val="1F497D"/>
+      </a:dk2>
+      <a:lt2>
+        <a:srgbClr val="EEECE1"/>
+      </a:lt2>
+      <a:accent1>
+        <a:srgbClr val="4F81BD"/>
+      </a:accent1>
+      <a:accent2>
+        <a:srgbClr val="C0504D"/>
+      </a:accent2>
+      <a:accent3>
+        <a:srgbClr val="9BBB59"/>
+      </a:accent3>
+      <a:accent4>
+        <a:srgbClr val="8064A2"/>
+      </a:accent4>
+      <a:accent5>
+        <a:srgbClr val="4BACC6"/>
+      </a:accent5>
+      <a:accent6>
+        <a:srgbClr val="F79646"/>
+      </a:accent6>
+      <a:hlink>
+        <a:srgbClr val="0000FF"/>
+      </a:hlink>
+      <a:folHlink>
+        <a:srgbClr val="800080"/>
+      </a:folHlink>
+    </a:clrScheme>
+    <a:fontScheme name="Office">
+      <a:majorFont>
+        <a:latin typeface="맑은 고딕"/>
+        <a:ea typeface=""/>
+        <a:cs typeface=""/>
+        <a:font script="Jpan" typeface="ＭＳ Ｐゴシック"/>
+        <a:font script="Hang" typeface="맑은 고딕"/>
+        <a:font script="Hans" typeface="宋体"/>
+        <a:font script="Hant" typeface="新細明體"/>
+        <a:font script="Arab" typeface="Times New Roman"/>
+        <a:font script="Hebr" typeface="Times New Roman"/>
+        <a:font script="Thai" typeface="Angsana New"/>
+        <a:font script="Ethi" typeface="Nyala"/>
+        <a:font script="Beng" typeface="Vrinda"/>
+        <a:font script="Gujr" typeface="Shruti"/>
+        <a:font script="Khmr" typeface="MoolBoran"/>
+        <a:font script="Knda" typeface="Tunga"/>
+        <a:font script="Guru" typeface="Raavi"/>
+        <a:font script="Cans" typeface="Euphemia"/>
+        <a:font script="Cher" typeface="Plantagenet Cherokee"/>
+        <a:font script="Yiii" typeface="Microsoft Yi Baiti"/>
+        <a:font script="Tibt" typeface="Microsoft Himalaya"/>
+        <a:font script="Thaa" typeface="MV Boli"/>
+        <a:font script="Deva" typeface="Mangal"/>
+        <a:font script="Telu" typeface="Gautami"/>
+        <a:font script="Taml" typeface="Latha"/>
+        <a:font script="Syrc" typeface="Estrangelo Edessa"/>
+        <a:font script="Orya" typeface="Kalinga"/>
+        <a:font script="Mlym" typeface="Kartika"/>
+        <a:font script="Laoo" typeface="DokChampa"/>
+        <a:font script="Sinh" typeface="Iskoola Pota"/>
+        <a:font script="Mong" typeface="Mongolian Baiti"/>
+        <a:font script="Viet" typeface="Times New Roman"/>
+        <a:font script="Uigh" typeface="Microsoft Uighur"/>
+        <a:font script="Geor" typeface="Sylfaen"/>
+      </a:majorFont>
+      <a:minorFont>
+        <a:latin typeface="맑은 고딕"/>
+        <a:ea typeface=""/>
+        <a:cs typeface=""/>
+        <a:font script="Jpan" typeface="ＭＳ Ｐゴシック"/>
+        <a:font script="Hang" typeface="맑은 고딕"/>
+        <a:font script="Hans" typeface="宋体"/>
+        <a:font script="Hant" typeface="新細明體"/>
+        <a:font script="Arab" typeface="Arial"/>
+        <a:font script="Hebr" typeface="Arial"/>
+        <a:font script="Thai" typeface="Cordia New"/>
+        <a:font script="Ethi" typeface="Nyala"/>
+        <a:font script="Beng" typeface="Vrinda"/>
+        <a:font script="Gujr" typeface="Shruti"/>
+        <a:font script="Khmr" typeface="DaunPenh"/>
+        <a:font script="Knda" typeface="Tunga"/>
+        <a:font script="Guru" typeface="Raavi"/>
+        <a:font script="Cans" typeface="Euphemia"/>
+        <a:font script="Cher" typeface="Plantagenet Cherokee"/>
+        <a:font script="Yiii" typeface="Microsoft Yi Baiti"/>
+        <a:font script="Tibt" typeface="Microsoft Himalaya"/>
+        <a:font script="Thaa" typeface="MV Boli"/>
+        <a:font script="Deva" typeface="Mangal"/>
+        <a:font script="Telu" typeface="Gautami"/>
+        <a:font script="Taml" typeface="Latha"/>
+        <a:font script="Syrc" typeface="Estrangelo Edessa"/>
+        <a:font script="Orya" typeface="Kalinga"/>
+        <a:font script="Mlym" typeface="Kartika"/>
+        <a:font script="Laoo" typeface="DokChampa"/>
+        <a:font script="Sinh" typeface="Iskoola Pota"/>
+        <a:font script="Mong" typeface="Mongolian Baiti"/>
+        <a:font script="Viet" typeface="Arial"/>
+        <a:font script="Uigh" typeface="Microsoft Uighur"/>
+        <a:font script="Geor" typeface="Sylfaen"/>
+      </a:minorFont>
+    </a:fontScheme>
+    <a:fmtScheme name="Office">
+      <a:fillStyleLst>
+        <a:solidFill>
+          <a:schemeClr val="phClr"/>
+        </a:solidFill>
+        <a:gradFill rotWithShape="1">
+          <a:gsLst>
+            <a:gs pos="0">
+              <a:schemeClr val="phClr">
+                <a:tint val="50000"/>
+                <a:satMod val="300000"/>
+              </a:schemeClr>
+            </a:gs>
+            <a:gs pos="35000">
+              <a:schemeClr val="phClr">
+                <a:tint val="37000"/>
+                <a:satMod val="300000"/>
+              </a:schemeClr>
+            </a:gs>
+            <a:gs pos="100000">
+              <a:schemeClr val="phClr">
+                <a:tint val="15000"/>
+                <a:satMod val="350000"/>
+              </a:schemeClr>
+            </a:gs>
+          </a:gsLst>
+          <a:lin ang="16200000" scaled="1"/>
+        </a:gradFill>
+        <a:gradFill rotWithShape="1">
+          <a:gsLst>
+            <a:gs pos="0">
+              <a:schemeClr val="phClr">
+                <a:shade val="51000"/>
+                <a:satMod val="130000"/>
+              </a:schemeClr>
+            </a:gs>
+            <a:gs pos="80000">
+              <a:schemeClr val="phClr">
+                <a:shade val="93000"/>
+                <a:satMod val="130000"/>
+              </a:schemeClr>
+            </a:gs>
+            <a:gs pos="100000">
+              <a:schemeClr val="phClr">
+                <a:shade val="94000"/>
+                <a:satMod val="135000"/>
+              </a:schemeClr>
+            </a:gs>
+          </a:gsLst>
+          <a:lin ang="16200000" scaled="0"/>
+        </a:gradFill>
+      </a:fillStyleLst>
+      <a:lnStyleLst>
+        <a:ln w="9525" cap="flat" cmpd="sng" algn="ctr">
+          <a:solidFill>
+            <a:schemeClr val="phClr">
+              <a:shade val="95000"/>
+              <a:satMod val="105000"/>
+            </a:schemeClr>
+          </a:solidFill>
+          <a:prstDash val="solid"/>
+        </a:ln>
+        <a:ln w="25400" cap="flat" cmpd="sng" algn="ctr">
+          <a:solidFill>
+            <a:schemeClr val="phClr"/>
+          </a:solidFill>
+          <a:prstDash val="solid"/>
+        </a:ln>
+        <a:ln w="38100" cap="flat" cmpd="sng" algn="ctr">
+          <a:solidFill>
+            <a:schemeClr val="phClr"/>
+          </a:solidFill>
+          <a:prstDash val="solid"/>
+        </a:ln>
+      </a:lnStyleLst>
+      <a:effectStyleLst>
+        <a:effectStyle>
+          <a:effectLst>
+            <a:outerShdw blurRad="40000" dist="20000" dir="5400000" rotWithShape="0">
+              <a:srgbClr val="000000">
+                <a:alpha val="38000"/>
+              </a:srgbClr>
+            </a:outerShdw>
+          </a:effectLst>
+        </a:effectStyle>
+        <a:effectStyle>
+          <a:effectLst>
+            <a:outerShdw blurRad="40000" dist="23000" dir="5400000" rotWithShape="0">
+              <a:srgbClr val="000000">
+                <a:alpha val="35000"/>
+              </a:srgbClr>
+            </a:outerShdw>
+          </a:effectLst>
+        </a:effectStyle>
+        <a:effectStyle>
+          <a:effectLst>
+            <a:outerShdw blurRad="40000" dist="23000" dir="5400000" rotWithShape="0">
+              <a:srgbClr val="000000">
+                <a:alpha val="35000"/>
+              </a:srgbClr>
+            </a:outerShdw>
+          </a:effectLst>
+          <a:scene3d>
+            <a:camera prst="orthographicFront">
+              <a:rot lat="0" lon="0" rev="0"/>
+            </a:camera>
+            <a:lightRig rig="threePt" dir="t">
+              <a:rot lat="0" lon="0" rev="1200000"/>
+            </a:lightRig>
+          </a:scene3d>
+          <a:sp3d>
+            <a:bevelT w="63500" h="25400"/>
+          </a:sp3d>
+        </a:effectStyle>
+      </a:effectStyleLst>
+      <a:bgFillStyleLst>
+        <a:solidFill>
+          <a:schemeClr val="phClr"/>
+        </a:solidFill>
+        <a:gradFill rotWithShape="1">
+          <a:gsLst>
+            <a:gs pos="0">
+              <a:schemeClr val="phClr">
+                <a:tint val="40000"/>
+                <a:satMod val="350000"/>
+              </a:schemeClr>
+            </a:gs>
+            <a:gs pos="40000">
+              <a:schemeClr val="phClr">
+                <a:tint val="45000"/>
+                <a:shade val="99000"/>
+                <a:satMod val="350000"/>
+              </a:schemeClr>
+            </a:gs>
+            <a:gs pos="100000">
+              <a:schemeClr val="phClr">
+                <a:shade val="20000"/>
+                <a:satMod val="255000"/>
+              </a:schemeClr>
+            </a:gs>
+          </a:gsLst>
+          <a:path path="circle">
+            <a:fillToRect l="50000" t="-80000" r="50000" b="180000"/>
+          </a:path>
+        </a:gradFill>
+        <a:gradFill rotWithShape="1">
+          <a:gsLst>
+            <a:gs pos="0">
+              <a:schemeClr val="phClr">
+                <a:tint val="80000"/>
+                <a:satMod val="300000"/>
+              </a:schemeClr>
+            </a:gs>
+            <a:gs pos="100000">
+              <a:schemeClr val="phClr">
+                <a:shade val="30000"/>
+                <a:satMod val="200000"/>
+              </a:schemeClr>
+            </a:gs>
+          </a:gsLst>
+          <a:path path="circle">
+            <a:fillToRect l="50000" t="50000" r="50000" b="50000"/>
+          </a:path>
+        </a:gradFill>
+      </a:bgFillStyleLst>
+    </a:fmtScheme>
+  </a:themeElements>
+  <a:objectDefaults/>
+  <a:extraClrSchemeLst/>
+</a:theme>
 </file>